--- a/ch03/第3章 数组.pptx
+++ b/ch03/第3章 数组.pptx
@@ -5,30 +5,27 @@
     <p:sldMasterId id="2147484205" r:id="rId1"/>
   </p:sldMasterIdLst>
   <p:notesMasterIdLst>
-    <p:notesMasterId r:id="rId21"/>
+    <p:notesMasterId r:id="rId18"/>
   </p:notesMasterIdLst>
   <p:sldIdLst>
     <p:sldId id="256" r:id="rId2"/>
     <p:sldId id="537" r:id="rId3"/>
     <p:sldId id="666" r:id="rId4"/>
-    <p:sldId id="667" r:id="rId5"/>
-    <p:sldId id="668" r:id="rId6"/>
-    <p:sldId id="669" r:id="rId7"/>
-    <p:sldId id="670" r:id="rId8"/>
-    <p:sldId id="681" r:id="rId9"/>
-    <p:sldId id="671" r:id="rId10"/>
-    <p:sldId id="672" r:id="rId11"/>
-    <p:sldId id="673" r:id="rId12"/>
-    <p:sldId id="674" r:id="rId13"/>
-    <p:sldId id="675" r:id="rId14"/>
-    <p:sldId id="676" r:id="rId15"/>
-    <p:sldId id="677" r:id="rId16"/>
-    <p:sldId id="678" r:id="rId17"/>
-    <p:sldId id="679" r:id="rId18"/>
-    <p:sldId id="680" r:id="rId19"/>
-    <p:sldId id="618" r:id="rId20"/>
+    <p:sldId id="668" r:id="rId5"/>
+    <p:sldId id="669" r:id="rId6"/>
+    <p:sldId id="670" r:id="rId7"/>
+    <p:sldId id="681" r:id="rId8"/>
+    <p:sldId id="671" r:id="rId9"/>
+    <p:sldId id="672" r:id="rId10"/>
+    <p:sldId id="674" r:id="rId11"/>
+    <p:sldId id="675" r:id="rId12"/>
+    <p:sldId id="676" r:id="rId13"/>
+    <p:sldId id="678" r:id="rId14"/>
+    <p:sldId id="679" r:id="rId15"/>
+    <p:sldId id="680" r:id="rId16"/>
+    <p:sldId id="618" r:id="rId17"/>
   </p:sldIdLst>
-  <p:sldSz cx="9144000" cy="6858000" type="screen4x3"/>
+  <p:sldSz cx="12192000" cy="6858000"/>
   <p:notesSz cx="6794500" cy="9918700"/>
   <p:defaultTextStyle>
     <a:defPPr>
@@ -163,12 +160,12 @@
   <p:extLst>
     <p:ext uri="{EFAFB233-063F-42B5-8137-9DF3F51BA10A}">
       <p15:sldGuideLst xmlns:p15="http://schemas.microsoft.com/office/powerpoint/2012/main">
-        <p15:guide id="1" orient="horz" pos="2180">
+        <p15:guide id="1" orient="horz" pos="2180" userDrawn="1">
           <p15:clr>
             <a:srgbClr val="A4A3A4"/>
           </p15:clr>
         </p15:guide>
-        <p15:guide id="2" pos="2812">
+        <p15:guide id="2" pos="3749" userDrawn="1">
           <p15:clr>
             <a:srgbClr val="A4A3A4"/>
           </p15:clr>
@@ -354,8 +351,8 @@
         </p:nvSpPr>
         <p:spPr bwMode="auto">
           <a:xfrm>
-            <a:off x="917575" y="744538"/>
-            <a:ext cx="4959350" cy="3719512"/>
+            <a:off x="92075" y="744538"/>
+            <a:ext cx="6610350" cy="3719512"/>
           </a:xfrm>
           <a:prstGeom prst="rect">
             <a:avLst/>
@@ -768,21 +765,19 @@
       </p:grpSpPr>
       <p:sp>
         <p:nvSpPr>
-          <p:cNvPr id="23554" name="幻灯片图像占位符 1"/>
+          <p:cNvPr id="2" name="幻灯片图像占位符 1"/>
           <p:cNvSpPr>
-            <a:spLocks noGrp="1" noRot="1" noChangeAspect="1" noTextEdit="1"/>
+            <a:spLocks noGrp="1" noRot="1" noChangeAspect="1"/>
           </p:cNvSpPr>
           <p:nvPr>
             <p:ph type="sldImg"/>
           </p:nvPr>
         </p:nvSpPr>
-        <p:spPr>
-          <a:ln/>
-        </p:spPr>
+        <p:spPr/>
       </p:sp>
       <p:sp>
         <p:nvSpPr>
-          <p:cNvPr id="23555" name="备注占位符 2"/>
+          <p:cNvPr id="3" name="备注占位符 2"/>
           <p:cNvSpPr>
             <a:spLocks noGrp="1"/>
           </p:cNvSpPr>
@@ -790,193 +785,48 @@
             <p:ph type="body" idx="1"/>
           </p:nvPr>
         </p:nvSpPr>
-        <p:spPr>
-          <a:noFill/>
-          <a:ln/>
-          <a:extLst>
-            <a:ext uri="{909E8E84-426E-40DD-AFC4-6F175D3DCCD1}">
-              <a14:hiddenFill xmlns:a14="http://schemas.microsoft.com/office/drawing/2010/main">
-                <a:solidFill>
-                  <a:srgbClr val="FFFFFF"/>
-                </a:solidFill>
-              </a14:hiddenFill>
-            </a:ext>
-            <a:ext uri="{91240B29-F687-4F45-9708-019B960494DF}">
-              <a14:hiddenLine xmlns:a14="http://schemas.microsoft.com/office/drawing/2010/main" w="9525">
-                <a:solidFill>
-                  <a:srgbClr val="000000"/>
-                </a:solidFill>
-                <a:miter lim="800000"/>
-                <a:headEnd/>
-                <a:tailEnd/>
-              </a14:hiddenLine>
-            </a:ext>
-          </a:extLst>
-        </p:spPr>
+        <p:spPr/>
         <p:txBody>
           <a:bodyPr/>
           <a:lstStyle/>
           <a:p>
-            <a:endParaRPr lang="zh-CN" altLang="en-US" smtClean="0"/>
+            <a:endParaRPr lang="zh-CN" altLang="en-US" dirty="0"/>
           </a:p>
         </p:txBody>
       </p:sp>
       <p:sp>
         <p:nvSpPr>
-          <p:cNvPr id="23556" name="灯片编号占位符 3"/>
+          <p:cNvPr id="4" name="灯片编号占位符 3"/>
           <p:cNvSpPr>
             <a:spLocks noGrp="1"/>
           </p:cNvSpPr>
           <p:nvPr>
-            <p:ph type="sldNum" sz="quarter" idx="5"/>
+            <p:ph type="sldNum" sz="quarter" idx="10"/>
           </p:nvPr>
         </p:nvSpPr>
-        <p:spPr>
-          <a:noFill/>
-          <a:ln/>
-          <a:extLst>
-            <a:ext uri="{909E8E84-426E-40DD-AFC4-6F175D3DCCD1}">
-              <a14:hiddenFill xmlns:a14="http://schemas.microsoft.com/office/drawing/2010/main">
-                <a:solidFill>
-                  <a:srgbClr val="FFFFFF"/>
-                </a:solidFill>
-              </a14:hiddenFill>
-            </a:ext>
-            <a:ext uri="{91240B29-F687-4F45-9708-019B960494DF}">
-              <a14:hiddenLine xmlns:a14="http://schemas.microsoft.com/office/drawing/2010/main" w="9525">
-                <a:solidFill>
-                  <a:srgbClr val="000000"/>
-                </a:solidFill>
-                <a:miter lim="800000"/>
-                <a:headEnd/>
-                <a:tailEnd/>
-              </a14:hiddenLine>
-            </a:ext>
-          </a:extLst>
-        </p:spPr>
+        <p:spPr/>
         <p:txBody>
           <a:bodyPr/>
-          <a:lstStyle>
-            <a:lvl1pPr eaLnBrk="0" hangingPunct="0">
-              <a:defRPr sz="2000">
-                <a:solidFill>
-                  <a:srgbClr val="A50021"/>
-                </a:solidFill>
-                <a:latin typeface="Arial" charset="0"/>
-              </a:defRPr>
-            </a:lvl1pPr>
-            <a:lvl2pPr marL="742950" indent="-285750" eaLnBrk="0" hangingPunct="0">
-              <a:defRPr sz="2000">
-                <a:solidFill>
-                  <a:srgbClr val="A50021"/>
-                </a:solidFill>
-                <a:latin typeface="Arial" charset="0"/>
-              </a:defRPr>
-            </a:lvl2pPr>
-            <a:lvl3pPr marL="1143000" indent="-228600" eaLnBrk="0" hangingPunct="0">
-              <a:defRPr sz="2000">
-                <a:solidFill>
-                  <a:srgbClr val="A50021"/>
-                </a:solidFill>
-                <a:latin typeface="Arial" charset="0"/>
-              </a:defRPr>
-            </a:lvl3pPr>
-            <a:lvl4pPr marL="1600200" indent="-228600" eaLnBrk="0" hangingPunct="0">
-              <a:defRPr sz="2000">
-                <a:solidFill>
-                  <a:srgbClr val="A50021"/>
-                </a:solidFill>
-                <a:latin typeface="Arial" charset="0"/>
-              </a:defRPr>
-            </a:lvl4pPr>
-            <a:lvl5pPr marL="2057400" indent="-228600" eaLnBrk="0" hangingPunct="0">
-              <a:defRPr sz="2000">
-                <a:solidFill>
-                  <a:srgbClr val="A50021"/>
-                </a:solidFill>
-                <a:latin typeface="Arial" charset="0"/>
-              </a:defRPr>
-            </a:lvl5pPr>
-            <a:lvl6pPr marL="2514600" indent="-228600" eaLnBrk="0" fontAlgn="base" hangingPunct="0">
-              <a:spcBef>
-                <a:spcPct val="0"/>
-              </a:spcBef>
-              <a:spcAft>
-                <a:spcPct val="0"/>
-              </a:spcAft>
-              <a:defRPr sz="2000">
-                <a:solidFill>
-                  <a:srgbClr val="A50021"/>
-                </a:solidFill>
-                <a:latin typeface="Arial" charset="0"/>
-              </a:defRPr>
-            </a:lvl6pPr>
-            <a:lvl7pPr marL="2971800" indent="-228600" eaLnBrk="0" fontAlgn="base" hangingPunct="0">
-              <a:spcBef>
-                <a:spcPct val="0"/>
-              </a:spcBef>
-              <a:spcAft>
-                <a:spcPct val="0"/>
-              </a:spcAft>
-              <a:defRPr sz="2000">
-                <a:solidFill>
-                  <a:srgbClr val="A50021"/>
-                </a:solidFill>
-                <a:latin typeface="Arial" charset="0"/>
-              </a:defRPr>
-            </a:lvl7pPr>
-            <a:lvl8pPr marL="3429000" indent="-228600" eaLnBrk="0" fontAlgn="base" hangingPunct="0">
-              <a:spcBef>
-                <a:spcPct val="0"/>
-              </a:spcBef>
-              <a:spcAft>
-                <a:spcPct val="0"/>
-              </a:spcAft>
-              <a:defRPr sz="2000">
-                <a:solidFill>
-                  <a:srgbClr val="A50021"/>
-                </a:solidFill>
-                <a:latin typeface="Arial" charset="0"/>
-              </a:defRPr>
-            </a:lvl8pPr>
-            <a:lvl9pPr marL="3886200" indent="-228600" eaLnBrk="0" fontAlgn="base" hangingPunct="0">
-              <a:spcBef>
-                <a:spcPct val="0"/>
-              </a:spcBef>
-              <a:spcAft>
-                <a:spcPct val="0"/>
-              </a:spcAft>
-              <a:defRPr sz="2000">
-                <a:solidFill>
-                  <a:srgbClr val="A50021"/>
-                </a:solidFill>
-                <a:latin typeface="Arial" charset="0"/>
-              </a:defRPr>
-            </a:lvl9pPr>
-          </a:lstStyle>
-          <a:p>
-            <a:pPr eaLnBrk="1" hangingPunct="1"/>
-            <a:fld id="{05D8A813-7F41-46AB-9DB7-A683BBF0EB66}" type="slidenum">
-              <a:rPr lang="pt-PT" altLang="zh-CN" sz="1200" smtClean="0">
-                <a:solidFill>
-                  <a:schemeClr val="tx1"/>
-                </a:solidFill>
-              </a:rPr>
-              <a:pPr eaLnBrk="1" hangingPunct="1"/>
-              <a:t>4</a:t>
+          <a:lstStyle/>
+          <a:p>
+            <a:pPr>
+              <a:defRPr/>
+            </a:pPr>
+            <a:fld id="{9F881EA6-9217-4A53-BC39-24988C79B76B}" type="slidenum">
+              <a:rPr lang="pt-PT" altLang="en-US" smtClean="0"/>
+              <a:pPr>
+                <a:defRPr/>
+              </a:pPr>
+              <a:t>1</a:t>
             </a:fld>
-            <a:endParaRPr lang="pt-PT" altLang="zh-CN" sz="1200" smtClean="0">
-              <a:solidFill>
-                <a:schemeClr val="tx1"/>
-              </a:solidFill>
-            </a:endParaRPr>
+            <a:endParaRPr lang="pt-PT" altLang="en-US"/>
           </a:p>
         </p:txBody>
       </p:sp>
     </p:spTree>
     <p:extLst>
       <p:ext uri="{BB962C8B-B14F-4D97-AF65-F5344CB8AC3E}">
-        <p14:creationId xmlns:p14="http://schemas.microsoft.com/office/powerpoint/2010/main" val="2577473238"/>
+        <p14:creationId xmlns:p14="http://schemas.microsoft.com/office/powerpoint/2010/main" val="2706541044"/>
       </p:ext>
     </p:extLst>
   </p:cSld>
@@ -1005,21 +855,19 @@
       </p:grpSpPr>
       <p:sp>
         <p:nvSpPr>
-          <p:cNvPr id="23554" name="幻灯片图像占位符 1"/>
+          <p:cNvPr id="2" name="幻灯片图像占位符 1"/>
           <p:cNvSpPr>
-            <a:spLocks noGrp="1" noRot="1" noChangeAspect="1" noTextEdit="1"/>
+            <a:spLocks noGrp="1" noRot="1" noChangeAspect="1"/>
           </p:cNvSpPr>
           <p:nvPr>
             <p:ph type="sldImg"/>
           </p:nvPr>
         </p:nvSpPr>
-        <p:spPr>
-          <a:ln/>
-        </p:spPr>
+        <p:spPr/>
       </p:sp>
       <p:sp>
         <p:nvSpPr>
-          <p:cNvPr id="23555" name="备注占位符 2"/>
+          <p:cNvPr id="3" name="备注占位符 2"/>
           <p:cNvSpPr>
             <a:spLocks noGrp="1"/>
           </p:cNvSpPr>
@@ -1027,193 +875,48 @@
             <p:ph type="body" idx="1"/>
           </p:nvPr>
         </p:nvSpPr>
-        <p:spPr>
-          <a:noFill/>
-          <a:ln/>
-          <a:extLst>
-            <a:ext uri="{909E8E84-426E-40DD-AFC4-6F175D3DCCD1}">
-              <a14:hiddenFill xmlns:a14="http://schemas.microsoft.com/office/drawing/2010/main">
-                <a:solidFill>
-                  <a:srgbClr val="FFFFFF"/>
-                </a:solidFill>
-              </a14:hiddenFill>
-            </a:ext>
-            <a:ext uri="{91240B29-F687-4F45-9708-019B960494DF}">
-              <a14:hiddenLine xmlns:a14="http://schemas.microsoft.com/office/drawing/2010/main" w="9525">
-                <a:solidFill>
-                  <a:srgbClr val="000000"/>
-                </a:solidFill>
-                <a:miter lim="800000"/>
-                <a:headEnd/>
-                <a:tailEnd/>
-              </a14:hiddenLine>
-            </a:ext>
-          </a:extLst>
-        </p:spPr>
+        <p:spPr/>
         <p:txBody>
           <a:bodyPr/>
           <a:lstStyle/>
           <a:p>
-            <a:endParaRPr lang="zh-CN" altLang="en-US" smtClean="0"/>
+            <a:endParaRPr lang="zh-CN" altLang="en-US" dirty="0"/>
           </a:p>
         </p:txBody>
       </p:sp>
       <p:sp>
         <p:nvSpPr>
-          <p:cNvPr id="23556" name="灯片编号占位符 3"/>
+          <p:cNvPr id="4" name="灯片编号占位符 3"/>
           <p:cNvSpPr>
             <a:spLocks noGrp="1"/>
           </p:cNvSpPr>
           <p:nvPr>
-            <p:ph type="sldNum" sz="quarter" idx="5"/>
+            <p:ph type="sldNum" sz="quarter" idx="10"/>
           </p:nvPr>
         </p:nvSpPr>
-        <p:spPr>
-          <a:noFill/>
-          <a:ln/>
-          <a:extLst>
-            <a:ext uri="{909E8E84-426E-40DD-AFC4-6F175D3DCCD1}">
-              <a14:hiddenFill xmlns:a14="http://schemas.microsoft.com/office/drawing/2010/main">
-                <a:solidFill>
-                  <a:srgbClr val="FFFFFF"/>
-                </a:solidFill>
-              </a14:hiddenFill>
-            </a:ext>
-            <a:ext uri="{91240B29-F687-4F45-9708-019B960494DF}">
-              <a14:hiddenLine xmlns:a14="http://schemas.microsoft.com/office/drawing/2010/main" w="9525">
-                <a:solidFill>
-                  <a:srgbClr val="000000"/>
-                </a:solidFill>
-                <a:miter lim="800000"/>
-                <a:headEnd/>
-                <a:tailEnd/>
-              </a14:hiddenLine>
-            </a:ext>
-          </a:extLst>
-        </p:spPr>
+        <p:spPr/>
         <p:txBody>
           <a:bodyPr/>
-          <a:lstStyle>
-            <a:lvl1pPr eaLnBrk="0" hangingPunct="0">
-              <a:defRPr sz="2000">
-                <a:solidFill>
-                  <a:srgbClr val="A50021"/>
-                </a:solidFill>
-                <a:latin typeface="Arial" charset="0"/>
-              </a:defRPr>
-            </a:lvl1pPr>
-            <a:lvl2pPr marL="742950" indent="-285750" eaLnBrk="0" hangingPunct="0">
-              <a:defRPr sz="2000">
-                <a:solidFill>
-                  <a:srgbClr val="A50021"/>
-                </a:solidFill>
-                <a:latin typeface="Arial" charset="0"/>
-              </a:defRPr>
-            </a:lvl2pPr>
-            <a:lvl3pPr marL="1143000" indent="-228600" eaLnBrk="0" hangingPunct="0">
-              <a:defRPr sz="2000">
-                <a:solidFill>
-                  <a:srgbClr val="A50021"/>
-                </a:solidFill>
-                <a:latin typeface="Arial" charset="0"/>
-              </a:defRPr>
-            </a:lvl3pPr>
-            <a:lvl4pPr marL="1600200" indent="-228600" eaLnBrk="0" hangingPunct="0">
-              <a:defRPr sz="2000">
-                <a:solidFill>
-                  <a:srgbClr val="A50021"/>
-                </a:solidFill>
-                <a:latin typeface="Arial" charset="0"/>
-              </a:defRPr>
-            </a:lvl4pPr>
-            <a:lvl5pPr marL="2057400" indent="-228600" eaLnBrk="0" hangingPunct="0">
-              <a:defRPr sz="2000">
-                <a:solidFill>
-                  <a:srgbClr val="A50021"/>
-                </a:solidFill>
-                <a:latin typeface="Arial" charset="0"/>
-              </a:defRPr>
-            </a:lvl5pPr>
-            <a:lvl6pPr marL="2514600" indent="-228600" eaLnBrk="0" fontAlgn="base" hangingPunct="0">
-              <a:spcBef>
-                <a:spcPct val="0"/>
-              </a:spcBef>
-              <a:spcAft>
-                <a:spcPct val="0"/>
-              </a:spcAft>
-              <a:defRPr sz="2000">
-                <a:solidFill>
-                  <a:srgbClr val="A50021"/>
-                </a:solidFill>
-                <a:latin typeface="Arial" charset="0"/>
-              </a:defRPr>
-            </a:lvl6pPr>
-            <a:lvl7pPr marL="2971800" indent="-228600" eaLnBrk="0" fontAlgn="base" hangingPunct="0">
-              <a:spcBef>
-                <a:spcPct val="0"/>
-              </a:spcBef>
-              <a:spcAft>
-                <a:spcPct val="0"/>
-              </a:spcAft>
-              <a:defRPr sz="2000">
-                <a:solidFill>
-                  <a:srgbClr val="A50021"/>
-                </a:solidFill>
-                <a:latin typeface="Arial" charset="0"/>
-              </a:defRPr>
-            </a:lvl7pPr>
-            <a:lvl8pPr marL="3429000" indent="-228600" eaLnBrk="0" fontAlgn="base" hangingPunct="0">
-              <a:spcBef>
-                <a:spcPct val="0"/>
-              </a:spcBef>
-              <a:spcAft>
-                <a:spcPct val="0"/>
-              </a:spcAft>
-              <a:defRPr sz="2000">
-                <a:solidFill>
-                  <a:srgbClr val="A50021"/>
-                </a:solidFill>
-                <a:latin typeface="Arial" charset="0"/>
-              </a:defRPr>
-            </a:lvl8pPr>
-            <a:lvl9pPr marL="3886200" indent="-228600" eaLnBrk="0" fontAlgn="base" hangingPunct="0">
-              <a:spcBef>
-                <a:spcPct val="0"/>
-              </a:spcBef>
-              <a:spcAft>
-                <a:spcPct val="0"/>
-              </a:spcAft>
-              <a:defRPr sz="2000">
-                <a:solidFill>
-                  <a:srgbClr val="A50021"/>
-                </a:solidFill>
-                <a:latin typeface="Arial" charset="0"/>
-              </a:defRPr>
-            </a:lvl9pPr>
-          </a:lstStyle>
-          <a:p>
-            <a:pPr eaLnBrk="1" hangingPunct="1"/>
-            <a:fld id="{05D8A813-7F41-46AB-9DB7-A683BBF0EB66}" type="slidenum">
-              <a:rPr lang="pt-PT" altLang="zh-CN" sz="1200" smtClean="0">
-                <a:solidFill>
-                  <a:schemeClr val="tx1"/>
-                </a:solidFill>
-              </a:rPr>
-              <a:pPr eaLnBrk="1" hangingPunct="1"/>
-              <a:t>11</a:t>
+          <a:lstStyle/>
+          <a:p>
+            <a:pPr>
+              <a:defRPr/>
+            </a:pPr>
+            <a:fld id="{9F881EA6-9217-4A53-BC39-24988C79B76B}" type="slidenum">
+              <a:rPr lang="pt-PT" altLang="en-US" smtClean="0"/>
+              <a:pPr>
+                <a:defRPr/>
+              </a:pPr>
+              <a:t>3</a:t>
             </a:fld>
-            <a:endParaRPr lang="pt-PT" altLang="zh-CN" sz="1200" smtClean="0">
-              <a:solidFill>
-                <a:schemeClr val="tx1"/>
-              </a:solidFill>
-            </a:endParaRPr>
+            <a:endParaRPr lang="pt-PT" altLang="en-US"/>
           </a:p>
         </p:txBody>
       </p:sp>
     </p:spTree>
     <p:extLst>
       <p:ext uri="{BB962C8B-B14F-4D97-AF65-F5344CB8AC3E}">
-        <p14:creationId xmlns:p14="http://schemas.microsoft.com/office/powerpoint/2010/main" val="4049912144"/>
+        <p14:creationId xmlns:p14="http://schemas.microsoft.com/office/powerpoint/2010/main" val="2428663932"/>
       </p:ext>
     </p:extLst>
   </p:cSld>
@@ -1251,6 +954,10 @@
           </p:nvPr>
         </p:nvSpPr>
         <p:spPr>
+          <a:xfrm>
+            <a:off x="92075" y="744538"/>
+            <a:ext cx="6610350" cy="3719512"/>
+          </a:xfrm>
           <a:ln/>
         </p:spPr>
       </p:sp>
@@ -1438,243 +1145,6 @@
               </a:rPr>
               <a:pPr eaLnBrk="1" hangingPunct="1"/>
               <a:t>15</a:t>
-            </a:fld>
-            <a:endParaRPr lang="pt-PT" altLang="zh-CN" sz="1200" smtClean="0">
-              <a:solidFill>
-                <a:schemeClr val="tx1"/>
-              </a:solidFill>
-            </a:endParaRPr>
-          </a:p>
-        </p:txBody>
-      </p:sp>
-    </p:spTree>
-    <p:extLst>
-      <p:ext uri="{BB962C8B-B14F-4D97-AF65-F5344CB8AC3E}">
-        <p14:creationId xmlns:p14="http://schemas.microsoft.com/office/powerpoint/2010/main" val="2272904545"/>
-      </p:ext>
-    </p:extLst>
-  </p:cSld>
-  <p:clrMapOvr>
-    <a:masterClrMapping/>
-  </p:clrMapOvr>
-</p:notes>
-</file>
-
-<file path=ppt/notesSlides/notesSlide4.xml><?xml version="1.0" encoding="utf-8"?>
-<p:notes xmlns:a="http://schemas.openxmlformats.org/drawingml/2006/main" xmlns:r="http://schemas.openxmlformats.org/officeDocument/2006/relationships" xmlns:p="http://schemas.openxmlformats.org/presentationml/2006/main">
-  <p:cSld>
-    <p:spTree>
-      <p:nvGrpSpPr>
-        <p:cNvPr id="1" name=""/>
-        <p:cNvGrpSpPr/>
-        <p:nvPr/>
-      </p:nvGrpSpPr>
-      <p:grpSpPr>
-        <a:xfrm>
-          <a:off x="0" y="0"/>
-          <a:ext cx="0" cy="0"/>
-          <a:chOff x="0" y="0"/>
-          <a:chExt cx="0" cy="0"/>
-        </a:xfrm>
-      </p:grpSpPr>
-      <p:sp>
-        <p:nvSpPr>
-          <p:cNvPr id="23554" name="幻灯片图像占位符 1"/>
-          <p:cNvSpPr>
-            <a:spLocks noGrp="1" noRot="1" noChangeAspect="1" noTextEdit="1"/>
-          </p:cNvSpPr>
-          <p:nvPr>
-            <p:ph type="sldImg"/>
-          </p:nvPr>
-        </p:nvSpPr>
-        <p:spPr>
-          <a:ln/>
-        </p:spPr>
-      </p:sp>
-      <p:sp>
-        <p:nvSpPr>
-          <p:cNvPr id="23555" name="备注占位符 2"/>
-          <p:cNvSpPr>
-            <a:spLocks noGrp="1"/>
-          </p:cNvSpPr>
-          <p:nvPr>
-            <p:ph type="body" idx="1"/>
-          </p:nvPr>
-        </p:nvSpPr>
-        <p:spPr>
-          <a:noFill/>
-          <a:ln/>
-          <a:extLst>
-            <a:ext uri="{909E8E84-426E-40DD-AFC4-6F175D3DCCD1}">
-              <a14:hiddenFill xmlns:a14="http://schemas.microsoft.com/office/drawing/2010/main">
-                <a:solidFill>
-                  <a:srgbClr val="FFFFFF"/>
-                </a:solidFill>
-              </a14:hiddenFill>
-            </a:ext>
-            <a:ext uri="{91240B29-F687-4F45-9708-019B960494DF}">
-              <a14:hiddenLine xmlns:a14="http://schemas.microsoft.com/office/drawing/2010/main" w="9525">
-                <a:solidFill>
-                  <a:srgbClr val="000000"/>
-                </a:solidFill>
-                <a:miter lim="800000"/>
-                <a:headEnd/>
-                <a:tailEnd/>
-              </a14:hiddenLine>
-            </a:ext>
-          </a:extLst>
-        </p:spPr>
-        <p:txBody>
-          <a:bodyPr/>
-          <a:lstStyle/>
-          <a:p>
-            <a:endParaRPr lang="zh-CN" altLang="en-US" smtClean="0"/>
-          </a:p>
-        </p:txBody>
-      </p:sp>
-      <p:sp>
-        <p:nvSpPr>
-          <p:cNvPr id="23556" name="灯片编号占位符 3"/>
-          <p:cNvSpPr>
-            <a:spLocks noGrp="1"/>
-          </p:cNvSpPr>
-          <p:nvPr>
-            <p:ph type="sldNum" sz="quarter" idx="5"/>
-          </p:nvPr>
-        </p:nvSpPr>
-        <p:spPr>
-          <a:noFill/>
-          <a:ln/>
-          <a:extLst>
-            <a:ext uri="{909E8E84-426E-40DD-AFC4-6F175D3DCCD1}">
-              <a14:hiddenFill xmlns:a14="http://schemas.microsoft.com/office/drawing/2010/main">
-                <a:solidFill>
-                  <a:srgbClr val="FFFFFF"/>
-                </a:solidFill>
-              </a14:hiddenFill>
-            </a:ext>
-            <a:ext uri="{91240B29-F687-4F45-9708-019B960494DF}">
-              <a14:hiddenLine xmlns:a14="http://schemas.microsoft.com/office/drawing/2010/main" w="9525">
-                <a:solidFill>
-                  <a:srgbClr val="000000"/>
-                </a:solidFill>
-                <a:miter lim="800000"/>
-                <a:headEnd/>
-                <a:tailEnd/>
-              </a14:hiddenLine>
-            </a:ext>
-          </a:extLst>
-        </p:spPr>
-        <p:txBody>
-          <a:bodyPr/>
-          <a:lstStyle>
-            <a:lvl1pPr eaLnBrk="0" hangingPunct="0">
-              <a:defRPr sz="2000">
-                <a:solidFill>
-                  <a:srgbClr val="A50021"/>
-                </a:solidFill>
-                <a:latin typeface="Arial" charset="0"/>
-              </a:defRPr>
-            </a:lvl1pPr>
-            <a:lvl2pPr marL="742950" indent="-285750" eaLnBrk="0" hangingPunct="0">
-              <a:defRPr sz="2000">
-                <a:solidFill>
-                  <a:srgbClr val="A50021"/>
-                </a:solidFill>
-                <a:latin typeface="Arial" charset="0"/>
-              </a:defRPr>
-            </a:lvl2pPr>
-            <a:lvl3pPr marL="1143000" indent="-228600" eaLnBrk="0" hangingPunct="0">
-              <a:defRPr sz="2000">
-                <a:solidFill>
-                  <a:srgbClr val="A50021"/>
-                </a:solidFill>
-                <a:latin typeface="Arial" charset="0"/>
-              </a:defRPr>
-            </a:lvl3pPr>
-            <a:lvl4pPr marL="1600200" indent="-228600" eaLnBrk="0" hangingPunct="0">
-              <a:defRPr sz="2000">
-                <a:solidFill>
-                  <a:srgbClr val="A50021"/>
-                </a:solidFill>
-                <a:latin typeface="Arial" charset="0"/>
-              </a:defRPr>
-            </a:lvl4pPr>
-            <a:lvl5pPr marL="2057400" indent="-228600" eaLnBrk="0" hangingPunct="0">
-              <a:defRPr sz="2000">
-                <a:solidFill>
-                  <a:srgbClr val="A50021"/>
-                </a:solidFill>
-                <a:latin typeface="Arial" charset="0"/>
-              </a:defRPr>
-            </a:lvl5pPr>
-            <a:lvl6pPr marL="2514600" indent="-228600" eaLnBrk="0" fontAlgn="base" hangingPunct="0">
-              <a:spcBef>
-                <a:spcPct val="0"/>
-              </a:spcBef>
-              <a:spcAft>
-                <a:spcPct val="0"/>
-              </a:spcAft>
-              <a:defRPr sz="2000">
-                <a:solidFill>
-                  <a:srgbClr val="A50021"/>
-                </a:solidFill>
-                <a:latin typeface="Arial" charset="0"/>
-              </a:defRPr>
-            </a:lvl6pPr>
-            <a:lvl7pPr marL="2971800" indent="-228600" eaLnBrk="0" fontAlgn="base" hangingPunct="0">
-              <a:spcBef>
-                <a:spcPct val="0"/>
-              </a:spcBef>
-              <a:spcAft>
-                <a:spcPct val="0"/>
-              </a:spcAft>
-              <a:defRPr sz="2000">
-                <a:solidFill>
-                  <a:srgbClr val="A50021"/>
-                </a:solidFill>
-                <a:latin typeface="Arial" charset="0"/>
-              </a:defRPr>
-            </a:lvl7pPr>
-            <a:lvl8pPr marL="3429000" indent="-228600" eaLnBrk="0" fontAlgn="base" hangingPunct="0">
-              <a:spcBef>
-                <a:spcPct val="0"/>
-              </a:spcBef>
-              <a:spcAft>
-                <a:spcPct val="0"/>
-              </a:spcAft>
-              <a:defRPr sz="2000">
-                <a:solidFill>
-                  <a:srgbClr val="A50021"/>
-                </a:solidFill>
-                <a:latin typeface="Arial" charset="0"/>
-              </a:defRPr>
-            </a:lvl8pPr>
-            <a:lvl9pPr marL="3886200" indent="-228600" eaLnBrk="0" fontAlgn="base" hangingPunct="0">
-              <a:spcBef>
-                <a:spcPct val="0"/>
-              </a:spcBef>
-              <a:spcAft>
-                <a:spcPct val="0"/>
-              </a:spcAft>
-              <a:defRPr sz="2000">
-                <a:solidFill>
-                  <a:srgbClr val="A50021"/>
-                </a:solidFill>
-                <a:latin typeface="Arial" charset="0"/>
-              </a:defRPr>
-            </a:lvl9pPr>
-          </a:lstStyle>
-          <a:p>
-            <a:pPr eaLnBrk="1" hangingPunct="1"/>
-            <a:fld id="{05D8A813-7F41-46AB-9DB7-A683BBF0EB66}" type="slidenum">
-              <a:rPr lang="pt-PT" altLang="zh-CN" sz="1200" smtClean="0">
-                <a:solidFill>
-                  <a:schemeClr val="tx1"/>
-                </a:solidFill>
-              </a:rPr>
-              <a:pPr eaLnBrk="1" hangingPunct="1"/>
-              <a:t>18</a:t>
             </a:fld>
             <a:endParaRPr lang="pt-PT" altLang="zh-CN" sz="1200" smtClean="0">
               <a:solidFill>
@@ -1756,8 +1226,8 @@
         </p:nvSpPr>
         <p:spPr>
           <a:xfrm>
-            <a:off x="685800" y="2130425"/>
-            <a:ext cx="7772400" cy="1470025"/>
+            <a:off x="914400" y="2130426"/>
+            <a:ext cx="10363200" cy="1470025"/>
           </a:xfrm>
           <a:prstGeom prst="rect">
             <a:avLst/>
@@ -1805,8 +1275,8 @@
         </p:nvSpPr>
         <p:spPr>
           <a:xfrm>
-            <a:off x="1371600" y="3886200"/>
-            <a:ext cx="6400800" cy="1752600"/>
+            <a:off x="1828800" y="3886200"/>
+            <a:ext cx="8534400" cy="1752600"/>
           </a:xfrm>
           <a:prstGeom prst="rect">
             <a:avLst/>
@@ -1888,8 +1358,8 @@
         </p:nvSpPr>
         <p:spPr>
           <a:xfrm>
-            <a:off x="457200" y="6245225"/>
-            <a:ext cx="2133600" cy="476250"/>
+            <a:off x="609600" y="6245225"/>
+            <a:ext cx="2844800" cy="476250"/>
           </a:xfrm>
           <a:prstGeom prst="rect">
             <a:avLst/>
@@ -1951,8 +1421,8 @@
         </p:nvSpPr>
         <p:spPr>
           <a:xfrm>
-            <a:off x="6553200" y="6245225"/>
-            <a:ext cx="2133600" cy="476250"/>
+            <a:off x="8737600" y="6245225"/>
+            <a:ext cx="2844800" cy="476250"/>
           </a:xfrm>
           <a:prstGeom prst="rect">
             <a:avLst/>
@@ -2008,8 +1478,8 @@
         </p:blipFill>
         <p:spPr bwMode="auto">
           <a:xfrm>
-            <a:off x="323528" y="188640"/>
-            <a:ext cx="1104900" cy="2017712"/>
+            <a:off x="431371" y="188640"/>
+            <a:ext cx="1473200" cy="2017712"/>
           </a:xfrm>
           <a:prstGeom prst="rect">
             <a:avLst/>
@@ -2088,8 +1558,8 @@
         </p:nvSpPr>
         <p:spPr>
           <a:xfrm>
-            <a:off x="457200" y="274638"/>
-            <a:ext cx="8229600" cy="742094"/>
+            <a:off x="609600" y="274638"/>
+            <a:ext cx="10972800" cy="742094"/>
           </a:xfrm>
           <a:prstGeom prst="rect">
             <a:avLst/>
@@ -2131,8 +1601,8 @@
         </p:nvSpPr>
         <p:spPr>
           <a:xfrm>
-            <a:off x="457200" y="1160748"/>
-            <a:ext cx="8229600" cy="4965415"/>
+            <a:off x="609600" y="1160749"/>
+            <a:ext cx="10972800" cy="4965415"/>
           </a:xfrm>
           <a:prstGeom prst="rect">
             <a:avLst/>
@@ -2262,8 +1732,8 @@
         </p:nvSpPr>
         <p:spPr>
           <a:xfrm>
-            <a:off x="7272300" y="6263751"/>
-            <a:ext cx="1512168" cy="369332"/>
+            <a:off x="9696400" y="6263751"/>
+            <a:ext cx="2016224" cy="369332"/>
           </a:xfrm>
           <a:prstGeom prst="rect">
             <a:avLst/>
@@ -2355,8 +1825,8 @@
         </p:nvSpPr>
         <p:spPr>
           <a:xfrm>
-            <a:off x="457200" y="274638"/>
-            <a:ext cx="8229600" cy="706090"/>
+            <a:off x="609600" y="274638"/>
+            <a:ext cx="10972800" cy="706090"/>
           </a:xfrm>
           <a:prstGeom prst="rect">
             <a:avLst/>
@@ -2398,8 +1868,8 @@
         </p:nvSpPr>
         <p:spPr>
           <a:xfrm>
-            <a:off x="457200" y="1088740"/>
-            <a:ext cx="4038600" cy="5037423"/>
+            <a:off x="609600" y="1088740"/>
+            <a:ext cx="5384800" cy="5037423"/>
           </a:xfrm>
           <a:prstGeom prst="rect">
             <a:avLst/>
@@ -2485,8 +1955,8 @@
         </p:nvSpPr>
         <p:spPr>
           <a:xfrm>
-            <a:off x="4648200" y="1088740"/>
-            <a:ext cx="4038600" cy="5037423"/>
+            <a:off x="6197600" y="1088740"/>
+            <a:ext cx="5384800" cy="5037423"/>
           </a:xfrm>
           <a:prstGeom prst="rect">
             <a:avLst/>
@@ -2572,8 +2042,8 @@
         </p:nvSpPr>
         <p:spPr>
           <a:xfrm>
-            <a:off x="457200" y="6245225"/>
-            <a:ext cx="2133600" cy="476250"/>
+            <a:off x="609600" y="6245225"/>
+            <a:ext cx="2844800" cy="476250"/>
           </a:xfrm>
           <a:prstGeom prst="rect">
             <a:avLst/>
@@ -2635,8 +2105,8 @@
         </p:nvSpPr>
         <p:spPr>
           <a:xfrm>
-            <a:off x="6553200" y="6245225"/>
-            <a:ext cx="2133600" cy="476250"/>
+            <a:off x="8737600" y="6245225"/>
+            <a:ext cx="2844800" cy="476250"/>
           </a:xfrm>
           <a:prstGeom prst="rect">
             <a:avLst/>
@@ -2677,8 +2147,8 @@
         </p:nvSpPr>
         <p:spPr>
           <a:xfrm>
-            <a:off x="7272300" y="6263751"/>
-            <a:ext cx="1512168" cy="369332"/>
+            <a:off x="9696400" y="6263751"/>
+            <a:ext cx="2016224" cy="369332"/>
           </a:xfrm>
           <a:prstGeom prst="rect">
             <a:avLst/>
@@ -2729,8 +2199,8 @@
         </p:nvSpPr>
         <p:spPr>
           <a:xfrm>
-            <a:off x="287524" y="6231485"/>
-            <a:ext cx="1512168" cy="369332"/>
+            <a:off x="383365" y="6231485"/>
+            <a:ext cx="2016224" cy="369332"/>
           </a:xfrm>
           <a:prstGeom prst="rect">
             <a:avLst/>
@@ -2805,8 +2275,8 @@
         </p:nvSpPr>
         <p:spPr>
           <a:xfrm>
-            <a:off x="457200" y="6245225"/>
-            <a:ext cx="2133600" cy="476250"/>
+            <a:off x="609600" y="6245225"/>
+            <a:ext cx="2844800" cy="476250"/>
           </a:xfrm>
           <a:prstGeom prst="rect">
             <a:avLst/>
@@ -2868,8 +2338,8 @@
         </p:nvSpPr>
         <p:spPr>
           <a:xfrm>
-            <a:off x="6553200" y="6245225"/>
-            <a:ext cx="2133600" cy="476250"/>
+            <a:off x="8737600" y="6245225"/>
+            <a:ext cx="2844800" cy="476250"/>
           </a:xfrm>
           <a:prstGeom prst="rect">
             <a:avLst/>
@@ -2910,8 +2380,8 @@
         </p:nvSpPr>
         <p:spPr>
           <a:xfrm>
-            <a:off x="7272300" y="6263751"/>
-            <a:ext cx="1512168" cy="369332"/>
+            <a:off x="9696400" y="6263751"/>
+            <a:ext cx="2016224" cy="369332"/>
           </a:xfrm>
           <a:prstGeom prst="rect">
             <a:avLst/>
@@ -2962,8 +2432,8 @@
         </p:nvSpPr>
         <p:spPr>
           <a:xfrm>
-            <a:off x="287524" y="6231485"/>
-            <a:ext cx="1512168" cy="369332"/>
+            <a:off x="383365" y="6231485"/>
+            <a:ext cx="2016224" cy="369332"/>
           </a:xfrm>
           <a:prstGeom prst="rect">
             <a:avLst/>
@@ -3057,8 +2527,8 @@
         </p:blipFill>
         <p:spPr bwMode="auto">
           <a:xfrm>
-            <a:off x="0" y="0"/>
-            <a:ext cx="9144000" cy="1000125"/>
+            <a:off x="0" y="1"/>
+            <a:ext cx="12192000" cy="1000125"/>
           </a:xfrm>
           <a:prstGeom prst="rect">
             <a:avLst/>
@@ -3100,8 +2570,8 @@
         </p:nvSpPr>
         <p:spPr bwMode="auto">
           <a:xfrm>
-            <a:off x="3124200" y="6245225"/>
-            <a:ext cx="2895600" cy="476250"/>
+            <a:off x="4165600" y="6245225"/>
+            <a:ext cx="3860800" cy="476250"/>
           </a:xfrm>
           <a:prstGeom prst="rect">
             <a:avLst/>
@@ -3180,8 +2650,8 @@
         </p:blipFill>
         <p:spPr bwMode="auto">
           <a:xfrm>
-            <a:off x="0" y="0"/>
-            <a:ext cx="2916238" cy="1000125"/>
+            <a:off x="0" y="1"/>
+            <a:ext cx="3888317" cy="1000125"/>
           </a:xfrm>
           <a:prstGeom prst="rect">
             <a:avLst/>
@@ -3695,14 +3165,8 @@
           <a:lstStyle/>
           <a:p>
             <a:r>
-              <a:rPr lang="zh-CN" altLang="en-US" sz="4000" b="1" dirty="0" smtClean="0">
-                <a:solidFill>
-                  <a:srgbClr val="A50021"/>
-                </a:solidFill>
-                <a:latin typeface="华文新魏" pitchFamily="2" charset="-122"/>
-                <a:ea typeface="华文新魏" pitchFamily="2" charset="-122"/>
-              </a:rPr>
-              <a:t>数组</a:t>
+              <a:rPr lang="zh-CN" altLang="en-US" sz="4000" dirty="0" smtClean="0"/>
+              <a:t>第三章  数组</a:t>
             </a:r>
             <a:r>
               <a:rPr lang="zh-CN" altLang="en-US" dirty="0" smtClean="0">
@@ -3760,27 +3224,7 @@
           <a:bodyPr/>
           <a:lstStyle/>
           <a:p>
-            <a:pPr marL="0" indent="0" algn="ctr" eaLnBrk="1" hangingPunct="1">
-              <a:spcBef>
-                <a:spcPct val="0"/>
-              </a:spcBef>
-              <a:buFontTx/>
-              <a:buNone/>
-            </a:pPr>
-            <a:r>
-              <a:rPr lang="en-US" altLang="zh-CN" sz="2400" b="1" dirty="0">
-                <a:latin typeface="华文新魏" pitchFamily="2" charset="-122"/>
-                <a:ea typeface="华文新魏" pitchFamily="2" charset="-122"/>
-              </a:rPr>
-              <a:t> </a:t>
-            </a:r>
-            <a:r>
-              <a:rPr lang="zh-CN" altLang="en-US" sz="2400" b="1" dirty="0" smtClean="0">
-                <a:latin typeface="华文新魏" pitchFamily="2" charset="-122"/>
-                <a:ea typeface="华文新魏" pitchFamily="2" charset="-122"/>
-              </a:rPr>
-              <a:t>李玮玮</a:t>
-            </a:r>
+            <a:endParaRPr lang="zh-CN" altLang="en-US" dirty="0"/>
           </a:p>
         </p:txBody>
       </p:sp>
@@ -3818,7 +3262,7 @@
       </p:grpSpPr>
       <p:sp>
         <p:nvSpPr>
-          <p:cNvPr id="2" name="标题 1"/>
+          <p:cNvPr id="14338" name="标题 1"/>
           <p:cNvSpPr>
             <a:spLocks noGrp="1"/>
           </p:cNvSpPr>
@@ -3833,9 +3277,136 @@
           <a:p>
             <a:r>
               <a:rPr lang="zh-CN" altLang="en-US" smtClean="0"/>
-              <a:t>一维数组的使用</a:t>
-            </a:r>
-            <a:endParaRPr lang="zh-CN" altLang="en-US" dirty="0"/>
+              <a:t>二维数组</a:t>
+            </a:r>
+          </a:p>
+        </p:txBody>
+      </p:sp>
+      <p:sp>
+        <p:nvSpPr>
+          <p:cNvPr id="14339" name="内容占位符 2"/>
+          <p:cNvSpPr>
+            <a:spLocks noGrp="1"/>
+          </p:cNvSpPr>
+          <p:nvPr>
+            <p:ph idx="1"/>
+          </p:nvPr>
+        </p:nvSpPr>
+        <p:spPr/>
+        <p:txBody>
+          <a:bodyPr/>
+          <a:lstStyle/>
+          <a:p>
+            <a:pPr>
+              <a:lnSpc>
+                <a:spcPct val="150000"/>
+              </a:lnSpc>
+            </a:pPr>
+            <a:r>
+              <a:rPr lang="en-US" altLang="zh-CN" dirty="0" smtClean="0">
+                <a:sym typeface="Arial" charset="0"/>
+              </a:rPr>
+              <a:t>Java</a:t>
+            </a:r>
+            <a:r>
+              <a:rPr lang="zh-CN" altLang="en-US" dirty="0" smtClean="0">
+                <a:sym typeface="Arial" charset="0"/>
+              </a:rPr>
+              <a:t>中多维数组可以看成是数组的数组，即多维数组中的每一个元素可以看成是低维数组，所以多维数组的声明、初始化、引用与一维数组非常</a:t>
+            </a:r>
+            <a:r>
+              <a:rPr lang="zh-CN" altLang="en-US" dirty="0" smtClean="0">
+                <a:sym typeface="Arial" charset="0"/>
+              </a:rPr>
+              <a:t>类似</a:t>
+            </a:r>
+            <a:r>
+              <a:rPr lang="zh-CN" altLang="en-US" dirty="0"/>
+              <a:t>。</a:t>
+            </a:r>
+            <a:endParaRPr lang="en-US" altLang="zh-CN" dirty="0" smtClean="0">
+              <a:sym typeface="Arial" charset="0"/>
+            </a:endParaRPr>
+          </a:p>
+          <a:p>
+            <a:pPr>
+              <a:lnSpc>
+                <a:spcPct val="150000"/>
+              </a:lnSpc>
+            </a:pPr>
+            <a:r>
+              <a:rPr lang="zh-CN" altLang="en-US" dirty="0" smtClean="0">
+                <a:sym typeface="Arial" charset="0"/>
+              </a:rPr>
+              <a:t>在多维数组中二维数组应用最为广泛，所以我们着重讨论二维数组的属性和特性，多维以此类推即</a:t>
+            </a:r>
+            <a:r>
+              <a:rPr lang="zh-CN" altLang="en-US" dirty="0" smtClean="0">
+                <a:sym typeface="Arial" charset="0"/>
+              </a:rPr>
+              <a:t>可</a:t>
+            </a:r>
+            <a:r>
+              <a:rPr lang="zh-CN" altLang="en-US" dirty="0"/>
+              <a:t>。</a:t>
+            </a:r>
+            <a:endParaRPr lang="en-US" altLang="zh-CN" dirty="0" smtClean="0">
+              <a:sym typeface="Arial" charset="0"/>
+            </a:endParaRPr>
+          </a:p>
+        </p:txBody>
+      </p:sp>
+    </p:spTree>
+  </p:cSld>
+  <p:clrMapOvr>
+    <a:masterClrMapping/>
+  </p:clrMapOvr>
+  <p:timing>
+    <p:tnLst>
+      <p:par>
+        <p:cTn id="1" dur="indefinite" restart="never" nodeType="tmRoot"/>
+      </p:par>
+    </p:tnLst>
+  </p:timing>
+</p:sld>
+</file>
+
+<file path=ppt/slides/slide11.xml><?xml version="1.0" encoding="utf-8"?>
+<p:sld xmlns:a="http://schemas.openxmlformats.org/drawingml/2006/main" xmlns:r="http://schemas.openxmlformats.org/officeDocument/2006/relationships" xmlns:p="http://schemas.openxmlformats.org/presentationml/2006/main">
+  <p:cSld>
+    <p:spTree>
+      <p:nvGrpSpPr>
+        <p:cNvPr id="1" name=""/>
+        <p:cNvGrpSpPr/>
+        <p:nvPr/>
+      </p:nvGrpSpPr>
+      <p:grpSpPr>
+        <a:xfrm>
+          <a:off x="0" y="0"/>
+          <a:ext cx="0" cy="0"/>
+          <a:chOff x="0" y="0"/>
+          <a:chExt cx="0" cy="0"/>
+        </a:xfrm>
+      </p:grpSpPr>
+      <p:sp>
+        <p:nvSpPr>
+          <p:cNvPr id="15362" name="标题 1"/>
+          <p:cNvSpPr>
+            <a:spLocks noGrp="1"/>
+          </p:cNvSpPr>
+          <p:nvPr>
+            <p:ph type="title"/>
+          </p:nvPr>
+        </p:nvSpPr>
+        <p:spPr/>
+        <p:txBody>
+          <a:bodyPr/>
+          <a:lstStyle/>
+          <a:p>
+            <a:r>
+              <a:rPr lang="zh-CN" altLang="en-US" smtClean="0"/>
+              <a:t>二维数组的声明</a:t>
+            </a:r>
           </a:p>
         </p:txBody>
       </p:sp>
@@ -3854,41 +3425,131 @@
           <a:bodyPr/>
           <a:lstStyle/>
           <a:p>
-            <a:r>
-              <a:rPr lang="zh-CN" altLang="en-US" smtClean="0">
-                <a:sym typeface="Arial" charset="0"/>
-              </a:rPr>
-              <a:t>有了数组的声明和初始化后，就可以在程序中引用数组的元素了。</a:t>
-            </a:r>
-            <a:endParaRPr lang="en-US" altLang="zh-CN" smtClean="0">
+            <a:pPr>
+              <a:lnSpc>
+                <a:spcPct val="150000"/>
+              </a:lnSpc>
+            </a:pPr>
+            <a:r>
+              <a:rPr lang="zh-CN" altLang="en-US" dirty="0" smtClean="0">
+                <a:sym typeface="Arial" charset="0"/>
+              </a:rPr>
+              <a:t>二维数组的声明的一般格式：</a:t>
+            </a:r>
+            <a:endParaRPr lang="en-US" altLang="zh-CN" dirty="0" smtClean="0">
               <a:sym typeface="Arial" charset="0"/>
             </a:endParaRPr>
           </a:p>
           <a:p>
-            <a:r>
-              <a:rPr lang="zh-CN" altLang="en-US" smtClean="0">
-                <a:sym typeface="Arial" charset="0"/>
-              </a:rPr>
-              <a:t>数组元素的引用是通过数组名和下标值来进行的，其一般格式如下：</a:t>
-            </a:r>
-          </a:p>
-          <a:p>
-            <a:pPr lvl="1"/>
-            <a:r>
-              <a:rPr lang="en-US" altLang="zh-CN" smtClean="0">
-                <a:sym typeface="Arial" charset="0"/>
-              </a:rPr>
-              <a:t>array_Name [ arrayIndex ]</a:t>
-            </a:r>
-          </a:p>
-          <a:p>
-            <a:r>
-              <a:rPr lang="zh-CN" altLang="en-US" smtClean="0">
-                <a:sym typeface="Arial" charset="0"/>
-              </a:rPr>
-              <a:t>例如：</a:t>
-            </a:r>
-            <a:endParaRPr lang="en-US" altLang="zh-CN" smtClean="0">
+            <a:pPr lvl="1">
+              <a:lnSpc>
+                <a:spcPct val="150000"/>
+              </a:lnSpc>
+            </a:pPr>
+            <a:r>
+              <a:rPr lang="en-US" altLang="zh-CN" dirty="0" err="1" smtClean="0">
+                <a:sym typeface="Arial" charset="0"/>
+              </a:rPr>
+              <a:t>array_type</a:t>
+            </a:r>
+            <a:r>
+              <a:rPr lang="en-US" altLang="zh-CN" dirty="0" smtClean="0">
+                <a:sym typeface="Arial" charset="0"/>
+              </a:rPr>
+              <a:t>    </a:t>
+            </a:r>
+            <a:r>
+              <a:rPr lang="en-US" altLang="zh-CN" dirty="0" err="1" smtClean="0">
+                <a:sym typeface="Arial" charset="0"/>
+              </a:rPr>
+              <a:t>array_Name</a:t>
+            </a:r>
+            <a:r>
+              <a:rPr lang="en-US" altLang="zh-CN" dirty="0" smtClean="0">
+                <a:sym typeface="Arial" charset="0"/>
+              </a:rPr>
+              <a:t>[ ] [ ];</a:t>
+            </a:r>
+          </a:p>
+          <a:p>
+            <a:pPr lvl="1">
+              <a:lnSpc>
+                <a:spcPct val="150000"/>
+              </a:lnSpc>
+            </a:pPr>
+            <a:r>
+              <a:rPr lang="en-US" altLang="zh-CN" dirty="0" err="1" smtClean="0">
+                <a:sym typeface="Arial" charset="0"/>
+              </a:rPr>
+              <a:t>array_type</a:t>
+            </a:r>
+            <a:r>
+              <a:rPr lang="en-US" altLang="zh-CN" dirty="0" smtClean="0">
+                <a:sym typeface="Arial" charset="0"/>
+              </a:rPr>
+              <a:t>    [ ] [ ] </a:t>
+            </a:r>
+            <a:r>
+              <a:rPr lang="en-US" altLang="zh-CN" dirty="0" err="1" smtClean="0">
+                <a:sym typeface="Arial" charset="0"/>
+              </a:rPr>
+              <a:t>array_Name</a:t>
+            </a:r>
+            <a:r>
+              <a:rPr lang="en-US" altLang="zh-CN" dirty="0" smtClean="0">
+                <a:sym typeface="Arial" charset="0"/>
+              </a:rPr>
+              <a:t>;</a:t>
+            </a:r>
+          </a:p>
+          <a:p>
+            <a:pPr lvl="1">
+              <a:lnSpc>
+                <a:spcPct val="150000"/>
+              </a:lnSpc>
+            </a:pPr>
+            <a:r>
+              <a:rPr lang="en-US" altLang="zh-CN" dirty="0" err="1" smtClean="0">
+                <a:sym typeface="Arial" charset="0"/>
+              </a:rPr>
+              <a:t>array_type</a:t>
+            </a:r>
+            <a:r>
+              <a:rPr lang="en-US" altLang="zh-CN" dirty="0" smtClean="0">
+                <a:sym typeface="Arial" charset="0"/>
+              </a:rPr>
+              <a:t> [ ] </a:t>
+            </a:r>
+            <a:r>
+              <a:rPr lang="en-US" altLang="zh-CN" dirty="0" err="1" smtClean="0">
+                <a:sym typeface="Arial" charset="0"/>
+              </a:rPr>
+              <a:t>array_Name</a:t>
+            </a:r>
+            <a:r>
+              <a:rPr lang="en-US" altLang="zh-CN" dirty="0" smtClean="0">
+                <a:sym typeface="Arial" charset="0"/>
+              </a:rPr>
+              <a:t>[ ];</a:t>
+            </a:r>
+          </a:p>
+          <a:p>
+            <a:pPr>
+              <a:lnSpc>
+                <a:spcPct val="150000"/>
+              </a:lnSpc>
+            </a:pPr>
+            <a:r>
+              <a:rPr lang="zh-CN" altLang="en-US" dirty="0"/>
+              <a:t>例如</a:t>
+            </a:r>
+            <a:r>
+              <a:rPr lang="zh-CN" altLang="en-US" dirty="0" smtClean="0">
+                <a:sym typeface="Arial" charset="0"/>
+              </a:rPr>
+              <a:t>：</a:t>
+            </a:r>
+            <a:endParaRPr lang="en-US" altLang="zh-CN" dirty="0" smtClean="0">
               <a:sym typeface="Arial" charset="0"/>
             </a:endParaRPr>
           </a:p>
@@ -3904,8 +3565,8 @@
         </p:nvSpPr>
         <p:spPr bwMode="auto">
           <a:xfrm>
-            <a:off x="2267744" y="4221088"/>
-            <a:ext cx="4824536" cy="1449387"/>
+            <a:off x="2639616" y="3717032"/>
+            <a:ext cx="2160240" cy="1650141"/>
           </a:xfrm>
           <a:prstGeom prst="rect">
             <a:avLst/>
@@ -4027,90 +3688,137 @@
             </a:lvl9pPr>
           </a:lstStyle>
           <a:p>
-            <a:pPr lvl="1"/>
+            <a:pPr marL="0" lvl="1">
+              <a:lnSpc>
+                <a:spcPct val="150000"/>
+              </a:lnSpc>
+              <a:spcBef>
+                <a:spcPts val="0"/>
+              </a:spcBef>
+            </a:pPr>
+            <a:r>
+              <a:rPr lang="en-US" altLang="zh-CN" dirty="0" smtClean="0">
+                <a:solidFill>
+                  <a:schemeClr val="tx1"/>
+                </a:solidFill>
+                <a:sym typeface="Arial" charset="0"/>
+              </a:rPr>
+              <a:t> </a:t>
+            </a:r>
+            <a:r>
+              <a:rPr lang="en-US" altLang="zh-CN" dirty="0" err="1">
+                <a:solidFill>
+                  <a:schemeClr val="tx1"/>
+                </a:solidFill>
+                <a:sym typeface="Arial" charset="0"/>
+              </a:rPr>
+              <a:t>int</a:t>
+            </a:r>
+            <a:r>
+              <a:rPr lang="en-US" altLang="zh-CN" dirty="0" smtClean="0">
+                <a:solidFill>
+                  <a:schemeClr val="tx1"/>
+                </a:solidFill>
+                <a:sym typeface="Arial" charset="0"/>
+              </a:rPr>
+              <a:t>[ ][ ]   </a:t>
+            </a:r>
             <a:r>
               <a:rPr lang="en-US" altLang="zh-CN" dirty="0">
-                <a:sym typeface="Arial" charset="0"/>
-              </a:rPr>
-              <a:t>int sale[]={</a:t>
+                <a:solidFill>
+                  <a:schemeClr val="tx1"/>
+                </a:solidFill>
+                <a:sym typeface="Arial" charset="0"/>
+              </a:rPr>
+              <a:t>arrays;</a:t>
+            </a:r>
+          </a:p>
+          <a:p>
+            <a:pPr>
+              <a:lnSpc>
+                <a:spcPct val="150000"/>
+              </a:lnSpc>
+            </a:pPr>
+            <a:r>
+              <a:rPr lang="en-US" altLang="zh-CN" dirty="0">
+                <a:solidFill>
+                  <a:schemeClr val="tx1"/>
+                </a:solidFill>
+                <a:sym typeface="Arial" charset="0"/>
+              </a:rPr>
+              <a:t> </a:t>
+            </a:r>
+            <a:r>
+              <a:rPr lang="en-US" altLang="zh-CN" dirty="0" err="1">
+                <a:solidFill>
+                  <a:schemeClr val="tx1"/>
+                </a:solidFill>
+                <a:sym typeface="Arial" charset="0"/>
+              </a:rPr>
+              <a:t>int</a:t>
             </a:r>
             <a:r>
               <a:rPr lang="en-US" altLang="zh-CN" dirty="0" smtClean="0">
-                <a:sym typeface="Arial" charset="0"/>
-              </a:rPr>
-              <a:t>1,2,3,4,5};</a:t>
-            </a:r>
-          </a:p>
-          <a:p>
-            <a:pPr lvl="1"/>
-            <a:r>
-              <a:rPr lang="en-US" altLang="zh-CN" dirty="0" smtClean="0">
-                <a:sym typeface="Arial" charset="0"/>
-              </a:rPr>
-              <a:t>int </a:t>
-            </a:r>
-            <a:r>
-              <a:rPr lang="en-US" altLang="zh-CN" dirty="0" err="1" smtClean="0">
-                <a:sym typeface="Arial" charset="0"/>
-              </a:rPr>
-              <a:t>i</a:t>
-            </a:r>
-            <a:r>
-              <a:rPr lang="en-US" altLang="zh-CN" dirty="0" smtClean="0">
-                <a:sym typeface="Arial" charset="0"/>
-              </a:rPr>
-              <a:t> = sale[1];</a:t>
-            </a:r>
-          </a:p>
-          <a:p>
-            <a:pPr lvl="1"/>
-            <a:r>
-              <a:rPr lang="en-US" altLang="zh-CN" dirty="0" err="1" smtClean="0">
-                <a:sym typeface="Arial" charset="0"/>
-              </a:rPr>
-              <a:t>System.out.println</a:t>
-            </a:r>
-            <a:r>
-              <a:rPr lang="en-US" altLang="zh-CN" dirty="0">
-                <a:sym typeface="Arial" charset="0"/>
-              </a:rPr>
-              <a:t>(“</a:t>
-            </a:r>
-            <a:r>
-              <a:rPr lang="zh-CN" altLang="en-US" dirty="0">
-                <a:sym typeface="Arial" charset="0"/>
-              </a:rPr>
-              <a:t>您选择的是</a:t>
-            </a:r>
-            <a:r>
-              <a:rPr lang="en-US" altLang="zh-CN" dirty="0">
-                <a:sym typeface="Arial" charset="0"/>
-              </a:rPr>
-              <a:t>" + </a:t>
-            </a:r>
-            <a:r>
-              <a:rPr lang="en-US" altLang="zh-CN" dirty="0" err="1">
-                <a:sym typeface="Arial" charset="0"/>
-              </a:rPr>
-              <a:t>i</a:t>
-            </a:r>
-            <a:r>
-              <a:rPr lang="en-US" altLang="zh-CN" dirty="0">
-                <a:sym typeface="Arial" charset="0"/>
-              </a:rPr>
-              <a:t>);</a:t>
-            </a:r>
-            <a:endParaRPr lang="zh-CN" altLang="en-US" dirty="0">
+                <a:solidFill>
+                  <a:schemeClr val="tx1"/>
+                </a:solidFill>
+                <a:sym typeface="Arial" charset="0"/>
+              </a:rPr>
+              <a:t>[ ]    arrays[ ];</a:t>
+            </a:r>
+            <a:endParaRPr lang="en-US" altLang="zh-CN" dirty="0">
+              <a:solidFill>
+                <a:schemeClr val="tx1"/>
+              </a:solidFill>
               <a:sym typeface="Arial" charset="0"/>
             </a:endParaRPr>
           </a:p>
           <a:p>
-            <a:pPr lvl="1">
-              <a:lnSpc>
-                <a:spcPct val="120000"/>
-              </a:lnSpc>
-            </a:pPr>
+            <a:pPr>
+              <a:lnSpc>
+                <a:spcPct val="150000"/>
+              </a:lnSpc>
+            </a:pPr>
+            <a:r>
+              <a:rPr lang="en-US" altLang="zh-CN" dirty="0">
+                <a:solidFill>
+                  <a:schemeClr val="tx1"/>
+                </a:solidFill>
+                <a:sym typeface="Arial" charset="0"/>
+              </a:rPr>
+              <a:t> </a:t>
+            </a:r>
+            <a:r>
+              <a:rPr lang="en-US" altLang="zh-CN" dirty="0" err="1">
+                <a:solidFill>
+                  <a:schemeClr val="tx1"/>
+                </a:solidFill>
+                <a:sym typeface="Arial" charset="0"/>
+              </a:rPr>
+              <a:t>int</a:t>
+            </a:r>
+            <a:r>
+              <a:rPr lang="en-US" altLang="zh-CN" dirty="0">
+                <a:solidFill>
+                  <a:schemeClr val="tx1"/>
+                </a:solidFill>
+                <a:sym typeface="Arial" charset="0"/>
+              </a:rPr>
+              <a:t> </a:t>
+            </a:r>
+            <a:r>
+              <a:rPr lang="en-US" altLang="zh-CN" dirty="0" smtClean="0">
+                <a:solidFill>
+                  <a:schemeClr val="tx1"/>
+                </a:solidFill>
+                <a:sym typeface="Arial" charset="0"/>
+              </a:rPr>
+              <a:t>   arrays[ ][ ]; </a:t>
+            </a:r>
             <a:endParaRPr lang="en-US" altLang="zh-CN" dirty="0">
+              <a:solidFill>
+                <a:schemeClr val="tx1"/>
+              </a:solidFill>
               <a:latin typeface="微软雅黑" pitchFamily="34" charset="-122"/>
               <a:ea typeface="微软雅黑" pitchFamily="34" charset="-122"/>
             </a:endParaRPr>
@@ -4118,10 +3826,13 @@
           <a:p>
             <a:pPr lvl="1">
               <a:lnSpc>
-                <a:spcPct val="120000"/>
-              </a:lnSpc>
-            </a:pPr>
-            <a:endParaRPr lang="zh-CN" altLang="en-US" dirty="0">
+                <a:spcPct val="150000"/>
+              </a:lnSpc>
+            </a:pPr>
+            <a:endParaRPr lang="en-US" altLang="zh-CN" dirty="0">
+              <a:solidFill>
+                <a:schemeClr val="tx1"/>
+              </a:solidFill>
               <a:latin typeface="微软雅黑" pitchFamily="34" charset="-122"/>
               <a:ea typeface="微软雅黑" pitchFamily="34" charset="-122"/>
             </a:endParaRPr>
@@ -4129,7 +3840,21 @@
           <a:p>
             <a:pPr lvl="1">
               <a:lnSpc>
-                <a:spcPct val="120000"/>
+                <a:spcPct val="150000"/>
+              </a:lnSpc>
+            </a:pPr>
+            <a:endParaRPr lang="zh-CN" altLang="en-US" dirty="0">
+              <a:solidFill>
+                <a:schemeClr val="tx1"/>
+              </a:solidFill>
+              <a:latin typeface="微软雅黑" pitchFamily="34" charset="-122"/>
+              <a:ea typeface="微软雅黑" pitchFamily="34" charset="-122"/>
+            </a:endParaRPr>
+          </a:p>
+          <a:p>
+            <a:pPr lvl="1">
+              <a:lnSpc>
+                <a:spcPct val="150000"/>
               </a:lnSpc>
               <a:spcBef>
                 <a:spcPct val="20000"/>
@@ -4239,127 +3964,6 @@
 </p:sld>
 </file>
 
-<file path=ppt/slides/slide11.xml><?xml version="1.0" encoding="utf-8"?>
-<p:sld xmlns:a="http://schemas.openxmlformats.org/drawingml/2006/main" xmlns:r="http://schemas.openxmlformats.org/officeDocument/2006/relationships" xmlns:p="http://schemas.openxmlformats.org/presentationml/2006/main">
-  <p:cSld>
-    <p:spTree>
-      <p:nvGrpSpPr>
-        <p:cNvPr id="1" name=""/>
-        <p:cNvGrpSpPr/>
-        <p:nvPr/>
-      </p:nvGrpSpPr>
-      <p:grpSpPr>
-        <a:xfrm>
-          <a:off x="0" y="0"/>
-          <a:ext cx="0" cy="0"/>
-          <a:chOff x="0" y="0"/>
-          <a:chExt cx="0" cy="0"/>
-        </a:xfrm>
-      </p:grpSpPr>
-      <p:sp>
-        <p:nvSpPr>
-          <p:cNvPr id="7170" name="标题 1"/>
-          <p:cNvSpPr>
-            <a:spLocks noGrp="1"/>
-          </p:cNvSpPr>
-          <p:nvPr>
-            <p:ph type="title"/>
-          </p:nvPr>
-        </p:nvSpPr>
-        <p:spPr/>
-        <p:txBody>
-          <a:bodyPr/>
-          <a:lstStyle/>
-          <a:p>
-            <a:r>
-              <a:rPr lang="zh-CN" altLang="en-US" smtClean="0"/>
-              <a:t>讲授思路　　　　　　　　　</a:t>
-            </a:r>
-            <a:endParaRPr lang="zh-CN" altLang="en-US" dirty="0" smtClean="0"/>
-          </a:p>
-        </p:txBody>
-      </p:sp>
-      <p:sp>
-        <p:nvSpPr>
-          <p:cNvPr id="7171" name="内容占位符 2"/>
-          <p:cNvSpPr>
-            <a:spLocks noGrp="1"/>
-          </p:cNvSpPr>
-          <p:nvPr>
-            <p:ph idx="1"/>
-          </p:nvPr>
-        </p:nvSpPr>
-        <p:spPr/>
-        <p:txBody>
-          <a:bodyPr/>
-          <a:lstStyle/>
-          <a:p>
-            <a:r>
-              <a:rPr lang="zh-CN" altLang="en-US" smtClean="0">
-                <a:sym typeface="Arial" charset="0"/>
-              </a:rPr>
-              <a:t>数组的概念</a:t>
-            </a:r>
-            <a:endParaRPr lang="en-US" altLang="zh-CN" smtClean="0">
-              <a:sym typeface="Arial" charset="0"/>
-            </a:endParaRPr>
-          </a:p>
-          <a:p>
-            <a:r>
-              <a:rPr lang="zh-CN" altLang="en-US" smtClean="0">
-                <a:sym typeface="Arial" charset="0"/>
-              </a:rPr>
-              <a:t>一维数组</a:t>
-            </a:r>
-            <a:endParaRPr lang="en-US" altLang="zh-CN" smtClean="0">
-              <a:sym typeface="Arial" charset="0"/>
-            </a:endParaRPr>
-          </a:p>
-          <a:p>
-            <a:r>
-              <a:rPr lang="zh-CN" altLang="en-US" smtClean="0">
-                <a:sym typeface="Arial" charset="0"/>
-              </a:rPr>
-              <a:t>二维数组</a:t>
-            </a:r>
-            <a:endParaRPr lang="en-US" altLang="zh-CN" smtClean="0">
-              <a:sym typeface="Arial" charset="0"/>
-            </a:endParaRPr>
-          </a:p>
-          <a:p>
-            <a:r>
-              <a:rPr lang="en-US" altLang="zh-CN" smtClean="0">
-                <a:sym typeface="Arial" charset="0"/>
-              </a:rPr>
-              <a:t>Arrays</a:t>
-            </a:r>
-            <a:r>
-              <a:rPr lang="zh-CN" altLang="en-US" smtClean="0">
-                <a:sym typeface="Arial" charset="0"/>
-              </a:rPr>
-              <a:t>工具类</a:t>
-            </a:r>
-            <a:endParaRPr lang="en-US" altLang="zh-CN" dirty="0" smtClean="0">
-              <a:sym typeface="Arial" charset="0"/>
-            </a:endParaRPr>
-          </a:p>
-        </p:txBody>
-      </p:sp>
-    </p:spTree>
-  </p:cSld>
-  <p:clrMapOvr>
-    <a:masterClrMapping/>
-  </p:clrMapOvr>
-  <p:timing>
-    <p:tnLst>
-      <p:par>
-        <p:cTn id="1" dur="indefinite" restart="never" nodeType="tmRoot"/>
-      </p:par>
-    </p:tnLst>
-  </p:timing>
-</p:sld>
-</file>
-
 <file path=ppt/slides/slide12.xml><?xml version="1.0" encoding="utf-8"?>
 <p:sld xmlns:a="http://schemas.openxmlformats.org/drawingml/2006/main" xmlns:r="http://schemas.openxmlformats.org/officeDocument/2006/relationships" xmlns:p="http://schemas.openxmlformats.org/presentationml/2006/main">
   <p:cSld>
@@ -4379,7 +3983,7 @@
       </p:grpSpPr>
       <p:sp>
         <p:nvSpPr>
-          <p:cNvPr id="14338" name="标题 1"/>
+          <p:cNvPr id="16386" name="标题 1"/>
           <p:cNvSpPr>
             <a:spLocks noGrp="1"/>
           </p:cNvSpPr>
@@ -4394,14 +3998,14 @@
           <a:p>
             <a:r>
               <a:rPr lang="zh-CN" altLang="en-US" smtClean="0"/>
-              <a:t>二维数组</a:t>
+              <a:t>二维数组的初始化</a:t>
             </a:r>
           </a:p>
         </p:txBody>
       </p:sp>
       <p:sp>
         <p:nvSpPr>
-          <p:cNvPr id="14339" name="内容占位符 2"/>
+          <p:cNvPr id="3" name="内容占位符 2"/>
           <p:cNvSpPr>
             <a:spLocks noGrp="1"/>
           </p:cNvSpPr>
@@ -4414,38 +4018,131 @@
           <a:bodyPr/>
           <a:lstStyle/>
           <a:p>
-            <a:r>
-              <a:rPr lang="en-US" altLang="zh-CN" smtClean="0">
-                <a:sym typeface="Arial" charset="0"/>
-              </a:rPr>
-              <a:t>Java</a:t>
-            </a:r>
-            <a:r>
-              <a:rPr lang="zh-CN" altLang="en-US" smtClean="0">
-                <a:sym typeface="Arial" charset="0"/>
-              </a:rPr>
-              <a:t>中多维数组可以看成是数组的数组，即多维数组中的每一个元素可以看成是低维数组，所以多维数组的声明、初始化、引用与一维数组非常类似</a:t>
-            </a:r>
-            <a:r>
-              <a:rPr lang="en-US" altLang="zh-CN" smtClean="0">
-                <a:sym typeface="Arial" charset="0"/>
-              </a:rPr>
-              <a:t>.</a:t>
-            </a:r>
-          </a:p>
-          <a:p>
-            <a:r>
-              <a:rPr lang="zh-CN" altLang="en-US" smtClean="0">
-                <a:sym typeface="Arial" charset="0"/>
-              </a:rPr>
-              <a:t>在多维数组中二维数组应用最为广泛，所以我们着重讨论二维数组的属性和特性，多维以此类推即可</a:t>
-            </a:r>
-            <a:r>
-              <a:rPr lang="en-US" altLang="zh-CN" smtClean="0">
-                <a:sym typeface="Arial" charset="0"/>
-              </a:rPr>
-              <a:t>.</a:t>
-            </a:r>
+            <a:pPr>
+              <a:lnSpc>
+                <a:spcPct val="150000"/>
+              </a:lnSpc>
+            </a:pPr>
+            <a:r>
+              <a:rPr lang="zh-CN" altLang="en-US" dirty="0" smtClean="0">
+                <a:sym typeface="Arial" charset="0"/>
+              </a:rPr>
+              <a:t>二维数组的初始化与一维数组类似，也分为静态初始化和动态初始化</a:t>
+            </a:r>
+            <a:endParaRPr lang="en-US" altLang="zh-CN" dirty="0" smtClean="0">
+              <a:sym typeface="Arial" charset="0"/>
+            </a:endParaRPr>
+          </a:p>
+          <a:p>
+            <a:pPr>
+              <a:lnSpc>
+                <a:spcPct val="150000"/>
+              </a:lnSpc>
+            </a:pPr>
+            <a:r>
+              <a:rPr lang="zh-CN" altLang="en-US" dirty="0" smtClean="0">
+                <a:sym typeface="Arial" charset="0"/>
+              </a:rPr>
+              <a:t>静态初始化</a:t>
+            </a:r>
+            <a:endParaRPr lang="en-US" altLang="zh-CN" dirty="0" smtClean="0">
+              <a:sym typeface="Arial" charset="0"/>
+            </a:endParaRPr>
+          </a:p>
+          <a:p>
+            <a:pPr lvl="1">
+              <a:lnSpc>
+                <a:spcPct val="150000"/>
+              </a:lnSpc>
+            </a:pPr>
+            <a:r>
+              <a:rPr lang="en-US" altLang="zh-CN" dirty="0" smtClean="0">
+                <a:sym typeface="Arial" charset="0"/>
+              </a:rPr>
+              <a:t>int number[ ] [ ] = { {1,2},{3,4},{5,6}};</a:t>
+            </a:r>
+          </a:p>
+          <a:p>
+            <a:pPr lvl="1">
+              <a:lnSpc>
+                <a:spcPct val="150000"/>
+              </a:lnSpc>
+            </a:pPr>
+            <a:r>
+              <a:rPr lang="en-US" altLang="zh-CN" dirty="0" smtClean="0">
+                <a:sym typeface="Arial" charset="0"/>
+              </a:rPr>
+              <a:t>char </a:t>
+            </a:r>
+            <a:r>
+              <a:rPr lang="en-US" altLang="zh-CN" dirty="0" err="1" smtClean="0">
+                <a:sym typeface="Arial" charset="0"/>
+              </a:rPr>
+              <a:t>ch</a:t>
+            </a:r>
+            <a:r>
+              <a:rPr lang="en-US" altLang="zh-CN" dirty="0" smtClean="0">
+                <a:sym typeface="Arial" charset="0"/>
+              </a:rPr>
+              <a:t>[ ] [ ] = { {'a', 'b'},{'c', 'd'},{'e', 'f'}};</a:t>
+            </a:r>
+          </a:p>
+          <a:p>
+            <a:pPr>
+              <a:lnSpc>
+                <a:spcPct val="150000"/>
+              </a:lnSpc>
+            </a:pPr>
+            <a:r>
+              <a:rPr lang="zh-CN" altLang="en-US" dirty="0" smtClean="0">
+                <a:sym typeface="Arial" charset="0"/>
+              </a:rPr>
+              <a:t>动态初始化</a:t>
+            </a:r>
+            <a:endParaRPr lang="en-US" altLang="zh-CN" dirty="0" smtClean="0">
+              <a:sym typeface="Arial" charset="0"/>
+            </a:endParaRPr>
+          </a:p>
+          <a:p>
+            <a:pPr lvl="1">
+              <a:lnSpc>
+                <a:spcPct val="150000"/>
+              </a:lnSpc>
+            </a:pPr>
+            <a:r>
+              <a:rPr lang="en-US" altLang="zh-CN" dirty="0" smtClean="0">
+                <a:sym typeface="Arial" charset="0"/>
+              </a:rPr>
+              <a:t>long[ ][ ] </a:t>
+            </a:r>
+            <a:r>
+              <a:rPr lang="en-US" altLang="zh-CN" dirty="0" err="1" smtClean="0">
+                <a:sym typeface="Arial" charset="0"/>
+              </a:rPr>
+              <a:t>array_long</a:t>
+            </a:r>
+            <a:r>
+              <a:rPr lang="en-US" altLang="zh-CN" dirty="0" smtClean="0">
+                <a:sym typeface="Arial" charset="0"/>
+              </a:rPr>
+              <a:t> = new long[5][5];</a:t>
+            </a:r>
+          </a:p>
+          <a:p>
+            <a:pPr lvl="1">
+              <a:lnSpc>
+                <a:spcPct val="150000"/>
+              </a:lnSpc>
+            </a:pPr>
+            <a:r>
+              <a:rPr lang="en-US" altLang="zh-CN" dirty="0" smtClean="0">
+                <a:sym typeface="Arial" charset="0"/>
+              </a:rPr>
+              <a:t>String[ ][ ] names = new String[3][4];</a:t>
+            </a:r>
+            <a:endParaRPr lang="zh-CN" altLang="en-US" dirty="0" smtClean="0">
+              <a:sym typeface="Arial" charset="0"/>
+            </a:endParaRPr>
           </a:p>
         </p:txBody>
       </p:sp>
@@ -4483,7 +4180,7 @@
       </p:grpSpPr>
       <p:sp>
         <p:nvSpPr>
-          <p:cNvPr id="15362" name="标题 1"/>
+          <p:cNvPr id="21506" name="标题 1"/>
           <p:cNvSpPr>
             <a:spLocks noGrp="1"/>
           </p:cNvSpPr>
@@ -4497,15 +4194,24 @@
           <a:lstStyle/>
           <a:p>
             <a:r>
-              <a:rPr lang="zh-CN" altLang="en-US" smtClean="0"/>
-              <a:t>二维数组的声明</a:t>
-            </a:r>
+              <a:rPr lang="en-US" altLang="zh-CN" dirty="0" smtClean="0"/>
+              <a:t>Arrays</a:t>
+            </a:r>
+            <a:r>
+              <a:rPr lang="zh-CN" altLang="en-US" dirty="0" smtClean="0"/>
+              <a:t>类的</a:t>
+            </a:r>
+            <a:r>
+              <a:rPr lang="zh-CN" altLang="en-US" dirty="0" smtClean="0"/>
+              <a:t>引入</a:t>
+            </a:r>
+            <a:endParaRPr lang="zh-CN" altLang="en-US" dirty="0" smtClean="0"/>
           </a:p>
         </p:txBody>
       </p:sp>
       <p:sp>
         <p:nvSpPr>
-          <p:cNvPr id="3" name="内容占位符 2"/>
+          <p:cNvPr id="21507" name="内容占位符 2"/>
           <p:cNvSpPr>
             <a:spLocks noGrp="1"/>
           </p:cNvSpPr>
@@ -4518,286 +4224,143 @@
           <a:bodyPr/>
           <a:lstStyle/>
           <a:p>
-            <a:r>
-              <a:rPr lang="zh-CN" altLang="en-US" smtClean="0">
-                <a:sym typeface="Arial" charset="0"/>
-              </a:rPr>
-              <a:t>二维数组的声明的一般格式：</a:t>
-            </a:r>
-            <a:endParaRPr lang="en-US" altLang="zh-CN" smtClean="0">
-              <a:sym typeface="Arial" charset="0"/>
-            </a:endParaRPr>
-          </a:p>
-          <a:p>
-            <a:pPr lvl="1"/>
-            <a:r>
-              <a:rPr lang="en-US" altLang="zh-CN" smtClean="0">
-                <a:sym typeface="Arial" charset="0"/>
-              </a:rPr>
-              <a:t>array_type    array_Name[ ] [ ];</a:t>
-            </a:r>
-          </a:p>
-          <a:p>
-            <a:pPr lvl="1"/>
-            <a:r>
-              <a:rPr lang="en-US" altLang="zh-CN" smtClean="0">
-                <a:sym typeface="Arial" charset="0"/>
-              </a:rPr>
-              <a:t>array_type    [ ] [ ] array_Name;</a:t>
-            </a:r>
-          </a:p>
-          <a:p>
-            <a:pPr lvl="1"/>
-            <a:r>
-              <a:rPr lang="en-US" altLang="zh-CN" smtClean="0">
-                <a:sym typeface="Arial" charset="0"/>
-              </a:rPr>
-              <a:t>array_type [ ] array_Name[ ];</a:t>
-            </a:r>
-          </a:p>
-          <a:p>
-            <a:r>
-              <a:rPr lang="zh-CN" altLang="en-US" smtClean="0">
-                <a:sym typeface="Arial" charset="0"/>
-              </a:rPr>
-              <a:t>比如：</a:t>
-            </a:r>
-            <a:endParaRPr lang="en-US" altLang="zh-CN" smtClean="0">
-              <a:sym typeface="Arial" charset="0"/>
-            </a:endParaRPr>
-          </a:p>
-        </p:txBody>
-      </p:sp>
-      <p:sp>
-        <p:nvSpPr>
-          <p:cNvPr id="6" name="Rectangle 4"/>
-          <p:cNvSpPr txBox="1">
-            <a:spLocks noChangeArrowheads="1"/>
-          </p:cNvSpPr>
-          <p:nvPr/>
-        </p:nvSpPr>
-        <p:spPr bwMode="auto">
-          <a:xfrm>
-            <a:off x="3059832" y="3861048"/>
-            <a:ext cx="1800200" cy="1650141"/>
-          </a:xfrm>
-          <a:prstGeom prst="rect">
-            <a:avLst/>
-          </a:prstGeom>
-          <a:solidFill>
-            <a:srgbClr val="FFCC99"/>
-          </a:solidFill>
-          <a:ln w="9525">
-            <a:solidFill>
-              <a:schemeClr val="bg1"/>
-            </a:solidFill>
-            <a:miter lim="800000"/>
-            <a:headEnd/>
-            <a:tailEnd/>
-          </a:ln>
-        </p:spPr>
-        <p:txBody>
-          <a:bodyPr wrap="none"/>
-          <a:lstStyle>
-            <a:lvl1pPr marL="342900" indent="-342900" eaLnBrk="0" hangingPunct="0">
-              <a:defRPr sz="2000">
-                <a:solidFill>
-                  <a:srgbClr val="A50021"/>
-                </a:solidFill>
-                <a:latin typeface="Arial" charset="0"/>
-              </a:defRPr>
-            </a:lvl1pPr>
-            <a:lvl2pPr eaLnBrk="0" hangingPunct="0">
-              <a:defRPr sz="2000">
-                <a:solidFill>
-                  <a:srgbClr val="A50021"/>
-                </a:solidFill>
-                <a:latin typeface="Arial" charset="0"/>
-              </a:defRPr>
-            </a:lvl2pPr>
-            <a:lvl3pPr marL="1143000" indent="-228600" eaLnBrk="0" hangingPunct="0">
-              <a:defRPr sz="2000">
-                <a:solidFill>
-                  <a:srgbClr val="A50021"/>
-                </a:solidFill>
-                <a:latin typeface="Arial" charset="0"/>
-              </a:defRPr>
-            </a:lvl3pPr>
-            <a:lvl4pPr marL="1600200" indent="-228600" eaLnBrk="0" hangingPunct="0">
-              <a:defRPr sz="2000">
-                <a:solidFill>
-                  <a:srgbClr val="A50021"/>
-                </a:solidFill>
-                <a:latin typeface="Arial" charset="0"/>
-              </a:defRPr>
-            </a:lvl4pPr>
-            <a:lvl5pPr marL="2057400" indent="-228600" eaLnBrk="0" hangingPunct="0">
-              <a:defRPr sz="2000">
-                <a:solidFill>
-                  <a:srgbClr val="A50021"/>
-                </a:solidFill>
-                <a:latin typeface="Arial" charset="0"/>
-              </a:defRPr>
-            </a:lvl5pPr>
-            <a:lvl6pPr marL="2514600" indent="-228600" eaLnBrk="0" fontAlgn="base" hangingPunct="0">
-              <a:spcBef>
-                <a:spcPct val="0"/>
-              </a:spcBef>
-              <a:spcAft>
-                <a:spcPct val="0"/>
-              </a:spcAft>
-              <a:buFont typeface="Arial" charset="0"/>
-              <a:defRPr sz="2000">
-                <a:solidFill>
-                  <a:srgbClr val="A50021"/>
-                </a:solidFill>
-                <a:latin typeface="Arial" charset="0"/>
-              </a:defRPr>
-            </a:lvl6pPr>
-            <a:lvl7pPr marL="2971800" indent="-228600" eaLnBrk="0" fontAlgn="base" hangingPunct="0">
-              <a:spcBef>
-                <a:spcPct val="0"/>
-              </a:spcBef>
-              <a:spcAft>
-                <a:spcPct val="0"/>
-              </a:spcAft>
-              <a:buFont typeface="Arial" charset="0"/>
-              <a:defRPr sz="2000">
-                <a:solidFill>
-                  <a:srgbClr val="A50021"/>
-                </a:solidFill>
-                <a:latin typeface="Arial" charset="0"/>
-              </a:defRPr>
-            </a:lvl7pPr>
-            <a:lvl8pPr marL="3429000" indent="-228600" eaLnBrk="0" fontAlgn="base" hangingPunct="0">
-              <a:spcBef>
-                <a:spcPct val="0"/>
-              </a:spcBef>
-              <a:spcAft>
-                <a:spcPct val="0"/>
-              </a:spcAft>
-              <a:buFont typeface="Arial" charset="0"/>
-              <a:defRPr sz="2000">
-                <a:solidFill>
-                  <a:srgbClr val="A50021"/>
-                </a:solidFill>
-                <a:latin typeface="Arial" charset="0"/>
-              </a:defRPr>
-            </a:lvl8pPr>
-            <a:lvl9pPr marL="3886200" indent="-228600" eaLnBrk="0" fontAlgn="base" hangingPunct="0">
-              <a:spcBef>
-                <a:spcPct val="0"/>
-              </a:spcBef>
-              <a:spcAft>
-                <a:spcPct val="0"/>
-              </a:spcAft>
-              <a:buFont typeface="Arial" charset="0"/>
-              <a:defRPr sz="2000">
-                <a:solidFill>
-                  <a:srgbClr val="A50021"/>
-                </a:solidFill>
-                <a:latin typeface="Arial" charset="0"/>
-              </a:defRPr>
-            </a:lvl9pPr>
-          </a:lstStyle>
-          <a:p>
-            <a:pPr marL="0" lvl="1">
-              <a:lnSpc>
-                <a:spcPct val="120000"/>
-              </a:lnSpc>
-              <a:spcBef>
-                <a:spcPct val="20000"/>
-              </a:spcBef>
-            </a:pPr>
+            <a:pPr>
+              <a:lnSpc>
+                <a:spcPct val="150000"/>
+              </a:lnSpc>
+            </a:pPr>
+            <a:r>
+              <a:rPr lang="zh-CN" altLang="zh-CN" dirty="0" smtClean="0">
+                <a:sym typeface="Arial" charset="0"/>
+              </a:rPr>
+              <a:t>数组是一种非常常用的存储数据的数据结构，并且</a:t>
+            </a:r>
+            <a:r>
+              <a:rPr lang="zh-CN" altLang="en-US" dirty="0" smtClean="0">
+                <a:sym typeface="Arial" charset="0"/>
+              </a:rPr>
+              <a:t>在程序中</a:t>
+            </a:r>
+            <a:r>
+              <a:rPr lang="zh-CN" altLang="zh-CN" dirty="0" smtClean="0">
+                <a:sym typeface="Arial" charset="0"/>
+              </a:rPr>
+              <a:t>会大量对数组中的元素进行</a:t>
+            </a:r>
+            <a:r>
+              <a:rPr lang="zh-CN" altLang="zh-CN" dirty="0" smtClean="0">
+                <a:solidFill>
+                  <a:srgbClr val="FF0000"/>
+                </a:solidFill>
+                <a:sym typeface="Arial" charset="0"/>
+              </a:rPr>
+              <a:t>查找</a:t>
+            </a:r>
+            <a:r>
+              <a:rPr lang="zh-CN" altLang="zh-CN" dirty="0" smtClean="0">
+                <a:sym typeface="Arial" charset="0"/>
+              </a:rPr>
+              <a:t>、</a:t>
+            </a:r>
+            <a:r>
+              <a:rPr lang="zh-CN" altLang="zh-CN" dirty="0" smtClean="0">
+                <a:solidFill>
+                  <a:srgbClr val="FF0000"/>
+                </a:solidFill>
+                <a:sym typeface="Arial" charset="0"/>
+              </a:rPr>
+              <a:t>排序</a:t>
+            </a:r>
+            <a:r>
+              <a:rPr lang="zh-CN" altLang="zh-CN" dirty="0" smtClean="0">
+                <a:sym typeface="Arial" charset="0"/>
+              </a:rPr>
+              <a:t>等操作</a:t>
+            </a:r>
+            <a:r>
+              <a:rPr lang="zh-CN" altLang="en-US" dirty="0" smtClean="0">
+                <a:sym typeface="Arial" charset="0"/>
+              </a:rPr>
+              <a:t>，使用循环，条件分支等流程控制可以满足需求，但程序会显得比较</a:t>
+            </a:r>
+            <a:r>
+              <a:rPr lang="zh-CN" altLang="en-US" dirty="0" smtClean="0">
+                <a:sym typeface="Arial" charset="0"/>
+              </a:rPr>
+              <a:t>凌乱</a:t>
+            </a:r>
+            <a:r>
+              <a:rPr lang="zh-CN" altLang="en-US" dirty="0"/>
+              <a:t>。</a:t>
+            </a:r>
             <a:endParaRPr lang="en-US" altLang="zh-CN" dirty="0" smtClean="0">
               <a:sym typeface="Arial" charset="0"/>
             </a:endParaRPr>
           </a:p>
           <a:p>
-            <a:pPr marL="0" lvl="1">
-              <a:lnSpc>
-                <a:spcPct val="120000"/>
-              </a:lnSpc>
-              <a:spcBef>
-                <a:spcPts val="0"/>
-              </a:spcBef>
+            <a:pPr>
+              <a:lnSpc>
+                <a:spcPct val="150000"/>
+              </a:lnSpc>
             </a:pPr>
             <a:r>
               <a:rPr lang="en-US" altLang="zh-CN" dirty="0" smtClean="0">
                 <a:sym typeface="Arial" charset="0"/>
               </a:rPr>
-              <a:t> int</a:t>
-            </a:r>
-            <a:r>
-              <a:rPr lang="en-US" altLang="zh-CN" dirty="0">
-                <a:sym typeface="Arial" charset="0"/>
-              </a:rPr>
-              <a:t>[][] </a:t>
+              <a:t>Java</a:t>
+            </a:r>
+            <a:r>
+              <a:rPr lang="zh-CN" altLang="zh-CN" dirty="0" smtClean="0">
+                <a:sym typeface="Arial" charset="0"/>
+              </a:rPr>
+              <a:t>中提供了实用的工具类</a:t>
             </a:r>
             <a:r>
               <a:rPr lang="en-US" altLang="zh-CN" dirty="0" smtClean="0">
                 <a:sym typeface="Arial" charset="0"/>
               </a:rPr>
-              <a:t>arrays;</a:t>
-            </a:r>
-          </a:p>
-          <a:p>
-            <a:r>
-              <a:rPr lang="en-US" altLang="zh-CN" dirty="0" smtClean="0">
-                <a:sym typeface="Arial" charset="0"/>
-              </a:rPr>
-              <a:t> int[] arrays[];</a:t>
-            </a:r>
-          </a:p>
-          <a:p>
-            <a:r>
-              <a:rPr lang="en-US" altLang="zh-CN" dirty="0" smtClean="0">
-                <a:sym typeface="Arial" charset="0"/>
-              </a:rPr>
-              <a:t> int arrays[][]; </a:t>
-            </a:r>
-            <a:endParaRPr lang="en-US" altLang="zh-CN" dirty="0" smtClean="0">
-              <a:latin typeface="微软雅黑" pitchFamily="34" charset="-122"/>
-              <a:ea typeface="微软雅黑" pitchFamily="34" charset="-122"/>
+              <a:t>Arrays</a:t>
+            </a:r>
+            <a:r>
+              <a:rPr lang="zh-CN" altLang="en-US" dirty="0" smtClean="0">
+                <a:sym typeface="Arial" charset="0"/>
+              </a:rPr>
+              <a:t>，</a:t>
+            </a:r>
+            <a:r>
+              <a:rPr lang="zh-CN" altLang="zh-CN" dirty="0" smtClean="0">
+                <a:sym typeface="Arial" charset="0"/>
+              </a:rPr>
+              <a:t>辅助编程人员</a:t>
+            </a:r>
+            <a:r>
+              <a:rPr lang="zh-CN" altLang="en-US" dirty="0" smtClean="0">
+                <a:sym typeface="Arial" charset="0"/>
+              </a:rPr>
+              <a:t>简化数组的常用</a:t>
+            </a:r>
+            <a:r>
+              <a:rPr lang="zh-CN" altLang="en-US" dirty="0" smtClean="0">
+                <a:sym typeface="Arial" charset="0"/>
+              </a:rPr>
+              <a:t>操作</a:t>
+            </a:r>
+            <a:r>
+              <a:rPr lang="zh-CN" altLang="en-US" dirty="0"/>
+              <a:t>。</a:t>
+            </a:r>
+            <a:endParaRPr lang="zh-CN" altLang="zh-CN" dirty="0" smtClean="0">
+              <a:sym typeface="Arial" charset="0"/>
             </a:endParaRPr>
           </a:p>
           <a:p>
-            <a:pPr lvl="1">
-              <a:lnSpc>
-                <a:spcPct val="120000"/>
-              </a:lnSpc>
-            </a:pPr>
-            <a:endParaRPr lang="en-US" altLang="zh-CN" dirty="0">
-              <a:latin typeface="微软雅黑" pitchFamily="34" charset="-122"/>
-              <a:ea typeface="微软雅黑" pitchFamily="34" charset="-122"/>
-            </a:endParaRPr>
-          </a:p>
-          <a:p>
-            <a:pPr lvl="1">
-              <a:lnSpc>
-                <a:spcPct val="120000"/>
-              </a:lnSpc>
-            </a:pPr>
-            <a:endParaRPr lang="zh-CN" altLang="en-US" dirty="0">
-              <a:latin typeface="微软雅黑" pitchFamily="34" charset="-122"/>
-              <a:ea typeface="微软雅黑" pitchFamily="34" charset="-122"/>
-            </a:endParaRPr>
-          </a:p>
-          <a:p>
-            <a:pPr lvl="1">
-              <a:lnSpc>
-                <a:spcPct val="120000"/>
-              </a:lnSpc>
-              <a:spcBef>
-                <a:spcPct val="20000"/>
-              </a:spcBef>
-            </a:pPr>
-            <a:endParaRPr lang="en-US" altLang="zh-CN" dirty="0">
-              <a:solidFill>
-                <a:schemeClr val="tx1"/>
-              </a:solidFill>
-              <a:latin typeface="微软雅黑" pitchFamily="34" charset="-122"/>
-              <a:ea typeface="微软雅黑" pitchFamily="34" charset="-122"/>
+            <a:pPr>
+              <a:lnSpc>
+                <a:spcPct val="150000"/>
+              </a:lnSpc>
+            </a:pPr>
+            <a:endParaRPr lang="zh-CN" altLang="en-US" dirty="0" smtClean="0">
+              <a:sym typeface="Arial" charset="0"/>
             </a:endParaRPr>
           </a:p>
         </p:txBody>
@@ -4810,88 +4373,9 @@
   <p:timing>
     <p:tnLst>
       <p:par>
-        <p:cTn id="1" dur="indefinite" restart="never" nodeType="tmRoot">
-          <p:childTnLst>
-            <p:seq concurrent="1" nextAc="seek">
-              <p:cTn id="2" dur="indefinite" nodeType="mainSeq">
-                <p:childTnLst>
-                  <p:par>
-                    <p:cTn id="3" fill="hold">
-                      <p:stCondLst>
-                        <p:cond delay="indefinite"/>
-                      </p:stCondLst>
-                      <p:childTnLst>
-                        <p:par>
-                          <p:cTn id="4" fill="hold">
-                            <p:stCondLst>
-                              <p:cond delay="0"/>
-                            </p:stCondLst>
-                            <p:childTnLst>
-                              <p:par>
-                                <p:cTn id="5" presetID="6" presetClass="entr" presetSubtype="16" fill="hold" grpId="0" nodeType="clickEffect">
-                                  <p:stCondLst>
-                                    <p:cond delay="0"/>
-                                  </p:stCondLst>
-                                  <p:childTnLst>
-                                    <p:set>
-                                      <p:cBhvr>
-                                        <p:cTn id="6" dur="1" fill="hold">
-                                          <p:stCondLst>
-                                            <p:cond delay="0"/>
-                                          </p:stCondLst>
-                                        </p:cTn>
-                                        <p:tgtEl>
-                                          <p:spTgt spid="6"/>
-                                        </p:tgtEl>
-                                        <p:attrNameLst>
-                                          <p:attrName>style.visibility</p:attrName>
-                                        </p:attrNameLst>
-                                      </p:cBhvr>
-                                      <p:to>
-                                        <p:strVal val="visible"/>
-                                      </p:to>
-                                    </p:set>
-                                    <p:animEffect transition="in" filter="circle(in)">
-                                      <p:cBhvr>
-                                        <p:cTn id="7" dur="2000"/>
-                                        <p:tgtEl>
-                                          <p:spTgt spid="6"/>
-                                        </p:tgtEl>
-                                      </p:cBhvr>
-                                    </p:animEffect>
-                                  </p:childTnLst>
-                                </p:cTn>
-                              </p:par>
-                            </p:childTnLst>
-                          </p:cTn>
-                        </p:par>
-                      </p:childTnLst>
-                    </p:cTn>
-                  </p:par>
-                </p:childTnLst>
-              </p:cTn>
-              <p:prevCondLst>
-                <p:cond evt="onPrev" delay="0">
-                  <p:tgtEl>
-                    <p:sldTgt/>
-                  </p:tgtEl>
-                </p:cond>
-              </p:prevCondLst>
-              <p:nextCondLst>
-                <p:cond evt="onNext" delay="0">
-                  <p:tgtEl>
-                    <p:sldTgt/>
-                  </p:tgtEl>
-                </p:cond>
-              </p:nextCondLst>
-            </p:seq>
-          </p:childTnLst>
-        </p:cTn>
+        <p:cTn id="1" dur="indefinite" restart="never" nodeType="tmRoot"/>
       </p:par>
     </p:tnLst>
-    <p:bldLst>
-      <p:bldP spid="6" grpId="0" animBg="1"/>
-    </p:bldLst>
   </p:timing>
 </p:sld>
 </file>
@@ -4915,7 +4399,7 @@
       </p:grpSpPr>
       <p:sp>
         <p:nvSpPr>
-          <p:cNvPr id="16386" name="标题 1"/>
+          <p:cNvPr id="2" name="标题 1"/>
           <p:cNvSpPr>
             <a:spLocks noGrp="1"/>
           </p:cNvSpPr>
@@ -4929,9 +4413,10 @@
           <a:lstStyle/>
           <a:p>
             <a:r>
-              <a:rPr lang="zh-CN" altLang="en-US" smtClean="0"/>
-              <a:t>二维数组的初始化</a:t>
-            </a:r>
+              <a:rPr lang="en-US" altLang="zh-CN" smtClean="0"/>
+              <a:t>Arrays</a:t>
+            </a:r>
+            <a:endParaRPr lang="zh-CN" altLang="en-US" dirty="0"/>
           </a:p>
         </p:txBody>
       </p:sp>
@@ -4950,98 +4435,112 @@
           <a:bodyPr/>
           <a:lstStyle/>
           <a:p>
+            <a:pPr>
+              <a:lnSpc>
+                <a:spcPct val="150000"/>
+              </a:lnSpc>
+            </a:pPr>
+            <a:r>
+              <a:rPr lang="en-US" altLang="zh-CN" dirty="0" err="1"/>
+              <a:t>java.util.Arrays</a:t>
+            </a:r>
+            <a:r>
+              <a:rPr lang="zh-CN" altLang="en-US" dirty="0"/>
+              <a:t>类能方便地操作数组，它提供的所有方法都是静态的</a:t>
+            </a:r>
+            <a:endParaRPr lang="en-US" altLang="zh-CN" dirty="0"/>
+          </a:p>
+          <a:p>
+            <a:pPr>
+              <a:lnSpc>
+                <a:spcPct val="150000"/>
+              </a:lnSpc>
+            </a:pPr>
             <a:r>
               <a:rPr lang="zh-CN" altLang="en-US" dirty="0" smtClean="0">
                 <a:sym typeface="Arial" charset="0"/>
               </a:rPr>
-              <a:t>二维数组的初始化与一维数组类似，也分为静态初始化和动态初始化</a:t>
+              <a:t>常用方法：</a:t>
             </a:r>
             <a:endParaRPr lang="en-US" altLang="zh-CN" dirty="0" smtClean="0">
               <a:sym typeface="Arial" charset="0"/>
             </a:endParaRPr>
           </a:p>
           <a:p>
+            <a:pPr lvl="1">
+              <a:lnSpc>
+                <a:spcPct val="150000"/>
+              </a:lnSpc>
+            </a:pPr>
+            <a:r>
+              <a:rPr lang="en-US" altLang="zh-CN" dirty="0" err="1" smtClean="0">
+                <a:sym typeface="Arial" charset="0"/>
+              </a:rPr>
+              <a:t>copyOf</a:t>
+            </a:r>
+            <a:r>
+              <a:rPr lang="en-US" altLang="zh-CN" dirty="0" smtClean="0">
+                <a:sym typeface="Arial" charset="0"/>
+              </a:rPr>
+              <a:t>		</a:t>
+            </a:r>
             <a:r>
               <a:rPr lang="zh-CN" altLang="en-US" dirty="0" smtClean="0">
                 <a:sym typeface="Arial" charset="0"/>
               </a:rPr>
-              <a:t>静态初始化</a:t>
+              <a:t>实现数组的复制</a:t>
             </a:r>
             <a:endParaRPr lang="en-US" altLang="zh-CN" dirty="0" smtClean="0">
               <a:sym typeface="Arial" charset="0"/>
             </a:endParaRPr>
           </a:p>
           <a:p>
-            <a:pPr lvl="1"/>
+            <a:pPr lvl="1">
+              <a:lnSpc>
+                <a:spcPct val="150000"/>
+              </a:lnSpc>
+            </a:pPr>
             <a:r>
               <a:rPr lang="en-US" altLang="zh-CN" dirty="0" smtClean="0">
                 <a:sym typeface="Arial" charset="0"/>
               </a:rPr>
-              <a:t>int number[ ] [ ] = { {1,2},{3,4},{5,6}};</a:t>
-            </a:r>
-          </a:p>
-          <a:p>
-            <a:pPr lvl="1"/>
-            <a:r>
-              <a:rPr lang="en-US" altLang="zh-CN" dirty="0" smtClean="0">
-                <a:sym typeface="Arial" charset="0"/>
-              </a:rPr>
-              <a:t>char </a:t>
-            </a:r>
-            <a:r>
-              <a:rPr lang="en-US" altLang="zh-CN" dirty="0" err="1" smtClean="0">
-                <a:sym typeface="Arial" charset="0"/>
-              </a:rPr>
-              <a:t>ch</a:t>
-            </a:r>
-            <a:r>
-              <a:rPr lang="en-US" altLang="zh-CN" dirty="0" smtClean="0">
-                <a:sym typeface="Arial" charset="0"/>
-              </a:rPr>
-              <a:t>[ ] [ ] = { {'a', 'b'},{'c', 'd'},{'e', 'f'}};</a:t>
-            </a:r>
-          </a:p>
-          <a:p>
+              <a:t>Fill		</a:t>
+            </a:r>
             <a:r>
               <a:rPr lang="zh-CN" altLang="en-US" dirty="0" smtClean="0">
                 <a:sym typeface="Arial" charset="0"/>
               </a:rPr>
-              <a:t>动态初始化</a:t>
+              <a:t>实现数组元素的初始化</a:t>
             </a:r>
             <a:endParaRPr lang="en-US" altLang="zh-CN" dirty="0" smtClean="0">
               <a:sym typeface="Arial" charset="0"/>
             </a:endParaRPr>
           </a:p>
           <a:p>
+            <a:pPr lvl="1">
+              <a:lnSpc>
+                <a:spcPct val="150000"/>
+              </a:lnSpc>
+            </a:pPr>
+            <a:r>
+              <a:rPr lang="en-US" altLang="zh-CN" dirty="0" smtClean="0">
+                <a:sym typeface="Arial" charset="0"/>
+              </a:rPr>
+              <a:t>Sort		</a:t>
+            </a:r>
+            <a:r>
+              <a:rPr lang="zh-CN" altLang="en-US" dirty="0" smtClean="0">
+                <a:sym typeface="Arial" charset="0"/>
+              </a:rPr>
+              <a:t>实现数组的排序</a:t>
+            </a:r>
+            <a:endParaRPr lang="en-US" altLang="zh-CN" dirty="0" smtClean="0">
+              <a:sym typeface="Arial" charset="0"/>
+            </a:endParaRPr>
+          </a:p>
+          <a:p>
             <a:pPr lvl="1"/>
-            <a:r>
-              <a:rPr lang="en-US" altLang="zh-CN" dirty="0" smtClean="0">
-                <a:sym typeface="Arial" charset="0"/>
-              </a:rPr>
-              <a:t>long[ ][ ] </a:t>
-            </a:r>
-            <a:r>
-              <a:rPr lang="en-US" altLang="zh-CN" dirty="0" err="1" smtClean="0">
-                <a:sym typeface="Arial" charset="0"/>
-              </a:rPr>
-              <a:t>array_long</a:t>
-            </a:r>
-            <a:r>
-              <a:rPr lang="en-US" altLang="zh-CN" dirty="0" smtClean="0">
-                <a:sym typeface="Arial" charset="0"/>
-              </a:rPr>
-              <a:t> = new long[5][5];</a:t>
-            </a:r>
-          </a:p>
-          <a:p>
-            <a:pPr lvl="1"/>
-            <a:r>
-              <a:rPr lang="en-US" altLang="zh-CN" dirty="0" smtClean="0">
-                <a:sym typeface="Arial" charset="0"/>
-              </a:rPr>
-              <a:t>String[ ][ ] names = new String[3][4];</a:t>
-            </a:r>
-            <a:endParaRPr lang="zh-CN" altLang="en-US" dirty="0" smtClean="0">
+            <a:endParaRPr lang="zh-CN" altLang="en-US" dirty="0" err="1" smtClean="0">
               <a:sym typeface="Arial" charset="0"/>
             </a:endParaRPr>
           </a:p>
@@ -5096,7 +4595,7 @@
           <a:p>
             <a:r>
               <a:rPr lang="zh-CN" altLang="en-US" smtClean="0"/>
-              <a:t>讲授思路　　　　　　　　　</a:t>
+              <a:t>总结　　　　　　　　　</a:t>
             </a:r>
             <a:endParaRPr lang="zh-CN" altLang="en-US" dirty="0" smtClean="0"/>
           </a:p>
@@ -5117,58 +4616,57 @@
           <a:bodyPr/>
           <a:lstStyle/>
           <a:p>
-            <a:r>
-              <a:rPr lang="zh-CN" altLang="en-US" smtClean="0">
-                <a:sym typeface="Arial" charset="0"/>
-              </a:rPr>
-              <a:t>数组的概念</a:t>
-            </a:r>
-            <a:endParaRPr lang="en-US" altLang="zh-CN" smtClean="0">
-              <a:sym typeface="Arial" charset="0"/>
-            </a:endParaRPr>
-          </a:p>
-          <a:p>
-            <a:r>
-              <a:rPr lang="zh-CN" altLang="en-US" smtClean="0">
-                <a:sym typeface="Arial" charset="0"/>
-              </a:rPr>
+            <a:pPr>
+              <a:lnSpc>
+                <a:spcPct val="150000"/>
+              </a:lnSpc>
+            </a:pPr>
+            <a:r>
+              <a:rPr lang="zh-CN" altLang="en-US" dirty="0" smtClean="0"/>
               <a:t>一维数组</a:t>
             </a:r>
-            <a:endParaRPr lang="en-US" altLang="zh-CN" smtClean="0">
-              <a:sym typeface="Arial" charset="0"/>
-            </a:endParaRPr>
-          </a:p>
-          <a:p>
-            <a:r>
-              <a:rPr lang="zh-CN" altLang="en-US" smtClean="0">
-                <a:sym typeface="Arial" charset="0"/>
-              </a:rPr>
+            <a:endParaRPr lang="en-US" altLang="zh-CN" dirty="0" smtClean="0"/>
+          </a:p>
+          <a:p>
+            <a:pPr>
+              <a:lnSpc>
+                <a:spcPct val="150000"/>
+              </a:lnSpc>
+            </a:pPr>
+            <a:r>
+              <a:rPr lang="zh-CN" altLang="en-US" dirty="0" smtClean="0"/>
               <a:t>二维数组</a:t>
             </a:r>
-            <a:endParaRPr lang="en-US" altLang="zh-CN" smtClean="0">
-              <a:sym typeface="Arial" charset="0"/>
-            </a:endParaRPr>
-          </a:p>
-          <a:p>
-            <a:r>
-              <a:rPr lang="en-US" altLang="zh-CN" smtClean="0">
-                <a:sym typeface="Arial" charset="0"/>
-              </a:rPr>
+            <a:endParaRPr lang="en-US" altLang="zh-CN" dirty="0" smtClean="0"/>
+          </a:p>
+          <a:p>
+            <a:pPr>
+              <a:lnSpc>
+                <a:spcPct val="150000"/>
+              </a:lnSpc>
+            </a:pPr>
+            <a:r>
+              <a:rPr lang="en-US" altLang="zh-CN" dirty="0"/>
               <a:t>Arrays</a:t>
             </a:r>
             <a:r>
-              <a:rPr lang="zh-CN" altLang="en-US" smtClean="0">
-                <a:sym typeface="Arial" charset="0"/>
-              </a:rPr>
-              <a:t>工具类</a:t>
-            </a:r>
-            <a:endParaRPr lang="en-US" altLang="zh-CN" dirty="0" smtClean="0">
-              <a:sym typeface="Arial" charset="0"/>
-            </a:endParaRPr>
+              <a:rPr lang="zh-CN" altLang="en-US" dirty="0"/>
+              <a:t>工具</a:t>
+            </a:r>
+            <a:r>
+              <a:rPr lang="zh-CN" altLang="en-US" dirty="0" smtClean="0"/>
+              <a:t>类</a:t>
+            </a:r>
+            <a:endParaRPr lang="en-US" altLang="zh-CN" dirty="0"/>
           </a:p>
         </p:txBody>
       </p:sp>
     </p:spTree>
+    <p:extLst>
+      <p:ext uri="{BB962C8B-B14F-4D97-AF65-F5344CB8AC3E}">
+        <p14:creationId xmlns:p14="http://schemas.microsoft.com/office/powerpoint/2010/main" val="3654594802"/>
+      </p:ext>
+    </p:extLst>
   </p:cSld>
   <p:clrMapOvr>
     <a:masterClrMapping/>
@@ -5202,454 +4700,6 @@
       </p:grpSpPr>
       <p:sp>
         <p:nvSpPr>
-          <p:cNvPr id="21506" name="标题 1"/>
-          <p:cNvSpPr>
-            <a:spLocks noGrp="1"/>
-          </p:cNvSpPr>
-          <p:nvPr>
-            <p:ph type="title"/>
-          </p:nvPr>
-        </p:nvSpPr>
-        <p:spPr/>
-        <p:txBody>
-          <a:bodyPr/>
-          <a:lstStyle/>
-          <a:p>
-            <a:r>
-              <a:rPr lang="zh-CN" altLang="en-US" smtClean="0"/>
-              <a:t>问题引入</a:t>
-            </a:r>
-          </a:p>
-        </p:txBody>
-      </p:sp>
-      <p:sp>
-        <p:nvSpPr>
-          <p:cNvPr id="21507" name="内容占位符 2"/>
-          <p:cNvSpPr>
-            <a:spLocks noGrp="1"/>
-          </p:cNvSpPr>
-          <p:nvPr>
-            <p:ph idx="1"/>
-          </p:nvPr>
-        </p:nvSpPr>
-        <p:spPr/>
-        <p:txBody>
-          <a:bodyPr/>
-          <a:lstStyle/>
-          <a:p>
-            <a:r>
-              <a:rPr lang="zh-CN" altLang="zh-CN" smtClean="0">
-                <a:sym typeface="Arial" charset="0"/>
-              </a:rPr>
-              <a:t>数组是一种非常常用的存储数据的数据结构，并且</a:t>
-            </a:r>
-            <a:r>
-              <a:rPr lang="zh-CN" altLang="en-US" smtClean="0">
-                <a:sym typeface="Arial" charset="0"/>
-              </a:rPr>
-              <a:t>在程序中</a:t>
-            </a:r>
-            <a:r>
-              <a:rPr lang="zh-CN" altLang="zh-CN" smtClean="0">
-                <a:sym typeface="Arial" charset="0"/>
-              </a:rPr>
-              <a:t>会大量对数组中的元素进行</a:t>
-            </a:r>
-            <a:r>
-              <a:rPr lang="zh-CN" altLang="zh-CN" smtClean="0">
-                <a:solidFill>
-                  <a:srgbClr val="FF0000"/>
-                </a:solidFill>
-                <a:sym typeface="Arial" charset="0"/>
-              </a:rPr>
-              <a:t>查找</a:t>
-            </a:r>
-            <a:r>
-              <a:rPr lang="zh-CN" altLang="zh-CN" smtClean="0">
-                <a:sym typeface="Arial" charset="0"/>
-              </a:rPr>
-              <a:t>、</a:t>
-            </a:r>
-            <a:r>
-              <a:rPr lang="zh-CN" altLang="zh-CN" smtClean="0">
-                <a:solidFill>
-                  <a:srgbClr val="FF0000"/>
-                </a:solidFill>
-                <a:sym typeface="Arial" charset="0"/>
-              </a:rPr>
-              <a:t>排序</a:t>
-            </a:r>
-            <a:r>
-              <a:rPr lang="zh-CN" altLang="zh-CN" smtClean="0">
-                <a:sym typeface="Arial" charset="0"/>
-              </a:rPr>
-              <a:t>等操作</a:t>
-            </a:r>
-            <a:r>
-              <a:rPr lang="zh-CN" altLang="en-US" smtClean="0">
-                <a:sym typeface="Arial" charset="0"/>
-              </a:rPr>
-              <a:t>，使用循环，条件分支等流程控制可以满足需求，但程序会显得比较凌乱</a:t>
-            </a:r>
-            <a:r>
-              <a:rPr lang="en-US" altLang="zh-CN" smtClean="0">
-                <a:sym typeface="Arial" charset="0"/>
-              </a:rPr>
-              <a:t>.</a:t>
-            </a:r>
-          </a:p>
-          <a:p>
-            <a:r>
-              <a:rPr lang="en-US" altLang="zh-CN" smtClean="0">
-                <a:sym typeface="Arial" charset="0"/>
-              </a:rPr>
-              <a:t>Java</a:t>
-            </a:r>
-            <a:r>
-              <a:rPr lang="zh-CN" altLang="zh-CN" smtClean="0">
-                <a:sym typeface="Arial" charset="0"/>
-              </a:rPr>
-              <a:t>中提供了实用的工具类</a:t>
-            </a:r>
-            <a:r>
-              <a:rPr lang="en-US" altLang="zh-CN" smtClean="0">
-                <a:sym typeface="Arial" charset="0"/>
-              </a:rPr>
-              <a:t>Arrays</a:t>
-            </a:r>
-            <a:r>
-              <a:rPr lang="zh-CN" altLang="en-US" smtClean="0">
-                <a:sym typeface="Arial" charset="0"/>
-              </a:rPr>
-              <a:t>，</a:t>
-            </a:r>
-            <a:r>
-              <a:rPr lang="zh-CN" altLang="zh-CN" smtClean="0">
-                <a:sym typeface="Arial" charset="0"/>
-              </a:rPr>
-              <a:t>辅助编程人员</a:t>
-            </a:r>
-            <a:r>
-              <a:rPr lang="zh-CN" altLang="en-US" smtClean="0">
-                <a:sym typeface="Arial" charset="0"/>
-              </a:rPr>
-              <a:t>简化数组的常用操作</a:t>
-            </a:r>
-            <a:r>
-              <a:rPr lang="en-US" altLang="zh-CN" smtClean="0">
-                <a:sym typeface="Arial" charset="0"/>
-              </a:rPr>
-              <a:t>.</a:t>
-            </a:r>
-            <a:endParaRPr lang="zh-CN" altLang="zh-CN" smtClean="0">
-              <a:sym typeface="Arial" charset="0"/>
-            </a:endParaRPr>
-          </a:p>
-          <a:p>
-            <a:endParaRPr lang="zh-CN" altLang="en-US" dirty="0" smtClean="0">
-              <a:sym typeface="Arial" charset="0"/>
-            </a:endParaRPr>
-          </a:p>
-        </p:txBody>
-      </p:sp>
-    </p:spTree>
-  </p:cSld>
-  <p:clrMapOvr>
-    <a:masterClrMapping/>
-  </p:clrMapOvr>
-  <p:timing>
-    <p:tnLst>
-      <p:par>
-        <p:cTn id="1" dur="indefinite" restart="never" nodeType="tmRoot"/>
-      </p:par>
-    </p:tnLst>
-  </p:timing>
-</p:sld>
-</file>
-
-<file path=ppt/slides/slide17.xml><?xml version="1.0" encoding="utf-8"?>
-<p:sld xmlns:a="http://schemas.openxmlformats.org/drawingml/2006/main" xmlns:r="http://schemas.openxmlformats.org/officeDocument/2006/relationships" xmlns:p="http://schemas.openxmlformats.org/presentationml/2006/main">
-  <p:cSld>
-    <p:spTree>
-      <p:nvGrpSpPr>
-        <p:cNvPr id="1" name=""/>
-        <p:cNvGrpSpPr/>
-        <p:nvPr/>
-      </p:nvGrpSpPr>
-      <p:grpSpPr>
-        <a:xfrm>
-          <a:off x="0" y="0"/>
-          <a:ext cx="0" cy="0"/>
-          <a:chOff x="0" y="0"/>
-          <a:chExt cx="0" cy="0"/>
-        </a:xfrm>
-      </p:grpSpPr>
-      <p:sp>
-        <p:nvSpPr>
-          <p:cNvPr id="2" name="标题 1"/>
-          <p:cNvSpPr>
-            <a:spLocks noGrp="1"/>
-          </p:cNvSpPr>
-          <p:nvPr>
-            <p:ph type="title"/>
-          </p:nvPr>
-        </p:nvSpPr>
-        <p:spPr/>
-        <p:txBody>
-          <a:bodyPr/>
-          <a:lstStyle/>
-          <a:p>
-            <a:r>
-              <a:rPr lang="en-US" altLang="zh-CN" smtClean="0"/>
-              <a:t>Arrays</a:t>
-            </a:r>
-            <a:endParaRPr lang="zh-CN" altLang="en-US" dirty="0"/>
-          </a:p>
-        </p:txBody>
-      </p:sp>
-      <p:sp>
-        <p:nvSpPr>
-          <p:cNvPr id="3" name="内容占位符 2"/>
-          <p:cNvSpPr>
-            <a:spLocks noGrp="1"/>
-          </p:cNvSpPr>
-          <p:nvPr>
-            <p:ph idx="1"/>
-          </p:nvPr>
-        </p:nvSpPr>
-        <p:spPr/>
-        <p:txBody>
-          <a:bodyPr/>
-          <a:lstStyle/>
-          <a:p>
-            <a:r>
-              <a:rPr lang="en-US" altLang="zh-CN" dirty="0" err="1"/>
-              <a:t>java.util.Arrays</a:t>
-            </a:r>
-            <a:r>
-              <a:rPr lang="zh-CN" altLang="en-US" dirty="0"/>
-              <a:t>类能方便地操作数组，它提供的所有方法都是静态的</a:t>
-            </a:r>
-            <a:endParaRPr lang="en-US" altLang="zh-CN" dirty="0"/>
-          </a:p>
-          <a:p>
-            <a:r>
-              <a:rPr lang="zh-CN" altLang="en-US" dirty="0" smtClean="0">
-                <a:sym typeface="Arial" charset="0"/>
-              </a:rPr>
-              <a:t>常用方法：</a:t>
-            </a:r>
-            <a:endParaRPr lang="en-US" altLang="zh-CN" dirty="0" smtClean="0">
-              <a:sym typeface="Arial" charset="0"/>
-            </a:endParaRPr>
-          </a:p>
-          <a:p>
-            <a:pPr lvl="1"/>
-            <a:r>
-              <a:rPr lang="en-US" altLang="zh-CN" dirty="0" err="1" smtClean="0">
-                <a:sym typeface="Arial" charset="0"/>
-              </a:rPr>
-              <a:t>copyOf</a:t>
-            </a:r>
-            <a:r>
-              <a:rPr lang="en-US" altLang="zh-CN" dirty="0" smtClean="0">
-                <a:sym typeface="Arial" charset="0"/>
-              </a:rPr>
-              <a:t>		</a:t>
-            </a:r>
-            <a:r>
-              <a:rPr lang="zh-CN" altLang="en-US" dirty="0" smtClean="0">
-                <a:sym typeface="Arial" charset="0"/>
-              </a:rPr>
-              <a:t>实现数组的复制</a:t>
-            </a:r>
-            <a:endParaRPr lang="en-US" altLang="zh-CN" dirty="0" smtClean="0">
-              <a:sym typeface="Arial" charset="0"/>
-            </a:endParaRPr>
-          </a:p>
-          <a:p>
-            <a:pPr lvl="1"/>
-            <a:r>
-              <a:rPr lang="en-US" altLang="zh-CN" dirty="0" smtClean="0">
-                <a:sym typeface="Arial" charset="0"/>
-              </a:rPr>
-              <a:t>Fill		</a:t>
-            </a:r>
-            <a:r>
-              <a:rPr lang="zh-CN" altLang="en-US" dirty="0" smtClean="0">
-                <a:sym typeface="Arial" charset="0"/>
-              </a:rPr>
-              <a:t>实现数组元素的初始化</a:t>
-            </a:r>
-            <a:endParaRPr lang="en-US" altLang="zh-CN" dirty="0" smtClean="0">
-              <a:sym typeface="Arial" charset="0"/>
-            </a:endParaRPr>
-          </a:p>
-          <a:p>
-            <a:pPr lvl="1"/>
-            <a:r>
-              <a:rPr lang="en-US" altLang="zh-CN" dirty="0" smtClean="0">
-                <a:sym typeface="Arial" charset="0"/>
-              </a:rPr>
-              <a:t>Sort		</a:t>
-            </a:r>
-            <a:r>
-              <a:rPr lang="zh-CN" altLang="en-US" dirty="0" smtClean="0">
-                <a:sym typeface="Arial" charset="0"/>
-              </a:rPr>
-              <a:t>实现数组的排序</a:t>
-            </a:r>
-            <a:endParaRPr lang="en-US" altLang="zh-CN" dirty="0" smtClean="0">
-              <a:sym typeface="Arial" charset="0"/>
-            </a:endParaRPr>
-          </a:p>
-          <a:p>
-            <a:pPr lvl="1"/>
-            <a:endParaRPr lang="zh-CN" altLang="en-US" dirty="0" err="1" smtClean="0">
-              <a:sym typeface="Arial" charset="0"/>
-            </a:endParaRPr>
-          </a:p>
-        </p:txBody>
-      </p:sp>
-    </p:spTree>
-  </p:cSld>
-  <p:clrMapOvr>
-    <a:masterClrMapping/>
-  </p:clrMapOvr>
-  <p:timing>
-    <p:tnLst>
-      <p:par>
-        <p:cTn id="1" dur="indefinite" restart="never" nodeType="tmRoot"/>
-      </p:par>
-    </p:tnLst>
-  </p:timing>
-</p:sld>
-</file>
-
-<file path=ppt/slides/slide18.xml><?xml version="1.0" encoding="utf-8"?>
-<p:sld xmlns:a="http://schemas.openxmlformats.org/drawingml/2006/main" xmlns:r="http://schemas.openxmlformats.org/officeDocument/2006/relationships" xmlns:p="http://schemas.openxmlformats.org/presentationml/2006/main">
-  <p:cSld>
-    <p:spTree>
-      <p:nvGrpSpPr>
-        <p:cNvPr id="1" name=""/>
-        <p:cNvGrpSpPr/>
-        <p:nvPr/>
-      </p:nvGrpSpPr>
-      <p:grpSpPr>
-        <a:xfrm>
-          <a:off x="0" y="0"/>
-          <a:ext cx="0" cy="0"/>
-          <a:chOff x="0" y="0"/>
-          <a:chExt cx="0" cy="0"/>
-        </a:xfrm>
-      </p:grpSpPr>
-      <p:sp>
-        <p:nvSpPr>
-          <p:cNvPr id="7170" name="标题 1"/>
-          <p:cNvSpPr>
-            <a:spLocks noGrp="1"/>
-          </p:cNvSpPr>
-          <p:nvPr>
-            <p:ph type="title"/>
-          </p:nvPr>
-        </p:nvSpPr>
-        <p:spPr/>
-        <p:txBody>
-          <a:bodyPr/>
-          <a:lstStyle/>
-          <a:p>
-            <a:r>
-              <a:rPr lang="zh-CN" altLang="en-US" smtClean="0"/>
-              <a:t>总结　　　　　　　　　</a:t>
-            </a:r>
-            <a:endParaRPr lang="zh-CN" altLang="en-US" dirty="0" smtClean="0"/>
-          </a:p>
-        </p:txBody>
-      </p:sp>
-      <p:sp>
-        <p:nvSpPr>
-          <p:cNvPr id="7171" name="内容占位符 2"/>
-          <p:cNvSpPr>
-            <a:spLocks noGrp="1"/>
-          </p:cNvSpPr>
-          <p:nvPr>
-            <p:ph idx="1"/>
-          </p:nvPr>
-        </p:nvSpPr>
-        <p:spPr/>
-        <p:txBody>
-          <a:bodyPr/>
-          <a:lstStyle/>
-          <a:p>
-            <a:r>
-              <a:rPr lang="zh-CN" altLang="en-US" smtClean="0"/>
-              <a:t>一维数组</a:t>
-            </a:r>
-            <a:endParaRPr lang="en-US" altLang="zh-CN" smtClean="0"/>
-          </a:p>
-          <a:p>
-            <a:r>
-              <a:rPr lang="zh-CN" altLang="en-US" smtClean="0"/>
-              <a:t>二维数组</a:t>
-            </a:r>
-            <a:endParaRPr lang="en-US" altLang="zh-CN" smtClean="0"/>
-          </a:p>
-          <a:p>
-            <a:r>
-              <a:rPr lang="en-US" altLang="zh-CN"/>
-              <a:t>Arrays</a:t>
-            </a:r>
-            <a:r>
-              <a:rPr lang="zh-CN" altLang="en-US"/>
-              <a:t>工具</a:t>
-            </a:r>
-            <a:r>
-              <a:rPr lang="zh-CN" altLang="en-US" smtClean="0"/>
-              <a:t>类</a:t>
-            </a:r>
-            <a:endParaRPr lang="en-US" altLang="zh-CN"/>
-          </a:p>
-        </p:txBody>
-      </p:sp>
-    </p:spTree>
-    <p:extLst>
-      <p:ext uri="{BB962C8B-B14F-4D97-AF65-F5344CB8AC3E}">
-        <p14:creationId xmlns:p14="http://schemas.microsoft.com/office/powerpoint/2010/main" val="3654594802"/>
-      </p:ext>
-    </p:extLst>
-  </p:cSld>
-  <p:clrMapOvr>
-    <a:masterClrMapping/>
-  </p:clrMapOvr>
-  <p:timing>
-    <p:tnLst>
-      <p:par>
-        <p:cTn id="1" dur="indefinite" restart="never" nodeType="tmRoot"/>
-      </p:par>
-    </p:tnLst>
-  </p:timing>
-</p:sld>
-</file>
-
-<file path=ppt/slides/slide19.xml><?xml version="1.0" encoding="utf-8"?>
-<p:sld xmlns:a="http://schemas.openxmlformats.org/drawingml/2006/main" xmlns:r="http://schemas.openxmlformats.org/officeDocument/2006/relationships" xmlns:p="http://schemas.openxmlformats.org/presentationml/2006/main">
-  <p:cSld>
-    <p:spTree>
-      <p:nvGrpSpPr>
-        <p:cNvPr id="1" name=""/>
-        <p:cNvGrpSpPr/>
-        <p:nvPr/>
-      </p:nvGrpSpPr>
-      <p:grpSpPr>
-        <a:xfrm>
-          <a:off x="0" y="0"/>
-          <a:ext cx="0" cy="0"/>
-          <a:chOff x="0" y="0"/>
-          <a:chExt cx="0" cy="0"/>
-        </a:xfrm>
-      </p:grpSpPr>
-      <p:sp>
-        <p:nvSpPr>
           <p:cNvPr id="16386" name="Rectangle 6"/>
           <p:cNvSpPr>
             <a:spLocks noGrp="1" noChangeArrowheads="1"/>
@@ -5660,7 +4710,7 @@
         </p:nvSpPr>
         <p:spPr bwMode="auto">
           <a:xfrm>
-            <a:off x="1043608" y="3068960"/>
+            <a:off x="2567609" y="3068960"/>
             <a:ext cx="7362825" cy="582612"/>
           </a:xfrm>
           <a:prstGeom prst="rect">
@@ -5693,7 +4743,7 @@
           <a:p>
             <a:pPr eaLnBrk="1" hangingPunct="1"/>
             <a:r>
-              <a:rPr lang="en-US" altLang="zh-CN" sz="5400" b="1" smtClean="0">
+              <a:rPr lang="en-US" altLang="zh-CN" sz="5400" b="1">
                 <a:solidFill>
                   <a:srgbClr val="C00000"/>
                 </a:solidFill>
@@ -5701,7 +4751,7 @@
               </a:rPr>
               <a:t>Thank You</a:t>
             </a:r>
-            <a:endParaRPr lang="zh-CN" altLang="en-US" sz="5400" b="1" smtClean="0">
+            <a:endParaRPr lang="zh-CN" altLang="en-US" sz="5400" b="1">
               <a:solidFill>
                 <a:srgbClr val="C00000"/>
               </a:solidFill>
@@ -5885,11 +4935,11 @@
           <a:bodyPr/>
           <a:lstStyle/>
           <a:p>
-            <a:r>
-              <a:rPr lang="zh-CN" altLang="en-US" smtClean="0"/>
+            <a:pPr algn="ctr"/>
+            <a:r>
+              <a:rPr lang="zh-CN" altLang="en-US" dirty="0" smtClean="0"/>
               <a:t>讲授思路　　　　　　　</a:t>
             </a:r>
-            <a:endParaRPr lang="zh-CN" altLang="en-US" dirty="0" smtClean="0"/>
           </a:p>
         </p:txBody>
       </p:sp>
@@ -5903,59 +4953,81 @@
             <p:ph idx="1"/>
           </p:nvPr>
         </p:nvSpPr>
-        <p:spPr/>
+        <p:spPr>
+          <a:xfrm>
+            <a:off x="4943872" y="1160749"/>
+            <a:ext cx="2952328" cy="4965415"/>
+          </a:xfrm>
+        </p:spPr>
         <p:txBody>
           <a:bodyPr/>
           <a:lstStyle/>
           <a:p>
-            <a:r>
-              <a:rPr lang="zh-CN" altLang="en-US" smtClean="0">
+            <a:pPr>
+              <a:lnSpc>
+                <a:spcPct val="150000"/>
+              </a:lnSpc>
+            </a:pPr>
+            <a:r>
+              <a:rPr lang="zh-CN" altLang="en-US" dirty="0" smtClean="0">
                 <a:sym typeface="Arial" charset="0"/>
               </a:rPr>
               <a:t>数组概述</a:t>
             </a:r>
-            <a:endParaRPr lang="en-US" altLang="zh-CN" smtClean="0">
+            <a:endParaRPr lang="en-US" altLang="zh-CN" dirty="0" smtClean="0">
               <a:sym typeface="Arial" charset="0"/>
             </a:endParaRPr>
           </a:p>
           <a:p>
-            <a:r>
-              <a:rPr lang="zh-CN" altLang="en-US" smtClean="0">
+            <a:pPr>
+              <a:lnSpc>
+                <a:spcPct val="150000"/>
+              </a:lnSpc>
+            </a:pPr>
+            <a:r>
+              <a:rPr lang="zh-CN" altLang="en-US" dirty="0" smtClean="0">
                 <a:sym typeface="Arial" charset="0"/>
               </a:rPr>
               <a:t>一维数组</a:t>
             </a:r>
-            <a:endParaRPr lang="en-US" altLang="zh-CN" smtClean="0">
+            <a:endParaRPr lang="en-US" altLang="zh-CN" dirty="0" smtClean="0">
               <a:sym typeface="Arial" charset="0"/>
             </a:endParaRPr>
           </a:p>
           <a:p>
-            <a:r>
-              <a:rPr lang="en-US" altLang="zh-CN" smtClean="0">
+            <a:pPr>
+              <a:lnSpc>
+                <a:spcPct val="150000"/>
+              </a:lnSpc>
+            </a:pPr>
+            <a:r>
+              <a:rPr lang="en-US" altLang="zh-CN" dirty="0" smtClean="0">
                 <a:sym typeface="Arial" charset="0"/>
               </a:rPr>
               <a:t>Arrays</a:t>
             </a:r>
             <a:r>
-              <a:rPr lang="zh-CN" altLang="en-US" smtClean="0">
+              <a:rPr lang="zh-CN" altLang="en-US" dirty="0" smtClean="0">
                 <a:sym typeface="Arial" charset="0"/>
               </a:rPr>
               <a:t>类</a:t>
             </a:r>
-            <a:endParaRPr lang="en-US" altLang="zh-CN" smtClean="0">
+            <a:endParaRPr lang="en-US" altLang="zh-CN" dirty="0" smtClean="0">
               <a:sym typeface="Arial" charset="0"/>
             </a:endParaRPr>
           </a:p>
           <a:p>
-            <a:r>
-              <a:rPr lang="zh-CN" altLang="en-US" smtClean="0">
+            <a:pPr>
+              <a:lnSpc>
+                <a:spcPct val="150000"/>
+              </a:lnSpc>
+            </a:pPr>
+            <a:r>
+              <a:rPr lang="zh-CN" altLang="en-US" dirty="0" smtClean="0">
                 <a:sym typeface="Arial" charset="0"/>
               </a:rPr>
               <a:t>二维数组</a:t>
             </a:r>
-            <a:endParaRPr lang="zh-CN" altLang="en-US" dirty="0" smtClean="0">
-              <a:sym typeface="Arial" charset="0"/>
-            </a:endParaRPr>
           </a:p>
         </p:txBody>
       </p:sp>
@@ -6029,120 +5101,170 @@
           <a:bodyPr/>
           <a:lstStyle/>
           <a:p>
+            <a:pPr>
+              <a:lnSpc>
+                <a:spcPct val="150000"/>
+              </a:lnSpc>
+            </a:pPr>
             <a:r>
               <a:rPr lang="zh-CN" altLang="zh-CN" dirty="0" smtClean="0">
                 <a:sym typeface="Arial" charset="0"/>
               </a:rPr>
-              <a:t>数组是一组具有相同数据类型的数据元素的有序集合</a:t>
-            </a:r>
-            <a:r>
-              <a:rPr lang="en-US" altLang="zh-CN" dirty="0" smtClean="0">
-                <a:sym typeface="Arial" charset="0"/>
-              </a:rPr>
-              <a:t>.</a:t>
-            </a:r>
-          </a:p>
-          <a:p>
+              <a:t>数组是一组具有相同数据类型的数据元素的有序</a:t>
+            </a:r>
+            <a:r>
+              <a:rPr lang="zh-CN" altLang="zh-CN" dirty="0" smtClean="0">
+                <a:sym typeface="Arial" charset="0"/>
+              </a:rPr>
+              <a:t>集合</a:t>
+            </a:r>
             <a:r>
               <a:rPr lang="zh-CN" altLang="en-US" dirty="0" smtClean="0">
                 <a:sym typeface="Arial" charset="0"/>
               </a:rPr>
-              <a:t>数组的特点</a:t>
+              <a:t>。</a:t>
             </a:r>
             <a:endParaRPr lang="en-US" altLang="zh-CN" dirty="0" smtClean="0">
               <a:sym typeface="Arial" charset="0"/>
             </a:endParaRPr>
           </a:p>
           <a:p>
-            <a:pPr lvl="1"/>
+            <a:pPr>
+              <a:lnSpc>
+                <a:spcPct val="150000"/>
+              </a:lnSpc>
+            </a:pPr>
             <a:r>
               <a:rPr lang="zh-CN" altLang="en-US" dirty="0" smtClean="0">
                 <a:sym typeface="Arial" charset="0"/>
               </a:rPr>
-              <a:t>在整个生命周期中长度固定不可变</a:t>
-            </a:r>
+              <a:t>数组的特点</a:t>
+            </a:r>
+            <a:endParaRPr lang="en-US" altLang="zh-CN" dirty="0" smtClean="0">
+              <a:sym typeface="Arial" charset="0"/>
+            </a:endParaRPr>
+          </a:p>
+          <a:p>
+            <a:pPr lvl="1">
+              <a:lnSpc>
+                <a:spcPct val="150000"/>
+              </a:lnSpc>
+            </a:pPr>
+            <a:r>
+              <a:rPr lang="zh-CN" altLang="en-US" dirty="0" smtClean="0">
+                <a:sym typeface="Arial" charset="0"/>
+              </a:rPr>
+              <a:t>在整个生命周期中长度固定不</a:t>
+            </a:r>
+            <a:r>
+              <a:rPr lang="zh-CN" altLang="en-US" dirty="0" smtClean="0">
+                <a:sym typeface="Arial" charset="0"/>
+              </a:rPr>
+              <a:t>可变。</a:t>
+            </a:r>
+            <a:endParaRPr lang="en-US" altLang="zh-CN" dirty="0" smtClean="0">
+              <a:sym typeface="Arial" charset="0"/>
+            </a:endParaRPr>
+          </a:p>
+          <a:p>
+            <a:pPr lvl="1">
+              <a:lnSpc>
+                <a:spcPct val="150000"/>
+              </a:lnSpc>
+            </a:pPr>
+            <a:r>
+              <a:rPr lang="zh-CN" altLang="en-US" dirty="0" smtClean="0">
+                <a:sym typeface="Arial" charset="0"/>
+              </a:rPr>
+              <a:t>数组可以存储基本数据类型和引用类型</a:t>
+            </a:r>
+            <a:r>
+              <a:rPr lang="zh-CN" altLang="en-US" dirty="0" smtClean="0">
+                <a:sym typeface="Arial" charset="0"/>
+              </a:rPr>
+              <a:t>元素。</a:t>
+            </a:r>
+            <a:endParaRPr lang="en-US" altLang="zh-CN" dirty="0" smtClean="0">
+              <a:sym typeface="Arial" charset="0"/>
+            </a:endParaRPr>
+          </a:p>
+          <a:p>
+            <a:pPr lvl="1">
+              <a:lnSpc>
+                <a:spcPct val="150000"/>
+              </a:lnSpc>
+            </a:pPr>
+            <a:r>
+              <a:rPr lang="zh-CN" altLang="en-US" dirty="0" smtClean="0">
+                <a:sym typeface="Arial" charset="0"/>
+              </a:rPr>
+              <a:t>同一个数组中必须存储相同类型的</a:t>
+            </a:r>
+            <a:r>
+              <a:rPr lang="zh-CN" altLang="en-US" dirty="0" smtClean="0">
+                <a:sym typeface="Arial" charset="0"/>
+              </a:rPr>
+              <a:t>元素。</a:t>
+            </a:r>
+            <a:endParaRPr lang="en-US" altLang="zh-CN" dirty="0" smtClean="0">
+              <a:sym typeface="Arial" charset="0"/>
+            </a:endParaRPr>
+          </a:p>
+          <a:p>
+            <a:pPr lvl="1">
+              <a:lnSpc>
+                <a:spcPct val="150000"/>
+              </a:lnSpc>
+            </a:pPr>
+            <a:r>
+              <a:rPr lang="zh-CN" altLang="en-US" dirty="0" smtClean="0">
+                <a:sym typeface="Arial" charset="0"/>
+              </a:rPr>
+              <a:t>数组中的元素有先后顺序，其顺序位置由数组下标</a:t>
+            </a:r>
+            <a:r>
+              <a:rPr lang="zh-CN" altLang="en-US" dirty="0" smtClean="0">
+                <a:sym typeface="Arial" charset="0"/>
+              </a:rPr>
+              <a:t>决定。</a:t>
+            </a:r>
+            <a:endParaRPr lang="en-US" altLang="zh-CN" dirty="0" smtClean="0">
+              <a:sym typeface="Arial" charset="0"/>
+            </a:endParaRPr>
+          </a:p>
+          <a:p>
+            <a:pPr>
+              <a:lnSpc>
+                <a:spcPct val="150000"/>
+              </a:lnSpc>
+            </a:pPr>
             <a:r>
               <a:rPr lang="en-US" altLang="zh-CN" dirty="0" smtClean="0">
                 <a:sym typeface="Arial" charset="0"/>
               </a:rPr>
-              <a:t>.</a:t>
-            </a:r>
-          </a:p>
-          <a:p>
-            <a:pPr lvl="1"/>
+              <a:t>Java</a:t>
+            </a:r>
             <a:r>
               <a:rPr lang="zh-CN" altLang="en-US" dirty="0" smtClean="0">
                 <a:sym typeface="Arial" charset="0"/>
               </a:rPr>
-              <a:t>数组可以存储基本数据类型和引用类型元素</a:t>
+              <a:t>中数组作为数组类（</a:t>
             </a:r>
             <a:r>
               <a:rPr lang="en-US" altLang="zh-CN" dirty="0" smtClean="0">
                 <a:sym typeface="Arial" charset="0"/>
               </a:rPr>
-              <a:t>.</a:t>
-            </a:r>
-          </a:p>
-          <a:p>
-            <a:pPr lvl="1"/>
+              <a:t>Array</a:t>
+            </a:r>
             <a:r>
               <a:rPr lang="zh-CN" altLang="en-US" dirty="0" smtClean="0">
                 <a:sym typeface="Arial" charset="0"/>
               </a:rPr>
-              <a:t>同一个数组中必须存储相同类型的元素</a:t>
-            </a:r>
-            <a:r>
-              <a:rPr lang="en-US" altLang="zh-CN" dirty="0" smtClean="0">
-                <a:sym typeface="Arial" charset="0"/>
-              </a:rPr>
-              <a:t>.</a:t>
-            </a:r>
-          </a:p>
-          <a:p>
-            <a:pPr lvl="1"/>
-            <a:r>
-              <a:rPr lang="zh-CN" altLang="en-US" dirty="0" smtClean="0">
-                <a:sym typeface="Arial" charset="0"/>
-              </a:rPr>
-              <a:t>数组中的元素有先后顺序，其顺序位置由数组下标决定</a:t>
-            </a:r>
-            <a:r>
-              <a:rPr lang="en-US" altLang="zh-CN" dirty="0" smtClean="0">
-                <a:sym typeface="Arial" charset="0"/>
-              </a:rPr>
-              <a:t>.</a:t>
-            </a:r>
-          </a:p>
-          <a:p>
-            <a:r>
-              <a:rPr lang="en-US" altLang="zh-CN" dirty="0" smtClean="0">
-                <a:sym typeface="Arial" charset="0"/>
-              </a:rPr>
-              <a:t>Java</a:t>
-            </a:r>
-            <a:r>
-              <a:rPr lang="zh-CN" altLang="en-US" dirty="0" smtClean="0">
-                <a:sym typeface="Arial" charset="0"/>
-              </a:rPr>
-              <a:t>中数组作为数组类（</a:t>
-            </a:r>
-            <a:r>
-              <a:rPr lang="en-US" altLang="zh-CN" dirty="0" smtClean="0">
-                <a:sym typeface="Arial" charset="0"/>
-              </a:rPr>
-              <a:t>Array</a:t>
-            </a:r>
-            <a:r>
-              <a:rPr lang="zh-CN" altLang="en-US" dirty="0" smtClean="0">
-                <a:sym typeface="Arial" charset="0"/>
-              </a:rPr>
               <a:t>）的实例来处理的</a:t>
             </a:r>
             <a:r>
-              <a:rPr lang="en-US" altLang="zh-CN" dirty="0" smtClean="0">
-                <a:sym typeface="Arial" charset="0"/>
-              </a:rPr>
-              <a:t>.</a:t>
+              <a:rPr lang="zh-CN" altLang="en-US" dirty="0" smtClean="0"/>
+              <a:t>。</a:t>
             </a:r>
             <a:endParaRPr lang="zh-CN" altLang="en-US" dirty="0" smtClean="0">
               <a:sym typeface="Arial" charset="0"/>
@@ -6166,135 +5288,6 @@
 </file>
 
 <file path=ppt/slides/slide4.xml><?xml version="1.0" encoding="utf-8"?>
-<p:sld xmlns:a="http://schemas.openxmlformats.org/drawingml/2006/main" xmlns:r="http://schemas.openxmlformats.org/officeDocument/2006/relationships" xmlns:p="http://schemas.openxmlformats.org/presentationml/2006/main">
-  <p:cSld>
-    <p:bg>
-      <p:bgPr>
-        <a:solidFill>
-          <a:schemeClr val="bg1"/>
-        </a:solidFill>
-        <a:effectLst/>
-      </p:bgPr>
-    </p:bg>
-    <p:spTree>
-      <p:nvGrpSpPr>
-        <p:cNvPr id="1" name=""/>
-        <p:cNvGrpSpPr/>
-        <p:nvPr/>
-      </p:nvGrpSpPr>
-      <p:grpSpPr>
-        <a:xfrm>
-          <a:off x="0" y="0"/>
-          <a:ext cx="0" cy="0"/>
-          <a:chOff x="0" y="0"/>
-          <a:chExt cx="0" cy="0"/>
-        </a:xfrm>
-      </p:grpSpPr>
-      <p:sp>
-        <p:nvSpPr>
-          <p:cNvPr id="7170" name="标题 1"/>
-          <p:cNvSpPr>
-            <a:spLocks noGrp="1"/>
-          </p:cNvSpPr>
-          <p:nvPr>
-            <p:ph type="title"/>
-          </p:nvPr>
-        </p:nvSpPr>
-        <p:spPr/>
-        <p:txBody>
-          <a:bodyPr/>
-          <a:lstStyle/>
-          <a:p>
-            <a:r>
-              <a:rPr lang="zh-CN" altLang="en-US" smtClean="0"/>
-              <a:t>讲授思路　　　　　　　　　</a:t>
-            </a:r>
-            <a:endParaRPr lang="zh-CN" altLang="en-US" dirty="0" smtClean="0"/>
-          </a:p>
-        </p:txBody>
-      </p:sp>
-      <p:sp>
-        <p:nvSpPr>
-          <p:cNvPr id="7171" name="内容占位符 2"/>
-          <p:cNvSpPr>
-            <a:spLocks noGrp="1"/>
-          </p:cNvSpPr>
-          <p:nvPr>
-            <p:ph idx="1"/>
-          </p:nvPr>
-        </p:nvSpPr>
-        <p:spPr/>
-        <p:txBody>
-          <a:bodyPr/>
-          <a:lstStyle/>
-          <a:p>
-            <a:r>
-              <a:rPr lang="zh-CN" altLang="en-US" smtClean="0">
-                <a:sym typeface="Arial" charset="0"/>
-              </a:rPr>
-              <a:t>数组的概念</a:t>
-            </a:r>
-            <a:endParaRPr lang="en-US" altLang="zh-CN" smtClean="0">
-              <a:sym typeface="Arial" charset="0"/>
-            </a:endParaRPr>
-          </a:p>
-          <a:p>
-            <a:r>
-              <a:rPr lang="zh-CN" altLang="en-US" smtClean="0">
-                <a:sym typeface="Arial" charset="0"/>
-              </a:rPr>
-              <a:t>一维数组</a:t>
-            </a:r>
-            <a:endParaRPr lang="en-US" altLang="zh-CN" smtClean="0">
-              <a:sym typeface="Arial" charset="0"/>
-            </a:endParaRPr>
-          </a:p>
-          <a:p>
-            <a:r>
-              <a:rPr lang="zh-CN" altLang="en-US" smtClean="0">
-                <a:sym typeface="Arial" charset="0"/>
-              </a:rPr>
-              <a:t>二维数组</a:t>
-            </a:r>
-            <a:endParaRPr lang="en-US" altLang="zh-CN" smtClean="0">
-              <a:sym typeface="Arial" charset="0"/>
-            </a:endParaRPr>
-          </a:p>
-          <a:p>
-            <a:r>
-              <a:rPr lang="en-US" altLang="zh-CN" smtClean="0">
-                <a:sym typeface="Arial" charset="0"/>
-              </a:rPr>
-              <a:t>Arrays</a:t>
-            </a:r>
-            <a:r>
-              <a:rPr lang="zh-CN" altLang="en-US" smtClean="0">
-                <a:sym typeface="Arial" charset="0"/>
-              </a:rPr>
-              <a:t>工具类</a:t>
-            </a:r>
-            <a:endParaRPr lang="en-US" altLang="zh-CN" dirty="0" smtClean="0">
-              <a:sym typeface="Arial" charset="0"/>
-            </a:endParaRPr>
-          </a:p>
-        </p:txBody>
-      </p:sp>
-    </p:spTree>
-  </p:cSld>
-  <p:clrMapOvr>
-    <a:overrideClrMapping bg1="lt1" tx1="dk1" bg2="lt2" tx2="dk2" accent1="accent1" accent2="accent2" accent3="accent3" accent4="accent4" accent5="accent5" accent6="accent6" hlink="hlink" folHlink="folHlink"/>
-  </p:clrMapOvr>
-  <p:timing>
-    <p:tnLst>
-      <p:par>
-        <p:cTn id="1" dur="indefinite" restart="never" nodeType="tmRoot"/>
-      </p:par>
-    </p:tnLst>
-  </p:timing>
-</p:sld>
-</file>
-
-<file path=ppt/slides/slide5.xml><?xml version="1.0" encoding="utf-8"?>
 <p:sld xmlns:a="http://schemas.openxmlformats.org/drawingml/2006/main" xmlns:r="http://schemas.openxmlformats.org/officeDocument/2006/relationships" xmlns:p="http://schemas.openxmlformats.org/presentationml/2006/main">
   <p:cSld>
     <p:spTree>
@@ -6349,6 +5342,11 @@
           <a:bodyPr/>
           <a:lstStyle/>
           <a:p>
+            <a:pPr>
+              <a:lnSpc>
+                <a:spcPct val="150000"/>
+              </a:lnSpc>
+            </a:pPr>
             <a:r>
               <a:rPr lang="zh-CN" altLang="en-US" dirty="0" smtClean="0">
                 <a:sym typeface="Arial" charset="0"/>
@@ -6360,7 +5358,11 @@
             </a:endParaRPr>
           </a:p>
           <a:p>
-            <a:pPr lvl="1"/>
+            <a:pPr lvl="1">
+              <a:lnSpc>
+                <a:spcPct val="150000"/>
+              </a:lnSpc>
+            </a:pPr>
             <a:r>
               <a:rPr lang="en-US" altLang="zh-CN" dirty="0" err="1" smtClean="0">
                 <a:sym typeface="Arial" charset="0"/>
@@ -6387,7 +5389,11 @@
             </a:r>
           </a:p>
           <a:p>
-            <a:pPr lvl="1"/>
+            <a:pPr lvl="1">
+              <a:lnSpc>
+                <a:spcPct val="150000"/>
+              </a:lnSpc>
+            </a:pPr>
             <a:r>
               <a:rPr lang="en-US" altLang="zh-CN" dirty="0" err="1" smtClean="0">
                 <a:sym typeface="Arial" charset="0"/>
@@ -6412,6 +5418,20 @@
               </a:rPr>
               <a:t>;</a:t>
             </a:r>
+          </a:p>
+          <a:p>
+            <a:pPr>
+              <a:lnSpc>
+                <a:spcPct val="150000"/>
+              </a:lnSpc>
+            </a:pPr>
+            <a:r>
+              <a:rPr lang="zh-CN" altLang="en-US" dirty="0" smtClean="0"/>
+              <a:t>举例：</a:t>
+            </a:r>
+            <a:endParaRPr lang="en-US" altLang="zh-CN" dirty="0" smtClean="0">
+              <a:sym typeface="Arial" charset="0"/>
+            </a:endParaRPr>
           </a:p>
         </p:txBody>
       </p:sp>
@@ -6425,8 +5445,8 @@
         </p:nvSpPr>
         <p:spPr bwMode="auto">
           <a:xfrm>
-            <a:off x="2952055" y="3140968"/>
-            <a:ext cx="1944687" cy="1062037"/>
+            <a:off x="2855640" y="3212977"/>
+            <a:ext cx="2232248" cy="1080119"/>
           </a:xfrm>
           <a:prstGeom prst="rect">
             <a:avLst/>
@@ -6548,34 +5568,50 @@
             </a:lvl9pPr>
           </a:lstStyle>
           <a:p>
+            <a:pPr>
+              <a:lnSpc>
+                <a:spcPct val="150000"/>
+              </a:lnSpc>
+            </a:pPr>
             <a:r>
               <a:rPr lang="en-US" altLang="zh-CN" dirty="0">
+                <a:solidFill>
+                  <a:schemeClr val="tx1"/>
+                </a:solidFill>
                 <a:sym typeface="Arial" charset="0"/>
               </a:rPr>
               <a:t>int ids[];</a:t>
             </a:r>
           </a:p>
           <a:p>
-            <a:r>
-              <a:rPr lang="en-US" altLang="zh-CN" dirty="0" smtClean="0">
-                <a:sym typeface="Arial" charset="0"/>
-              </a:rPr>
-              <a:t>String</a:t>
-            </a:r>
+            <a:pPr>
+              <a:lnSpc>
+                <a:spcPct val="150000"/>
+              </a:lnSpc>
+            </a:pPr>
             <a:r>
               <a:rPr lang="en-US" altLang="zh-CN" dirty="0">
-                <a:sym typeface="Arial" charset="0"/>
-              </a:rPr>
-              <a:t>[] </a:t>
+                <a:solidFill>
+                  <a:schemeClr val="tx1"/>
+                </a:solidFill>
+                <a:sym typeface="Arial" charset="0"/>
+              </a:rPr>
+              <a:t>String[] </a:t>
             </a:r>
             <a:r>
               <a:rPr lang="en-US" altLang="zh-CN" dirty="0" err="1">
+                <a:solidFill>
+                  <a:schemeClr val="tx1"/>
+                </a:solidFill>
                 <a:sym typeface="Arial" charset="0"/>
               </a:rPr>
               <a:t>stuNo</a:t>
             </a:r>
             <a:r>
               <a:rPr lang="en-US" altLang="zh-CN" dirty="0">
+                <a:solidFill>
+                  <a:schemeClr val="tx1"/>
+                </a:solidFill>
                 <a:sym typeface="Arial" charset="0"/>
               </a:rPr>
               <a:t>;</a:t>
@@ -6584,7 +5620,7 @@
           <a:p>
             <a:pPr lvl="1">
               <a:lnSpc>
-                <a:spcPct val="120000"/>
+                <a:spcPct val="150000"/>
               </a:lnSpc>
               <a:spcBef>
                 <a:spcPct val="20000"/>
@@ -6697,7 +5733,7 @@
 </p:sld>
 </file>
 
-<file path=ppt/slides/slide6.xml><?xml version="1.0" encoding="utf-8"?>
+<file path=ppt/slides/slide5.xml><?xml version="1.0" encoding="utf-8"?>
 <p:sld xmlns:a="http://schemas.openxmlformats.org/drawingml/2006/main" xmlns:r="http://schemas.openxmlformats.org/officeDocument/2006/relationships" xmlns:p="http://schemas.openxmlformats.org/presentationml/2006/main">
   <p:cSld>
     <p:spTree>
@@ -6748,100 +5784,127 @@
         </p:nvSpPr>
         <p:spPr>
           <a:xfrm>
-            <a:off x="395536" y="1160748"/>
-            <a:ext cx="8496944" cy="4965415"/>
+            <a:off x="609600" y="1160749"/>
+            <a:ext cx="9806880" cy="4965415"/>
           </a:xfrm>
         </p:spPr>
         <p:txBody>
           <a:bodyPr/>
           <a:lstStyle/>
           <a:p>
-            <a:r>
-              <a:rPr lang="zh-CN" altLang="en-US" smtClean="0">
+            <a:pPr>
+              <a:lnSpc>
+                <a:spcPct val="150000"/>
+              </a:lnSpc>
+            </a:pPr>
+            <a:r>
+              <a:rPr lang="zh-CN" altLang="en-US" dirty="0" smtClean="0">
                 <a:sym typeface="Arial" charset="0"/>
               </a:rPr>
               <a:t>数组只是声明的话，</a:t>
             </a:r>
             <a:r>
-              <a:rPr lang="en-US" altLang="zh-CN" smtClean="0">
+              <a:rPr lang="en-US" altLang="zh-CN" dirty="0" smtClean="0">
                 <a:sym typeface="Arial" charset="0"/>
               </a:rPr>
               <a:t>JVM</a:t>
             </a:r>
             <a:r>
-              <a:rPr lang="zh-CN" altLang="en-US" smtClean="0">
+              <a:rPr lang="zh-CN" altLang="en-US" dirty="0" smtClean="0">
                 <a:sym typeface="Arial" charset="0"/>
               </a:rPr>
               <a:t>并没有给数组分配内存空间。在使用数组前还必须对其进行初始化</a:t>
             </a:r>
             <a:r>
-              <a:rPr lang="en-US" altLang="zh-CN" smtClean="0">
+              <a:rPr lang="en-US" altLang="zh-CN" dirty="0" smtClean="0">
                 <a:sym typeface="Arial" charset="0"/>
               </a:rPr>
               <a:t>(</a:t>
             </a:r>
             <a:r>
-              <a:rPr lang="zh-CN" altLang="en-US" smtClean="0">
+              <a:rPr lang="zh-CN" altLang="en-US" dirty="0" smtClean="0">
                 <a:sym typeface="Arial" charset="0"/>
               </a:rPr>
               <a:t>即为其分配内存空间</a:t>
             </a:r>
             <a:r>
-              <a:rPr lang="en-US" altLang="zh-CN" smtClean="0">
+              <a:rPr lang="en-US" altLang="zh-CN" dirty="0" smtClean="0">
                 <a:sym typeface="Arial" charset="0"/>
               </a:rPr>
               <a:t>)</a:t>
             </a:r>
             <a:r>
-              <a:rPr lang="zh-CN" altLang="en-US" smtClean="0">
+              <a:rPr lang="zh-CN" altLang="en-US" dirty="0" smtClean="0">
                 <a:sym typeface="Arial" charset="0"/>
               </a:rPr>
               <a:t>。给数组元素分配内存并为数组元素赋初值的过程称为数组初始化</a:t>
             </a:r>
             <a:r>
-              <a:rPr lang="en-US" altLang="zh-CN" smtClean="0">
+              <a:rPr lang="en-US" altLang="zh-CN" dirty="0" smtClean="0">
                 <a:sym typeface="Arial" charset="0"/>
               </a:rPr>
               <a:t>.</a:t>
             </a:r>
           </a:p>
           <a:p>
-            <a:r>
-              <a:rPr lang="zh-CN" altLang="en-US" smtClean="0">
+            <a:pPr>
+              <a:lnSpc>
+                <a:spcPct val="150000"/>
+              </a:lnSpc>
+            </a:pPr>
+            <a:r>
+              <a:rPr lang="zh-CN" altLang="en-US" dirty="0" smtClean="0">
                 <a:sym typeface="Arial" charset="0"/>
               </a:rPr>
               <a:t>初始化可分为</a:t>
             </a:r>
-            <a:endParaRPr lang="en-US" altLang="zh-CN" smtClean="0">
+            <a:endParaRPr lang="en-US" altLang="zh-CN" dirty="0" smtClean="0">
               <a:sym typeface="Arial" charset="0"/>
             </a:endParaRPr>
           </a:p>
           <a:p>
-            <a:pPr lvl="1"/>
-            <a:r>
-              <a:rPr lang="zh-CN" altLang="en-US"/>
+            <a:pPr lvl="1">
+              <a:lnSpc>
+                <a:spcPct val="150000"/>
+              </a:lnSpc>
+            </a:pPr>
+            <a:r>
+              <a:rPr lang="zh-CN" altLang="en-US" dirty="0"/>
               <a:t>静态初始化</a:t>
             </a:r>
           </a:p>
           <a:p>
-            <a:pPr lvl="1"/>
-            <a:r>
-              <a:rPr lang="zh-CN" altLang="en-US" smtClean="0">
+            <a:pPr lvl="1">
+              <a:lnSpc>
+                <a:spcPct val="150000"/>
+              </a:lnSpc>
+            </a:pPr>
+            <a:r>
+              <a:rPr lang="zh-CN" altLang="en-US" dirty="0" smtClean="0">
                 <a:sym typeface="Arial" charset="0"/>
               </a:rPr>
               <a:t>动态初始化</a:t>
             </a:r>
-            <a:endParaRPr lang="en-US" altLang="zh-CN" smtClean="0">
+            <a:endParaRPr lang="en-US" altLang="zh-CN" dirty="0" smtClean="0">
               <a:sym typeface="Arial" charset="0"/>
             </a:endParaRPr>
           </a:p>
           <a:p>
-            <a:pPr lvl="1"/>
-            <a:endParaRPr lang="zh-CN" altLang="en-US" smtClean="0">
+            <a:pPr lvl="1">
+              <a:lnSpc>
+                <a:spcPct val="150000"/>
+              </a:lnSpc>
+            </a:pPr>
+            <a:endParaRPr lang="zh-CN" altLang="en-US" dirty="0" smtClean="0">
               <a:sym typeface="Arial" charset="0"/>
             </a:endParaRPr>
           </a:p>
           <a:p>
+            <a:pPr>
+              <a:lnSpc>
+                <a:spcPct val="150000"/>
+              </a:lnSpc>
+            </a:pPr>
             <a:endParaRPr lang="zh-CN" altLang="en-US" dirty="0" smtClean="0">
               <a:sym typeface="Arial" charset="0"/>
             </a:endParaRPr>
@@ -6859,6 +5922,437 @@
         <p:cTn id="1" dur="indefinite" restart="never" nodeType="tmRoot"/>
       </p:par>
     </p:tnLst>
+  </p:timing>
+</p:sld>
+</file>
+
+<file path=ppt/slides/slide6.xml><?xml version="1.0" encoding="utf-8"?>
+<p:sld xmlns:a="http://schemas.openxmlformats.org/drawingml/2006/main" xmlns:r="http://schemas.openxmlformats.org/officeDocument/2006/relationships" xmlns:p="http://schemas.openxmlformats.org/presentationml/2006/main">
+  <p:cSld>
+    <p:spTree>
+      <p:nvGrpSpPr>
+        <p:cNvPr id="1" name=""/>
+        <p:cNvGrpSpPr/>
+        <p:nvPr/>
+      </p:nvGrpSpPr>
+      <p:grpSpPr>
+        <a:xfrm>
+          <a:off x="0" y="0"/>
+          <a:ext cx="0" cy="0"/>
+          <a:chOff x="0" y="0"/>
+          <a:chExt cx="0" cy="0"/>
+        </a:xfrm>
+      </p:grpSpPr>
+      <p:sp>
+        <p:nvSpPr>
+          <p:cNvPr id="10242" name="标题 1"/>
+          <p:cNvSpPr>
+            <a:spLocks noGrp="1"/>
+          </p:cNvSpPr>
+          <p:nvPr>
+            <p:ph type="title"/>
+          </p:nvPr>
+        </p:nvSpPr>
+        <p:spPr/>
+        <p:txBody>
+          <a:bodyPr/>
+          <a:lstStyle/>
+          <a:p>
+            <a:r>
+              <a:rPr lang="zh-CN" altLang="en-US" smtClean="0"/>
+              <a:t>静态初始化</a:t>
+            </a:r>
+          </a:p>
+        </p:txBody>
+      </p:sp>
+      <p:sp>
+        <p:nvSpPr>
+          <p:cNvPr id="3" name="内容占位符 2"/>
+          <p:cNvSpPr>
+            <a:spLocks noGrp="1"/>
+          </p:cNvSpPr>
+          <p:nvPr>
+            <p:ph idx="1"/>
+          </p:nvPr>
+        </p:nvSpPr>
+        <p:spPr/>
+        <p:txBody>
+          <a:bodyPr/>
+          <a:lstStyle/>
+          <a:p>
+            <a:pPr>
+              <a:lnSpc>
+                <a:spcPct val="150000"/>
+              </a:lnSpc>
+            </a:pPr>
+            <a:r>
+              <a:rPr lang="zh-CN" altLang="en-US" dirty="0" smtClean="0">
+                <a:sym typeface="Arial" charset="0"/>
+              </a:rPr>
+              <a:t>当数组元素的初始化值直接由括在大括号“</a:t>
+            </a:r>
+            <a:r>
+              <a:rPr lang="en-US" altLang="zh-CN" dirty="0" smtClean="0">
+                <a:sym typeface="Arial" charset="0"/>
+              </a:rPr>
+              <a:t>{ }”</a:t>
+            </a:r>
+            <a:r>
+              <a:rPr lang="zh-CN" altLang="en-US" dirty="0" smtClean="0">
+                <a:sym typeface="Arial" charset="0"/>
+              </a:rPr>
+              <a:t>之间的数据给出时，就称为静态初始化。该方法适用于数组的元素不多且初始元素有限时。静态初始化往往和声明结合在一起使用，其格式如下：</a:t>
+            </a:r>
+          </a:p>
+          <a:p>
+            <a:pPr lvl="1">
+              <a:lnSpc>
+                <a:spcPct val="150000"/>
+              </a:lnSpc>
+            </a:pPr>
+            <a:r>
+              <a:rPr lang="en-US" altLang="zh-CN" dirty="0" err="1" smtClean="0">
+                <a:sym typeface="Arial" charset="0"/>
+              </a:rPr>
+              <a:t>array_type</a:t>
+            </a:r>
+            <a:r>
+              <a:rPr lang="en-US" altLang="zh-CN" dirty="0" smtClean="0">
+                <a:sym typeface="Arial" charset="0"/>
+              </a:rPr>
+              <a:t> </a:t>
+            </a:r>
+            <a:r>
+              <a:rPr lang="en-US" altLang="zh-CN" dirty="0" err="1" smtClean="0">
+                <a:sym typeface="Arial" charset="0"/>
+              </a:rPr>
+              <a:t>array_Name</a:t>
+            </a:r>
+            <a:r>
+              <a:rPr lang="en-US" altLang="zh-CN" dirty="0" smtClean="0">
+                <a:sym typeface="Arial" charset="0"/>
+              </a:rPr>
+              <a:t>={element1[, element2…]};</a:t>
+            </a:r>
+          </a:p>
+          <a:p>
+            <a:pPr>
+              <a:lnSpc>
+                <a:spcPct val="150000"/>
+              </a:lnSpc>
+            </a:pPr>
+            <a:r>
+              <a:rPr lang="zh-CN" altLang="en-US" dirty="0" smtClean="0">
+                <a:sym typeface="Arial" charset="0"/>
+              </a:rPr>
+              <a:t>例如：</a:t>
+            </a:r>
+            <a:endParaRPr lang="en-US" altLang="zh-CN" dirty="0" smtClean="0">
+              <a:sym typeface="Arial" charset="0"/>
+            </a:endParaRPr>
+          </a:p>
+        </p:txBody>
+      </p:sp>
+      <p:sp>
+        <p:nvSpPr>
+          <p:cNvPr id="7" name="Rectangle 4"/>
+          <p:cNvSpPr txBox="1">
+            <a:spLocks noChangeArrowheads="1"/>
+          </p:cNvSpPr>
+          <p:nvPr/>
+        </p:nvSpPr>
+        <p:spPr bwMode="auto">
+          <a:xfrm>
+            <a:off x="2423592" y="4149081"/>
+            <a:ext cx="7776864" cy="1512167"/>
+          </a:xfrm>
+          <a:prstGeom prst="rect">
+            <a:avLst/>
+          </a:prstGeom>
+          <a:solidFill>
+            <a:srgbClr val="FFCC99"/>
+          </a:solidFill>
+          <a:ln w="9525">
+            <a:solidFill>
+              <a:schemeClr val="bg1"/>
+            </a:solidFill>
+            <a:miter lim="800000"/>
+            <a:headEnd/>
+            <a:tailEnd/>
+          </a:ln>
+        </p:spPr>
+        <p:txBody>
+          <a:bodyPr wrap="none"/>
+          <a:lstStyle>
+            <a:lvl1pPr marL="342900" indent="-342900" eaLnBrk="0" hangingPunct="0">
+              <a:defRPr sz="2000">
+                <a:solidFill>
+                  <a:srgbClr val="A50021"/>
+                </a:solidFill>
+                <a:latin typeface="Arial" charset="0"/>
+              </a:defRPr>
+            </a:lvl1pPr>
+            <a:lvl2pPr eaLnBrk="0" hangingPunct="0">
+              <a:defRPr sz="2000">
+                <a:solidFill>
+                  <a:srgbClr val="A50021"/>
+                </a:solidFill>
+                <a:latin typeface="Arial" charset="0"/>
+              </a:defRPr>
+            </a:lvl2pPr>
+            <a:lvl3pPr marL="1143000" indent="-228600" eaLnBrk="0" hangingPunct="0">
+              <a:defRPr sz="2000">
+                <a:solidFill>
+                  <a:srgbClr val="A50021"/>
+                </a:solidFill>
+                <a:latin typeface="Arial" charset="0"/>
+              </a:defRPr>
+            </a:lvl3pPr>
+            <a:lvl4pPr marL="1600200" indent="-228600" eaLnBrk="0" hangingPunct="0">
+              <a:defRPr sz="2000">
+                <a:solidFill>
+                  <a:srgbClr val="A50021"/>
+                </a:solidFill>
+                <a:latin typeface="Arial" charset="0"/>
+              </a:defRPr>
+            </a:lvl4pPr>
+            <a:lvl5pPr marL="2057400" indent="-228600" eaLnBrk="0" hangingPunct="0">
+              <a:defRPr sz="2000">
+                <a:solidFill>
+                  <a:srgbClr val="A50021"/>
+                </a:solidFill>
+                <a:latin typeface="Arial" charset="0"/>
+              </a:defRPr>
+            </a:lvl5pPr>
+            <a:lvl6pPr marL="2514600" indent="-228600" eaLnBrk="0" fontAlgn="base" hangingPunct="0">
+              <a:spcBef>
+                <a:spcPct val="0"/>
+              </a:spcBef>
+              <a:spcAft>
+                <a:spcPct val="0"/>
+              </a:spcAft>
+              <a:buFont typeface="Arial" charset="0"/>
+              <a:defRPr sz="2000">
+                <a:solidFill>
+                  <a:srgbClr val="A50021"/>
+                </a:solidFill>
+                <a:latin typeface="Arial" charset="0"/>
+              </a:defRPr>
+            </a:lvl6pPr>
+            <a:lvl7pPr marL="2971800" indent="-228600" eaLnBrk="0" fontAlgn="base" hangingPunct="0">
+              <a:spcBef>
+                <a:spcPct val="0"/>
+              </a:spcBef>
+              <a:spcAft>
+                <a:spcPct val="0"/>
+              </a:spcAft>
+              <a:buFont typeface="Arial" charset="0"/>
+              <a:defRPr sz="2000">
+                <a:solidFill>
+                  <a:srgbClr val="A50021"/>
+                </a:solidFill>
+                <a:latin typeface="Arial" charset="0"/>
+              </a:defRPr>
+            </a:lvl7pPr>
+            <a:lvl8pPr marL="3429000" indent="-228600" eaLnBrk="0" fontAlgn="base" hangingPunct="0">
+              <a:spcBef>
+                <a:spcPct val="0"/>
+              </a:spcBef>
+              <a:spcAft>
+                <a:spcPct val="0"/>
+              </a:spcAft>
+              <a:buFont typeface="Arial" charset="0"/>
+              <a:defRPr sz="2000">
+                <a:solidFill>
+                  <a:srgbClr val="A50021"/>
+                </a:solidFill>
+                <a:latin typeface="Arial" charset="0"/>
+              </a:defRPr>
+            </a:lvl8pPr>
+            <a:lvl9pPr marL="3886200" indent="-228600" eaLnBrk="0" fontAlgn="base" hangingPunct="0">
+              <a:spcBef>
+                <a:spcPct val="0"/>
+              </a:spcBef>
+              <a:spcAft>
+                <a:spcPct val="0"/>
+              </a:spcAft>
+              <a:buFont typeface="Arial" charset="0"/>
+              <a:defRPr sz="2000">
+                <a:solidFill>
+                  <a:srgbClr val="A50021"/>
+                </a:solidFill>
+                <a:latin typeface="Arial" charset="0"/>
+              </a:defRPr>
+            </a:lvl9pPr>
+          </a:lstStyle>
+          <a:p>
+            <a:pPr>
+              <a:lnSpc>
+                <a:spcPct val="150000"/>
+              </a:lnSpc>
+            </a:pPr>
+            <a:r>
+              <a:rPr lang="en-US" altLang="zh-CN" dirty="0">
+                <a:solidFill>
+                  <a:schemeClr val="tx1"/>
+                </a:solidFill>
+                <a:sym typeface="Arial" charset="0"/>
+              </a:rPr>
+              <a:t>int ids[]={ 1,2,3,4,5,6,7,8};</a:t>
+            </a:r>
+          </a:p>
+          <a:p>
+            <a:pPr>
+              <a:lnSpc>
+                <a:spcPct val="150000"/>
+              </a:lnSpc>
+            </a:pPr>
+            <a:r>
+              <a:rPr lang="en-US" altLang="zh-CN" dirty="0">
+                <a:solidFill>
+                  <a:schemeClr val="tx1"/>
+                </a:solidFill>
+                <a:sym typeface="Arial" charset="0"/>
+              </a:rPr>
+              <a:t>String[] </a:t>
+            </a:r>
+            <a:r>
+              <a:rPr lang="en-US" altLang="zh-CN" dirty="0" err="1">
+                <a:solidFill>
+                  <a:schemeClr val="tx1"/>
+                </a:solidFill>
+                <a:sym typeface="Arial" charset="0"/>
+              </a:rPr>
+              <a:t>stuNo</a:t>
+            </a:r>
+            <a:r>
+              <a:rPr lang="en-US" altLang="zh-CN" dirty="0">
+                <a:solidFill>
+                  <a:schemeClr val="tx1"/>
+                </a:solidFill>
+                <a:sym typeface="Arial" charset="0"/>
+              </a:rPr>
+              <a:t>={"2011010345", "2011010346", "2011010347"};</a:t>
+            </a:r>
+          </a:p>
+          <a:p>
+            <a:pPr>
+              <a:lnSpc>
+                <a:spcPct val="150000"/>
+              </a:lnSpc>
+            </a:pPr>
+            <a:r>
+              <a:rPr lang="en-US" altLang="zh-CN" dirty="0">
+                <a:solidFill>
+                  <a:schemeClr val="tx1"/>
+                </a:solidFill>
+                <a:sym typeface="Arial" charset="0"/>
+              </a:rPr>
+              <a:t>double scores[]={62,45.5,88.1,76.4};</a:t>
+            </a:r>
+            <a:r>
+              <a:rPr lang="en-US" altLang="zh-CN" dirty="0">
+                <a:solidFill>
+                  <a:schemeClr val="tx1"/>
+                </a:solidFill>
+                <a:latin typeface="微软雅黑" pitchFamily="34" charset="-122"/>
+                <a:ea typeface="微软雅黑" pitchFamily="34" charset="-122"/>
+              </a:rPr>
+              <a:t>	</a:t>
+            </a:r>
+          </a:p>
+        </p:txBody>
+      </p:sp>
+    </p:spTree>
+  </p:cSld>
+  <p:clrMapOvr>
+    <a:masterClrMapping/>
+  </p:clrMapOvr>
+  <p:timing>
+    <p:tnLst>
+      <p:par>
+        <p:cTn id="1" dur="indefinite" restart="never" nodeType="tmRoot">
+          <p:childTnLst>
+            <p:seq concurrent="1" nextAc="seek">
+              <p:cTn id="2" dur="indefinite" nodeType="mainSeq">
+                <p:childTnLst>
+                  <p:par>
+                    <p:cTn id="3" fill="hold">
+                      <p:stCondLst>
+                        <p:cond delay="indefinite"/>
+                      </p:stCondLst>
+                      <p:childTnLst>
+                        <p:par>
+                          <p:cTn id="4" fill="hold">
+                            <p:stCondLst>
+                              <p:cond delay="0"/>
+                            </p:stCondLst>
+                            <p:childTnLst>
+                              <p:par>
+                                <p:cTn id="5" presetID="6" presetClass="entr" presetSubtype="16" fill="hold" grpId="0" nodeType="clickEffect">
+                                  <p:stCondLst>
+                                    <p:cond delay="0"/>
+                                  </p:stCondLst>
+                                  <p:childTnLst>
+                                    <p:set>
+                                      <p:cBhvr>
+                                        <p:cTn id="6" dur="1" fill="hold">
+                                          <p:stCondLst>
+                                            <p:cond delay="0"/>
+                                          </p:stCondLst>
+                                        </p:cTn>
+                                        <p:tgtEl>
+                                          <p:spTgt spid="7"/>
+                                        </p:tgtEl>
+                                        <p:attrNameLst>
+                                          <p:attrName>style.visibility</p:attrName>
+                                        </p:attrNameLst>
+                                      </p:cBhvr>
+                                      <p:to>
+                                        <p:strVal val="visible"/>
+                                      </p:to>
+                                    </p:set>
+                                    <p:animEffect transition="in" filter="circle(in)">
+                                      <p:cBhvr>
+                                        <p:cTn id="7" dur="2000"/>
+                                        <p:tgtEl>
+                                          <p:spTgt spid="7"/>
+                                        </p:tgtEl>
+                                      </p:cBhvr>
+                                    </p:animEffect>
+                                  </p:childTnLst>
+                                </p:cTn>
+                              </p:par>
+                            </p:childTnLst>
+                          </p:cTn>
+                        </p:par>
+                      </p:childTnLst>
+                    </p:cTn>
+                  </p:par>
+                </p:childTnLst>
+              </p:cTn>
+              <p:prevCondLst>
+                <p:cond evt="onPrev" delay="0">
+                  <p:tgtEl>
+                    <p:sldTgt/>
+                  </p:tgtEl>
+                </p:cond>
+              </p:prevCondLst>
+              <p:nextCondLst>
+                <p:cond evt="onNext" delay="0">
+                  <p:tgtEl>
+                    <p:sldTgt/>
+                  </p:tgtEl>
+                </p:cond>
+              </p:nextCondLst>
+            </p:seq>
+          </p:childTnLst>
+        </p:cTn>
+      </p:par>
+    </p:tnLst>
+    <p:bldLst>
+      <p:bldP spid="7" grpId="0" animBg="1"/>
+    </p:bldLst>
   </p:timing>
 </p:sld>
 </file>
@@ -6904,62 +6398,6 @@
       </p:sp>
       <p:sp>
         <p:nvSpPr>
-          <p:cNvPr id="3" name="内容占位符 2"/>
-          <p:cNvSpPr>
-            <a:spLocks noGrp="1"/>
-          </p:cNvSpPr>
-          <p:nvPr>
-            <p:ph idx="1"/>
-          </p:nvPr>
-        </p:nvSpPr>
-        <p:spPr/>
-        <p:txBody>
-          <a:bodyPr/>
-          <a:lstStyle/>
-          <a:p>
-            <a:r>
-              <a:rPr lang="zh-CN" altLang="en-US" smtClean="0">
-                <a:sym typeface="Arial" charset="0"/>
-              </a:rPr>
-              <a:t>当数组元素的初始化值直接由括在大括号“</a:t>
-            </a:r>
-            <a:r>
-              <a:rPr lang="en-US" altLang="zh-CN" smtClean="0">
-                <a:sym typeface="Arial" charset="0"/>
-              </a:rPr>
-              <a:t>{ }”</a:t>
-            </a:r>
-            <a:r>
-              <a:rPr lang="zh-CN" altLang="en-US" smtClean="0">
-                <a:sym typeface="Arial" charset="0"/>
-              </a:rPr>
-              <a:t>之间的数据给出时，就称为静态初始化。该方法适用于数组的元素不多且初始元素有限时。静态初始化往往和声明结合在一起使用，其格式如下：</a:t>
-            </a:r>
-          </a:p>
-          <a:p>
-            <a:pPr lvl="1"/>
-            <a:r>
-              <a:rPr lang="en-US" altLang="zh-CN" smtClean="0">
-                <a:sym typeface="Arial" charset="0"/>
-              </a:rPr>
-              <a:t>array_type array_Name={element1[, element2…]};</a:t>
-            </a:r>
-          </a:p>
-          <a:p>
-            <a:r>
-              <a:rPr lang="zh-CN" altLang="en-US" smtClean="0">
-                <a:sym typeface="Arial" charset="0"/>
-              </a:rPr>
-              <a:t>例如：</a:t>
-            </a:r>
-            <a:endParaRPr lang="en-US" altLang="zh-CN" smtClean="0">
-              <a:sym typeface="Arial" charset="0"/>
-            </a:endParaRPr>
-          </a:p>
-        </p:txBody>
-      </p:sp>
-      <p:sp>
-        <p:nvSpPr>
           <p:cNvPr id="7" name="Rectangle 4"/>
           <p:cNvSpPr txBox="1">
             <a:spLocks noChangeArrowheads="1"/>
@@ -6968,8 +6406,8 @@
         </p:nvSpPr>
         <p:spPr bwMode="auto">
           <a:xfrm>
-            <a:off x="899592" y="4149080"/>
-            <a:ext cx="7776864" cy="1062037"/>
+            <a:off x="1559496" y="1484784"/>
+            <a:ext cx="8280920" cy="4104456"/>
           </a:xfrm>
           <a:prstGeom prst="rect">
             <a:avLst/>
@@ -7091,57 +6529,190 @@
             </a:lvl9pPr>
           </a:lstStyle>
           <a:p>
-            <a:r>
-              <a:rPr lang="en-US" altLang="zh-CN" dirty="0" smtClean="0">
-                <a:sym typeface="Arial" charset="0"/>
-              </a:rPr>
-              <a:t>int </a:t>
-            </a:r>
+            <a:pPr>
+              <a:lnSpc>
+                <a:spcPct val="150000"/>
+              </a:lnSpc>
+            </a:pPr>
             <a:r>
               <a:rPr lang="en-US" altLang="zh-CN" dirty="0">
-                <a:sym typeface="Arial" charset="0"/>
-              </a:rPr>
-              <a:t>ids[]={ 1,2,3,4,5,6,7,8};</a:t>
-            </a:r>
-          </a:p>
-          <a:p>
-            <a:r>
-              <a:rPr lang="en-US" altLang="zh-CN" dirty="0" smtClean="0">
-                <a:sym typeface="Arial" charset="0"/>
-              </a:rPr>
-              <a:t>String</a:t>
-            </a:r>
+                <a:solidFill>
+                  <a:schemeClr val="tx1"/>
+                </a:solidFill>
+                <a:sym typeface="Arial" charset="0"/>
+              </a:rPr>
+              <a:t>int num1[] = {1,2,3};</a:t>
+            </a:r>
+          </a:p>
+          <a:p>
+            <a:pPr>
+              <a:lnSpc>
+                <a:spcPct val="150000"/>
+              </a:lnSpc>
+            </a:pPr>
             <a:r>
               <a:rPr lang="en-US" altLang="zh-CN" dirty="0">
-                <a:sym typeface="Arial" charset="0"/>
-              </a:rPr>
-              <a:t>[] </a:t>
-            </a:r>
+                <a:solidFill>
+                  <a:schemeClr val="tx1"/>
+                </a:solidFill>
+                <a:sym typeface="Arial" charset="0"/>
+              </a:rPr>
+              <a:t>int num2[3] = {1,2,3};	// </a:t>
+            </a:r>
+            <a:r>
+              <a:rPr lang="zh-CN" altLang="en-US" dirty="0">
+                <a:solidFill>
+                  <a:schemeClr val="tx1"/>
+                </a:solidFill>
+                <a:sym typeface="Arial" charset="0"/>
+              </a:rPr>
+              <a:t>编译错误，不能在</a:t>
+            </a:r>
+            <a:r>
+              <a:rPr lang="en-US" altLang="zh-CN" dirty="0">
+                <a:solidFill>
+                  <a:schemeClr val="tx1"/>
+                </a:solidFill>
+                <a:sym typeface="Arial" charset="0"/>
+              </a:rPr>
+              <a:t>[ ]</a:t>
+            </a:r>
+            <a:r>
+              <a:rPr lang="zh-CN" altLang="en-US" dirty="0">
+                <a:solidFill>
+                  <a:schemeClr val="tx1"/>
+                </a:solidFill>
+                <a:sym typeface="Arial" charset="0"/>
+              </a:rPr>
+              <a:t>中指定数字长度</a:t>
+            </a:r>
+            <a:endParaRPr lang="en-US" altLang="zh-CN" dirty="0">
+              <a:solidFill>
+                <a:schemeClr val="tx1"/>
+              </a:solidFill>
+              <a:sym typeface="Arial" charset="0"/>
+            </a:endParaRPr>
+          </a:p>
+          <a:p>
+            <a:pPr>
+              <a:lnSpc>
+                <a:spcPct val="150000"/>
+              </a:lnSpc>
+            </a:pPr>
+            <a:r>
+              <a:rPr lang="en-US" altLang="zh-CN" dirty="0">
+                <a:solidFill>
+                  <a:schemeClr val="tx1"/>
+                </a:solidFill>
+                <a:sym typeface="Arial" charset="0"/>
+              </a:rPr>
+              <a:t>int num3[];</a:t>
+            </a:r>
+          </a:p>
+          <a:p>
+            <a:pPr>
+              <a:lnSpc>
+                <a:spcPct val="150000"/>
+              </a:lnSpc>
+            </a:pPr>
+            <a:r>
+              <a:rPr lang="en-US" altLang="zh-CN" dirty="0">
+                <a:solidFill>
+                  <a:schemeClr val="tx1"/>
+                </a:solidFill>
+                <a:sym typeface="Arial" charset="0"/>
+              </a:rPr>
+              <a:t>int k;</a:t>
+            </a:r>
+          </a:p>
+          <a:p>
+            <a:pPr>
+              <a:lnSpc>
+                <a:spcPct val="150000"/>
+              </a:lnSpc>
+            </a:pPr>
             <a:r>
               <a:rPr lang="en-US" altLang="zh-CN" dirty="0" err="1">
-                <a:sym typeface="Arial" charset="0"/>
-              </a:rPr>
-              <a:t>stuNo</a:t>
+                <a:solidFill>
+                  <a:schemeClr val="tx1"/>
+                </a:solidFill>
+                <a:sym typeface="Arial" charset="0"/>
+              </a:rPr>
+              <a:t>System.out.println</a:t>
             </a:r>
             <a:r>
               <a:rPr lang="en-US" altLang="zh-CN" dirty="0">
-                <a:sym typeface="Arial" charset="0"/>
-              </a:rPr>
-              <a:t>={"2011010345", "2011010346", "2011010347"};</a:t>
-            </a:r>
-          </a:p>
-          <a:p>
-            <a:r>
-              <a:rPr lang="en-US" altLang="zh-CN" dirty="0" smtClean="0">
-                <a:sym typeface="Arial" charset="0"/>
-              </a:rPr>
-              <a:t>double </a:t>
+                <a:solidFill>
+                  <a:schemeClr val="tx1"/>
+                </a:solidFill>
+                <a:sym typeface="Arial" charset="0"/>
+              </a:rPr>
+              <a:t>(num1.length);</a:t>
+            </a:r>
+          </a:p>
+          <a:p>
+            <a:pPr>
+              <a:lnSpc>
+                <a:spcPct val="150000"/>
+              </a:lnSpc>
+            </a:pPr>
+            <a:r>
+              <a:rPr lang="en-US" altLang="zh-CN" dirty="0" err="1">
+                <a:solidFill>
+                  <a:schemeClr val="tx1"/>
+                </a:solidFill>
+                <a:sym typeface="Arial" charset="0"/>
+              </a:rPr>
+              <a:t>System.out.println</a:t>
             </a:r>
             <a:r>
               <a:rPr lang="en-US" altLang="zh-CN" dirty="0">
-                <a:sym typeface="Arial" charset="0"/>
-              </a:rPr>
-              <a:t>scores[]={62,45.5,88.1,76.4};</a:t>
+                <a:solidFill>
+                  <a:schemeClr val="tx1"/>
+                </a:solidFill>
+                <a:sym typeface="Arial" charset="0"/>
+              </a:rPr>
+              <a:t>(num3.length);   // </a:t>
+            </a:r>
+            <a:r>
+              <a:rPr lang="zh-CN" altLang="en-US" dirty="0">
+                <a:solidFill>
+                  <a:schemeClr val="tx1"/>
+                </a:solidFill>
+                <a:sym typeface="Arial" charset="0"/>
+              </a:rPr>
+              <a:t>编译错误，未初始化不能使用</a:t>
+            </a:r>
+            <a:endParaRPr lang="en-US" altLang="zh-CN" dirty="0">
+              <a:solidFill>
+                <a:schemeClr val="tx1"/>
+              </a:solidFill>
+              <a:sym typeface="Arial" charset="0"/>
+            </a:endParaRPr>
+          </a:p>
+          <a:p>
+            <a:pPr>
+              <a:lnSpc>
+                <a:spcPct val="150000"/>
+              </a:lnSpc>
+            </a:pPr>
+            <a:r>
+              <a:rPr lang="en-US" altLang="zh-CN" dirty="0" err="1">
+                <a:solidFill>
+                  <a:schemeClr val="tx1"/>
+                </a:solidFill>
+                <a:sym typeface="Arial" charset="0"/>
+              </a:rPr>
+              <a:t>System.out.println</a:t>
+            </a:r>
+            <a:r>
+              <a:rPr lang="en-US" altLang="zh-CN" dirty="0">
+                <a:solidFill>
+                  <a:schemeClr val="tx1"/>
+                </a:solidFill>
+                <a:sym typeface="Arial" charset="0"/>
+              </a:rPr>
+              <a:t>(k);</a:t>
             </a:r>
             <a:r>
               <a:rPr lang="en-US" altLang="zh-CN" dirty="0">
@@ -7153,10 +6724,39 @@
               </a:rPr>
               <a:t>	</a:t>
             </a:r>
+            <a:r>
+              <a:rPr lang="en-US" altLang="zh-CN" dirty="0">
+                <a:solidFill>
+                  <a:schemeClr val="tx1"/>
+                </a:solidFill>
+                <a:sym typeface="Arial" charset="0"/>
+              </a:rPr>
+              <a:t>// </a:t>
+            </a:r>
+            <a:r>
+              <a:rPr lang="zh-CN" altLang="en-US" dirty="0">
+                <a:solidFill>
+                  <a:schemeClr val="tx1"/>
+                </a:solidFill>
+                <a:sym typeface="Arial" charset="0"/>
+              </a:rPr>
+              <a:t>编译错误，未初始化不能使用</a:t>
+            </a:r>
+            <a:endParaRPr lang="en-US" altLang="zh-CN" dirty="0">
+              <a:solidFill>
+                <a:schemeClr val="tx1"/>
+              </a:solidFill>
+              <a:sym typeface="Arial" charset="0"/>
+            </a:endParaRPr>
           </a:p>
         </p:txBody>
       </p:sp>
     </p:spTree>
+    <p:extLst>
+      <p:ext uri="{BB962C8B-B14F-4D97-AF65-F5344CB8AC3E}">
+        <p14:creationId xmlns:p14="http://schemas.microsoft.com/office/powerpoint/2010/main" val="4110002713"/>
+      </p:ext>
+    </p:extLst>
   </p:cSld>
   <p:clrMapOvr>
     <a:masterClrMapping/>
@@ -7269,7 +6869,7 @@
       </p:grpSpPr>
       <p:sp>
         <p:nvSpPr>
-          <p:cNvPr id="10242" name="标题 1"/>
+          <p:cNvPr id="11266" name="标题 1"/>
           <p:cNvSpPr>
             <a:spLocks noGrp="1"/>
           </p:cNvSpPr>
@@ -7284,14 +6884,14 @@
           <a:p>
             <a:r>
               <a:rPr lang="zh-CN" altLang="en-US" smtClean="0"/>
-              <a:t>静态初始化</a:t>
+              <a:t>动态初始化</a:t>
             </a:r>
           </a:p>
         </p:txBody>
       </p:sp>
       <p:sp>
         <p:nvSpPr>
-          <p:cNvPr id="3" name="内容占位符 2"/>
+          <p:cNvPr id="10243" name="内容占位符 2"/>
           <p:cNvSpPr>
             <a:spLocks noGrp="1"/>
           </p:cNvSpPr>
@@ -7304,7 +6904,100 @@
           <a:bodyPr/>
           <a:lstStyle/>
           <a:p>
+            <a:pPr>
+              <a:lnSpc>
+                <a:spcPct val="150000"/>
+              </a:lnSpc>
+            </a:pPr>
+            <a:r>
+              <a:rPr lang="zh-CN" altLang="en-US" dirty="0" smtClean="0">
+                <a:sym typeface="Arial" charset="0"/>
+              </a:rPr>
+              <a:t>动态初始化先用</a:t>
+            </a:r>
+            <a:r>
+              <a:rPr lang="en-US" altLang="zh-CN" dirty="0" smtClean="0">
+                <a:sym typeface="Arial" charset="0"/>
+              </a:rPr>
+              <a:t>new</a:t>
+            </a:r>
+            <a:r>
+              <a:rPr lang="zh-CN" altLang="en-US" dirty="0" smtClean="0">
+                <a:sym typeface="Arial" charset="0"/>
+              </a:rPr>
+              <a:t>操作符为数组分配内存，然后才为每一个元素赋初值。其一般格式如下：</a:t>
+            </a:r>
+          </a:p>
+          <a:p>
+            <a:pPr lvl="1">
+              <a:lnSpc>
+                <a:spcPct val="150000"/>
+              </a:lnSpc>
+            </a:pPr>
+            <a:r>
+              <a:rPr lang="en-US" altLang="zh-CN" dirty="0" err="1" smtClean="0">
+                <a:sym typeface="Arial" charset="0"/>
+              </a:rPr>
+              <a:t>array_Name</a:t>
+            </a:r>
+            <a:r>
+              <a:rPr lang="en-US" altLang="zh-CN" dirty="0" smtClean="0">
+                <a:sym typeface="Arial" charset="0"/>
+              </a:rPr>
+              <a:t> = new </a:t>
+            </a:r>
+            <a:r>
+              <a:rPr lang="en-US" altLang="zh-CN" dirty="0" err="1" smtClean="0">
+                <a:sym typeface="Arial" charset="0"/>
+              </a:rPr>
+              <a:t>array_type</a:t>
+            </a:r>
+            <a:r>
+              <a:rPr lang="en-US" altLang="zh-CN" dirty="0" smtClean="0">
+                <a:sym typeface="Arial" charset="0"/>
+              </a:rPr>
+              <a:t> [ </a:t>
+            </a:r>
+            <a:r>
+              <a:rPr lang="en-US" altLang="zh-CN" dirty="0" err="1" smtClean="0">
+                <a:sym typeface="Arial" charset="0"/>
+              </a:rPr>
+              <a:t>arraySize</a:t>
+            </a:r>
+            <a:r>
+              <a:rPr lang="en-US" altLang="zh-CN" dirty="0" smtClean="0">
+                <a:sym typeface="Arial" charset="0"/>
+              </a:rPr>
+              <a:t>];</a:t>
+            </a:r>
+          </a:p>
+          <a:p>
+            <a:pPr>
+              <a:lnSpc>
+                <a:spcPct val="150000"/>
+              </a:lnSpc>
+            </a:pPr>
+            <a:r>
+              <a:rPr lang="zh-CN" altLang="en-US" dirty="0"/>
+              <a:t>例如</a:t>
+            </a:r>
+            <a:r>
+              <a:rPr lang="zh-CN" altLang="en-US" dirty="0" smtClean="0">
+                <a:sym typeface="Arial" charset="0"/>
+              </a:rPr>
+              <a:t>：</a:t>
+            </a:r>
             <a:endParaRPr lang="en-US" altLang="zh-CN" dirty="0" smtClean="0">
+              <a:sym typeface="Arial" charset="0"/>
+            </a:endParaRPr>
+          </a:p>
+          <a:p>
+            <a:endParaRPr lang="en-US" altLang="zh-CN" dirty="0" smtClean="0">
+              <a:sym typeface="Arial" charset="0"/>
+            </a:endParaRPr>
+          </a:p>
+          <a:p>
+            <a:endParaRPr lang="zh-CN" altLang="en-US" dirty="0" smtClean="0">
               <a:sym typeface="Arial" charset="0"/>
             </a:endParaRPr>
           </a:p>
@@ -7312,7 +7005,7 @@
       </p:sp>
       <p:sp>
         <p:nvSpPr>
-          <p:cNvPr id="7" name="Rectangle 4"/>
+          <p:cNvPr id="6" name="Rectangle 4"/>
           <p:cNvSpPr txBox="1">
             <a:spLocks noChangeArrowheads="1"/>
           </p:cNvSpPr>
@@ -7320,8 +7013,8 @@
         </p:nvSpPr>
         <p:spPr bwMode="auto">
           <a:xfrm>
-            <a:off x="683568" y="1844824"/>
-            <a:ext cx="7776864" cy="2376264"/>
+            <a:off x="2639616" y="3284984"/>
+            <a:ext cx="3240360" cy="1449387"/>
           </a:xfrm>
           <a:prstGeom prst="rect">
             <a:avLst/>
@@ -7445,182 +7138,156 @@
           <a:p>
             <a:r>
               <a:rPr lang="en-US" altLang="zh-CN" dirty="0">
-                <a:sym typeface="Arial" charset="0"/>
-              </a:rPr>
-              <a:t>int num1[] = {1,2,3};</a:t>
-            </a:r>
-          </a:p>
-          <a:p>
-            <a:r>
-              <a:rPr lang="en-US" altLang="zh-CN" dirty="0" smtClean="0">
-                <a:sym typeface="Arial" charset="0"/>
-              </a:rPr>
-              <a:t>int </a:t>
-            </a:r>
+                <a:solidFill>
+                  <a:schemeClr val="tx1"/>
+                </a:solidFill>
+                <a:sym typeface="Arial" charset="0"/>
+              </a:rPr>
+              <a:t>    int series[ ]= new int[4];</a:t>
+            </a:r>
+          </a:p>
+          <a:p>
             <a:r>
               <a:rPr lang="en-US" altLang="zh-CN" dirty="0">
-                <a:sym typeface="Arial" charset="0"/>
-              </a:rPr>
-              <a:t>num2[3] = {1,2,3</a:t>
-            </a:r>
-            <a:r>
-              <a:rPr lang="en-US" altLang="zh-CN" dirty="0" smtClean="0">
-                <a:sym typeface="Arial" charset="0"/>
-              </a:rPr>
-              <a:t>};	// </a:t>
-            </a:r>
-            <a:r>
-              <a:rPr lang="zh-CN" altLang="en-US" dirty="0" smtClean="0">
-                <a:sym typeface="Arial" charset="0"/>
-              </a:rPr>
-              <a:t>编译错误，不能在</a:t>
-            </a:r>
-            <a:r>
-              <a:rPr lang="en-US" altLang="zh-CN" dirty="0" smtClean="0">
-                <a:sym typeface="Arial" charset="0"/>
-              </a:rPr>
-              <a:t>[ ]</a:t>
-            </a:r>
-            <a:r>
-              <a:rPr lang="zh-CN" altLang="en-US" dirty="0" smtClean="0">
-                <a:sym typeface="Arial" charset="0"/>
-              </a:rPr>
-              <a:t>中指定数字长度</a:t>
+                <a:solidFill>
+                  <a:schemeClr val="tx1"/>
+                </a:solidFill>
+                <a:sym typeface="Arial" charset="0"/>
+              </a:rPr>
+              <a:t>    for (int </a:t>
+            </a:r>
+            <a:r>
+              <a:rPr lang="en-US" altLang="zh-CN" dirty="0" err="1">
+                <a:solidFill>
+                  <a:schemeClr val="tx1"/>
+                </a:solidFill>
+                <a:sym typeface="Arial" charset="0"/>
+              </a:rPr>
+              <a:t>i</a:t>
+            </a:r>
+            <a:r>
+              <a:rPr lang="en-US" altLang="zh-CN" dirty="0">
+                <a:solidFill>
+                  <a:schemeClr val="tx1"/>
+                </a:solidFill>
+                <a:sym typeface="Arial" charset="0"/>
+              </a:rPr>
+              <a:t>=0;i&lt;4;i++){</a:t>
+            </a:r>
+          </a:p>
+          <a:p>
+            <a:r>
+              <a:rPr lang="en-US" altLang="zh-CN" dirty="0">
+                <a:solidFill>
+                  <a:schemeClr val="tx1"/>
+                </a:solidFill>
+                <a:sym typeface="Arial" charset="0"/>
+              </a:rPr>
+              <a:t>           series[ </a:t>
+            </a:r>
+            <a:r>
+              <a:rPr lang="en-US" altLang="zh-CN" dirty="0" err="1">
+                <a:solidFill>
+                  <a:schemeClr val="tx1"/>
+                </a:solidFill>
+                <a:sym typeface="Arial" charset="0"/>
+              </a:rPr>
+              <a:t>i</a:t>
+            </a:r>
+            <a:r>
+              <a:rPr lang="en-US" altLang="zh-CN" dirty="0">
+                <a:solidFill>
+                  <a:schemeClr val="tx1"/>
+                </a:solidFill>
+                <a:sym typeface="Arial" charset="0"/>
+              </a:rPr>
+              <a:t> ]=</a:t>
+            </a:r>
+            <a:r>
+              <a:rPr lang="en-US" altLang="zh-CN" dirty="0" err="1">
+                <a:solidFill>
+                  <a:schemeClr val="tx1"/>
+                </a:solidFill>
+                <a:sym typeface="Arial" charset="0"/>
+              </a:rPr>
+              <a:t>i</a:t>
+            </a:r>
+            <a:r>
+              <a:rPr lang="en-US" altLang="zh-CN" dirty="0">
+                <a:solidFill>
+                  <a:schemeClr val="tx1"/>
+                </a:solidFill>
+                <a:sym typeface="Arial" charset="0"/>
+              </a:rPr>
+              <a:t>*3;</a:t>
+            </a:r>
+          </a:p>
+          <a:p>
+            <a:r>
+              <a:rPr lang="en-US" altLang="zh-CN" dirty="0">
+                <a:solidFill>
+                  <a:schemeClr val="tx1"/>
+                </a:solidFill>
+                <a:sym typeface="Arial" charset="0"/>
+              </a:rPr>
+              <a:t>     }</a:t>
             </a:r>
             <a:endParaRPr lang="en-US" altLang="zh-CN" dirty="0">
-              <a:sym typeface="Arial" charset="0"/>
+              <a:solidFill>
+                <a:schemeClr val="tx1"/>
+              </a:solidFill>
+              <a:latin typeface="微软雅黑" pitchFamily="34" charset="-122"/>
+              <a:ea typeface="微软雅黑" pitchFamily="34" charset="-122"/>
             </a:endParaRPr>
           </a:p>
           <a:p>
-            <a:r>
-              <a:rPr lang="en-US" altLang="zh-CN" dirty="0" smtClean="0">
-                <a:sym typeface="Arial" charset="0"/>
-              </a:rPr>
-              <a:t>int </a:t>
-            </a:r>
-            <a:r>
-              <a:rPr lang="en-US" altLang="zh-CN" dirty="0">
-                <a:sym typeface="Arial" charset="0"/>
-              </a:rPr>
-              <a:t>num3[];</a:t>
-            </a:r>
-          </a:p>
-          <a:p>
-            <a:r>
-              <a:rPr lang="en-US" altLang="zh-CN" dirty="0" smtClean="0">
-                <a:sym typeface="Arial" charset="0"/>
-              </a:rPr>
-              <a:t>int </a:t>
-            </a:r>
-            <a:r>
-              <a:rPr lang="en-US" altLang="zh-CN" dirty="0">
-                <a:sym typeface="Arial" charset="0"/>
-              </a:rPr>
-              <a:t>k;</a:t>
-            </a:r>
-          </a:p>
-          <a:p>
-            <a:r>
-              <a:rPr lang="en-US" altLang="zh-CN" dirty="0" err="1" smtClean="0">
-                <a:sym typeface="Arial" charset="0"/>
-              </a:rPr>
-              <a:t>System.out.println</a:t>
-            </a:r>
-            <a:r>
-              <a:rPr lang="en-US" altLang="zh-CN" dirty="0" smtClean="0">
-                <a:sym typeface="Arial" charset="0"/>
-              </a:rPr>
-              <a:t>(num1.length</a:t>
-            </a:r>
-            <a:r>
-              <a:rPr lang="en-US" altLang="zh-CN" dirty="0">
-                <a:sym typeface="Arial" charset="0"/>
-              </a:rPr>
-              <a:t>);</a:t>
-            </a:r>
-          </a:p>
-          <a:p>
-            <a:r>
-              <a:rPr lang="en-US" altLang="zh-CN" dirty="0" err="1" smtClean="0">
-                <a:sym typeface="Arial" charset="0"/>
-              </a:rPr>
-              <a:t>System.out.println</a:t>
-            </a:r>
-            <a:r>
-              <a:rPr lang="en-US" altLang="zh-CN" dirty="0" smtClean="0">
-                <a:sym typeface="Arial" charset="0"/>
-              </a:rPr>
-              <a:t>(num3.length);   // </a:t>
-            </a:r>
-            <a:r>
-              <a:rPr lang="zh-CN" altLang="en-US" dirty="0" smtClean="0">
-                <a:sym typeface="Arial" charset="0"/>
-              </a:rPr>
-              <a:t>编译错误，未初始化不能使用</a:t>
-            </a:r>
+            <a:pPr lvl="1">
+              <a:lnSpc>
+                <a:spcPct val="120000"/>
+              </a:lnSpc>
+            </a:pPr>
             <a:endParaRPr lang="en-US" altLang="zh-CN" dirty="0">
-              <a:sym typeface="Arial" charset="0"/>
+              <a:solidFill>
+                <a:schemeClr val="tx1"/>
+              </a:solidFill>
+              <a:latin typeface="微软雅黑" pitchFamily="34" charset="-122"/>
+              <a:ea typeface="微软雅黑" pitchFamily="34" charset="-122"/>
             </a:endParaRPr>
           </a:p>
           <a:p>
-            <a:r>
-              <a:rPr lang="en-US" altLang="zh-CN" dirty="0" err="1" smtClean="0">
-                <a:sym typeface="Arial" charset="0"/>
-              </a:rPr>
-              <a:t>System.out.println</a:t>
-            </a:r>
-            <a:r>
-              <a:rPr lang="en-US" altLang="zh-CN" dirty="0" smtClean="0">
-                <a:sym typeface="Arial" charset="0"/>
-              </a:rPr>
-              <a:t>(k</a:t>
-            </a:r>
-            <a:r>
-              <a:rPr lang="en-US" altLang="zh-CN" dirty="0">
-                <a:sym typeface="Arial" charset="0"/>
-              </a:rPr>
-              <a:t>);</a:t>
-            </a:r>
-            <a:r>
-              <a:rPr lang="en-US" altLang="zh-CN" dirty="0">
-                <a:solidFill>
-                  <a:schemeClr val="tx1"/>
-                </a:solidFill>
-                <a:latin typeface="微软雅黑" pitchFamily="34" charset="-122"/>
-                <a:ea typeface="微软雅黑" pitchFamily="34" charset="-122"/>
-              </a:rPr>
-              <a:t>	</a:t>
-            </a:r>
-            <a:r>
-              <a:rPr lang="en-US" altLang="zh-CN" dirty="0">
-                <a:sym typeface="Arial" charset="0"/>
-              </a:rPr>
-              <a:t>// </a:t>
-            </a:r>
-            <a:r>
-              <a:rPr lang="zh-CN" altLang="en-US" dirty="0">
-                <a:sym typeface="Arial" charset="0"/>
-              </a:rPr>
-              <a:t>编译错误，未初始化不能</a:t>
-            </a:r>
-            <a:r>
-              <a:rPr lang="zh-CN" altLang="en-US" dirty="0" smtClean="0">
-                <a:sym typeface="Arial" charset="0"/>
-              </a:rPr>
-              <a:t>使用</a:t>
-            </a:r>
+            <a:pPr lvl="1">
+              <a:lnSpc>
+                <a:spcPct val="120000"/>
+              </a:lnSpc>
+            </a:pPr>
+            <a:endParaRPr lang="zh-CN" altLang="en-US" dirty="0">
+              <a:solidFill>
+                <a:schemeClr val="tx1"/>
+              </a:solidFill>
+              <a:latin typeface="微软雅黑" pitchFamily="34" charset="-122"/>
+              <a:ea typeface="微软雅黑" pitchFamily="34" charset="-122"/>
+            </a:endParaRPr>
+          </a:p>
+          <a:p>
+            <a:pPr lvl="1">
+              <a:lnSpc>
+                <a:spcPct val="120000"/>
+              </a:lnSpc>
+              <a:spcBef>
+                <a:spcPct val="20000"/>
+              </a:spcBef>
+            </a:pPr>
             <a:endParaRPr lang="en-US" altLang="zh-CN" dirty="0">
-              <a:sym typeface="Arial" charset="0"/>
+              <a:solidFill>
+                <a:schemeClr val="tx1"/>
+              </a:solidFill>
+              <a:latin typeface="微软雅黑" pitchFamily="34" charset="-122"/>
+              <a:ea typeface="微软雅黑" pitchFamily="34" charset="-122"/>
             </a:endParaRPr>
           </a:p>
         </p:txBody>
       </p:sp>
     </p:spTree>
-    <p:extLst>
-      <p:ext uri="{BB962C8B-B14F-4D97-AF65-F5344CB8AC3E}">
-        <p14:creationId xmlns:p14="http://schemas.microsoft.com/office/powerpoint/2010/main" val="4110002713"/>
-      </p:ext>
-    </p:extLst>
   </p:cSld>
   <p:clrMapOvr>
     <a:masterClrMapping/>
@@ -7659,7 +7326,7 @@
                                           </p:stCondLst>
                                         </p:cTn>
                                         <p:tgtEl>
-                                          <p:spTgt spid="7"/>
+                                          <p:spTgt spid="6"/>
                                         </p:tgtEl>
                                         <p:attrNameLst>
                                           <p:attrName>style.visibility</p:attrName>
@@ -7673,7 +7340,7 @@
                                       <p:cBhvr>
                                         <p:cTn id="7" dur="2000"/>
                                         <p:tgtEl>
-                                          <p:spTgt spid="7"/>
+                                          <p:spTgt spid="6"/>
                                         </p:tgtEl>
                                       </p:cBhvr>
                                     </p:animEffect>
@@ -7708,7 +7375,7 @@
       </p:par>
     </p:tnLst>
     <p:bldLst>
-      <p:bldP spid="7" grpId="0" animBg="1"/>
+      <p:bldP spid="6" grpId="0" animBg="1"/>
     </p:bldLst>
   </p:timing>
 </p:sld>
@@ -7733,7 +7400,7 @@
       </p:grpSpPr>
       <p:sp>
         <p:nvSpPr>
-          <p:cNvPr id="11266" name="标题 1"/>
+          <p:cNvPr id="2" name="标题 1"/>
           <p:cNvSpPr>
             <a:spLocks noGrp="1"/>
           </p:cNvSpPr>
@@ -7748,14 +7415,15 @@
           <a:p>
             <a:r>
               <a:rPr lang="zh-CN" altLang="en-US" smtClean="0"/>
-              <a:t>动态初始化</a:t>
-            </a:r>
+              <a:t>一维数组的使用</a:t>
+            </a:r>
+            <a:endParaRPr lang="zh-CN" altLang="en-US" dirty="0"/>
           </a:p>
         </p:txBody>
       </p:sp>
       <p:sp>
         <p:nvSpPr>
-          <p:cNvPr id="10243" name="内容占位符 2"/>
+          <p:cNvPr id="3" name="内容占位符 2"/>
           <p:cNvSpPr>
             <a:spLocks noGrp="1"/>
           </p:cNvSpPr>
@@ -7768,52 +7436,78 @@
           <a:bodyPr/>
           <a:lstStyle/>
           <a:p>
-            <a:r>
-              <a:rPr lang="zh-CN" altLang="en-US" smtClean="0">
-                <a:sym typeface="Arial" charset="0"/>
-              </a:rPr>
-              <a:t>动态初始化先用</a:t>
-            </a:r>
-            <a:r>
-              <a:rPr lang="en-US" altLang="zh-CN" smtClean="0">
-                <a:sym typeface="Arial" charset="0"/>
-              </a:rPr>
-              <a:t>new</a:t>
-            </a:r>
-            <a:r>
-              <a:rPr lang="zh-CN" altLang="en-US" smtClean="0">
-                <a:sym typeface="Arial" charset="0"/>
-              </a:rPr>
-              <a:t>操作符为数组分配内存，然后才为每一个元素赋初值。其一般格式如下：</a:t>
-            </a:r>
-          </a:p>
-          <a:p>
-            <a:pPr lvl="1"/>
-            <a:r>
-              <a:rPr lang="en-US" altLang="zh-CN" smtClean="0">
-                <a:sym typeface="Arial" charset="0"/>
-              </a:rPr>
-              <a:t>array_Name = new array_type [ arraySize];</a:t>
-            </a:r>
-          </a:p>
-          <a:p>
-            <a:r>
-              <a:rPr lang="zh-CN" altLang="en-US" smtClean="0">
-                <a:sym typeface="Arial" charset="0"/>
-              </a:rPr>
-              <a:t>比如：</a:t>
-            </a:r>
-            <a:endParaRPr lang="en-US" altLang="zh-CN" smtClean="0">
+            <a:pPr>
+              <a:lnSpc>
+                <a:spcPct val="150000"/>
+              </a:lnSpc>
+            </a:pPr>
+            <a:r>
+              <a:rPr lang="zh-CN" altLang="en-US" dirty="0" smtClean="0">
+                <a:sym typeface="Arial" charset="0"/>
+              </a:rPr>
+              <a:t>有了数组的声明和初始化后，就可以在程序中引用数组的元素了。</a:t>
+            </a:r>
+            <a:endParaRPr lang="en-US" altLang="zh-CN" dirty="0" smtClean="0">
               <a:sym typeface="Arial" charset="0"/>
             </a:endParaRPr>
           </a:p>
           <a:p>
-            <a:endParaRPr lang="en-US" altLang="zh-CN" smtClean="0">
-              <a:sym typeface="Arial" charset="0"/>
-            </a:endParaRPr>
-          </a:p>
-          <a:p>
-            <a:endParaRPr lang="zh-CN" altLang="en-US" dirty="0" smtClean="0">
+            <a:pPr>
+              <a:lnSpc>
+                <a:spcPct val="150000"/>
+              </a:lnSpc>
+            </a:pPr>
+            <a:r>
+              <a:rPr lang="zh-CN" altLang="en-US" dirty="0" smtClean="0">
+                <a:sym typeface="Arial" charset="0"/>
+              </a:rPr>
+              <a:t>数组元素的引用是通过数组名和下标值来进行的，其一般格式如下：</a:t>
+            </a:r>
+          </a:p>
+          <a:p>
+            <a:pPr lvl="1">
+              <a:lnSpc>
+                <a:spcPct val="150000"/>
+              </a:lnSpc>
+            </a:pPr>
+            <a:r>
+              <a:rPr lang="en-US" altLang="zh-CN" dirty="0" err="1" smtClean="0">
+                <a:sym typeface="Arial" charset="0"/>
+              </a:rPr>
+              <a:t>array_Name</a:t>
+            </a:r>
+            <a:r>
+              <a:rPr lang="en-US" altLang="zh-CN" dirty="0" smtClean="0">
+                <a:sym typeface="Arial" charset="0"/>
+              </a:rPr>
+              <a:t> [ </a:t>
+            </a:r>
+            <a:r>
+              <a:rPr lang="en-US" altLang="zh-CN" dirty="0" err="1" smtClean="0">
+                <a:sym typeface="Arial" charset="0"/>
+              </a:rPr>
+              <a:t>arrayIndex</a:t>
+            </a:r>
+            <a:r>
+              <a:rPr lang="en-US" altLang="zh-CN" dirty="0" smtClean="0">
+                <a:sym typeface="Arial" charset="0"/>
+              </a:rPr>
+              <a:t> ]</a:t>
+            </a:r>
+          </a:p>
+          <a:p>
+            <a:pPr>
+              <a:lnSpc>
+                <a:spcPct val="150000"/>
+              </a:lnSpc>
+            </a:pPr>
+            <a:r>
+              <a:rPr lang="zh-CN" altLang="en-US" dirty="0" smtClean="0">
+                <a:sym typeface="Arial" charset="0"/>
+              </a:rPr>
+              <a:t>例如：</a:t>
+            </a:r>
+            <a:endParaRPr lang="en-US" altLang="zh-CN" dirty="0" smtClean="0">
               <a:sym typeface="Arial" charset="0"/>
             </a:endParaRPr>
           </a:p>
@@ -7829,8 +7523,8 @@
         </p:nvSpPr>
         <p:spPr bwMode="auto">
           <a:xfrm>
-            <a:off x="1979712" y="3649637"/>
-            <a:ext cx="3240360" cy="1449387"/>
+            <a:off x="2495600" y="3284984"/>
+            <a:ext cx="4824536" cy="1449387"/>
           </a:xfrm>
           <a:prstGeom prst="rect">
             <a:avLst/>
@@ -7952,109 +7646,132 @@
             </a:lvl9pPr>
           </a:lstStyle>
           <a:p>
+            <a:pPr lvl="1">
+              <a:lnSpc>
+                <a:spcPct val="150000"/>
+              </a:lnSpc>
+            </a:pPr>
             <a:r>
               <a:rPr lang="en-US" altLang="zh-CN" dirty="0">
-                <a:sym typeface="Arial" charset="0"/>
-              </a:rPr>
-              <a:t> </a:t>
-            </a:r>
-            <a:r>
-              <a:rPr lang="en-US" altLang="zh-CN" dirty="0" smtClean="0">
-                <a:sym typeface="Arial" charset="0"/>
-              </a:rPr>
-              <a:t>   int </a:t>
-            </a:r>
+                <a:solidFill>
+                  <a:schemeClr val="tx1"/>
+                </a:solidFill>
+                <a:sym typeface="Arial" charset="0"/>
+              </a:rPr>
+              <a:t>int sale[]={1,2,3,4,5};</a:t>
+            </a:r>
+          </a:p>
+          <a:p>
+            <a:pPr lvl="1">
+              <a:lnSpc>
+                <a:spcPct val="150000"/>
+              </a:lnSpc>
+            </a:pPr>
             <a:r>
               <a:rPr lang="en-US" altLang="zh-CN" dirty="0">
-                <a:sym typeface="Arial" charset="0"/>
-              </a:rPr>
-              <a:t>series[ ]= new int[4];</a:t>
-            </a:r>
-          </a:p>
-          <a:p>
-            <a:r>
-              <a:rPr lang="en-US" altLang="zh-CN" dirty="0" smtClean="0">
-                <a:sym typeface="Arial" charset="0"/>
-              </a:rPr>
-              <a:t>    for </a:t>
+                <a:solidFill>
+                  <a:schemeClr val="tx1"/>
+                </a:solidFill>
+                <a:sym typeface="Arial" charset="0"/>
+              </a:rPr>
+              <a:t>int </a:t>
+            </a:r>
+            <a:r>
+              <a:rPr lang="en-US" altLang="zh-CN" dirty="0" err="1">
+                <a:solidFill>
+                  <a:schemeClr val="tx1"/>
+                </a:solidFill>
+                <a:sym typeface="Arial" charset="0"/>
+              </a:rPr>
+              <a:t>i</a:t>
             </a:r>
             <a:r>
               <a:rPr lang="en-US" altLang="zh-CN" dirty="0">
-                <a:sym typeface="Arial" charset="0"/>
-              </a:rPr>
-              <a:t>(int </a:t>
-            </a:r>
+                <a:solidFill>
+                  <a:schemeClr val="tx1"/>
+                </a:solidFill>
+                <a:sym typeface="Arial" charset="0"/>
+              </a:rPr>
+              <a:t> = sale[1];</a:t>
+            </a:r>
+          </a:p>
+          <a:p>
+            <a:pPr lvl="1">
+              <a:lnSpc>
+                <a:spcPct val="150000"/>
+              </a:lnSpc>
+            </a:pPr>
             <a:r>
               <a:rPr lang="en-US" altLang="zh-CN" dirty="0" err="1">
+                <a:solidFill>
+                  <a:schemeClr val="tx1"/>
+                </a:solidFill>
+                <a:sym typeface="Arial" charset="0"/>
+              </a:rPr>
+              <a:t>System.out.println</a:t>
+            </a:r>
+            <a:r>
+              <a:rPr lang="en-US" altLang="zh-CN" dirty="0">
+                <a:solidFill>
+                  <a:schemeClr val="tx1"/>
+                </a:solidFill>
+                <a:sym typeface="Arial" charset="0"/>
+              </a:rPr>
+              <a:t>(“</a:t>
+            </a:r>
+            <a:r>
+              <a:rPr lang="zh-CN" altLang="en-US" dirty="0">
+                <a:solidFill>
+                  <a:schemeClr val="tx1"/>
+                </a:solidFill>
+                <a:sym typeface="Arial" charset="0"/>
+              </a:rPr>
+              <a:t>您选择的是</a:t>
+            </a:r>
+            <a:r>
+              <a:rPr lang="en-US" altLang="zh-CN" dirty="0">
+                <a:solidFill>
+                  <a:schemeClr val="tx1"/>
+                </a:solidFill>
+                <a:sym typeface="Arial" charset="0"/>
+              </a:rPr>
+              <a:t>" + </a:t>
+            </a:r>
+            <a:r>
+              <a:rPr lang="en-US" altLang="zh-CN" dirty="0" err="1">
+                <a:solidFill>
+                  <a:schemeClr val="tx1"/>
+                </a:solidFill>
                 <a:sym typeface="Arial" charset="0"/>
               </a:rPr>
               <a:t>i</a:t>
             </a:r>
             <a:r>
               <a:rPr lang="en-US" altLang="zh-CN" dirty="0">
-                <a:sym typeface="Arial" charset="0"/>
-              </a:rPr>
-              <a:t>=0;i&lt;4;i++){</a:t>
-            </a:r>
-          </a:p>
-          <a:p>
-            <a:r>
-              <a:rPr lang="en-US" altLang="zh-CN" dirty="0">
-                <a:sym typeface="Arial" charset="0"/>
-              </a:rPr>
-              <a:t>       </a:t>
-            </a:r>
-            <a:r>
-              <a:rPr lang="en-US" altLang="zh-CN" dirty="0" smtClean="0">
-                <a:sym typeface="Arial" charset="0"/>
-              </a:rPr>
-              <a:t>    </a:t>
-            </a:r>
-            <a:r>
-              <a:rPr lang="en-US" altLang="zh-CN" dirty="0">
-                <a:sym typeface="Arial" charset="0"/>
-              </a:rPr>
-              <a:t>series[ </a:t>
-            </a:r>
-            <a:r>
-              <a:rPr lang="en-US" altLang="zh-CN" dirty="0" err="1">
-                <a:sym typeface="Arial" charset="0"/>
-              </a:rPr>
-              <a:t>i</a:t>
-            </a:r>
-            <a:r>
-              <a:rPr lang="en-US" altLang="zh-CN" dirty="0">
-                <a:sym typeface="Arial" charset="0"/>
-              </a:rPr>
-              <a:t> ]=</a:t>
-            </a:r>
-            <a:r>
-              <a:rPr lang="en-US" altLang="zh-CN" dirty="0" err="1">
-                <a:sym typeface="Arial" charset="0"/>
-              </a:rPr>
-              <a:t>i</a:t>
-            </a:r>
-            <a:r>
-              <a:rPr lang="en-US" altLang="zh-CN" dirty="0">
-                <a:sym typeface="Arial" charset="0"/>
-              </a:rPr>
-              <a:t>*3;</a:t>
-            </a:r>
-          </a:p>
-          <a:p>
-            <a:r>
-              <a:rPr lang="en-US" altLang="zh-CN" dirty="0">
-                <a:sym typeface="Arial" charset="0"/>
-              </a:rPr>
-              <a:t>    </a:t>
-            </a:r>
-            <a:r>
-              <a:rPr lang="en-US" altLang="zh-CN" dirty="0" smtClean="0">
-                <a:sym typeface="Arial" charset="0"/>
-              </a:rPr>
-              <a:t> }</a:t>
-            </a:r>
+                <a:solidFill>
+                  <a:schemeClr val="tx1"/>
+                </a:solidFill>
+                <a:sym typeface="Arial" charset="0"/>
+              </a:rPr>
+              <a:t>);</a:t>
+            </a:r>
+            <a:endParaRPr lang="zh-CN" altLang="en-US" dirty="0">
+              <a:solidFill>
+                <a:schemeClr val="tx1"/>
+              </a:solidFill>
+              <a:sym typeface="Arial" charset="0"/>
+            </a:endParaRPr>
+          </a:p>
+          <a:p>
+            <a:pPr lvl="1">
+              <a:lnSpc>
+                <a:spcPct val="150000"/>
+              </a:lnSpc>
+            </a:pPr>
             <a:endParaRPr lang="en-US" altLang="zh-CN" dirty="0">
+              <a:solidFill>
+                <a:schemeClr val="tx1"/>
+              </a:solidFill>
               <a:latin typeface="微软雅黑" pitchFamily="34" charset="-122"/>
               <a:ea typeface="微软雅黑" pitchFamily="34" charset="-122"/>
             </a:endParaRPr>
@@ -8062,10 +7779,13 @@
           <a:p>
             <a:pPr lvl="1">
               <a:lnSpc>
-                <a:spcPct val="120000"/>
-              </a:lnSpc>
-            </a:pPr>
-            <a:endParaRPr lang="en-US" altLang="zh-CN" dirty="0">
+                <a:spcPct val="150000"/>
+              </a:lnSpc>
+            </a:pPr>
+            <a:endParaRPr lang="zh-CN" altLang="en-US" dirty="0">
+              <a:solidFill>
+                <a:schemeClr val="tx1"/>
+              </a:solidFill>
               <a:latin typeface="微软雅黑" pitchFamily="34" charset="-122"/>
               <a:ea typeface="微软雅黑" pitchFamily="34" charset="-122"/>
             </a:endParaRPr>
@@ -8073,18 +7793,7 @@
           <a:p>
             <a:pPr lvl="1">
               <a:lnSpc>
-                <a:spcPct val="120000"/>
-              </a:lnSpc>
-            </a:pPr>
-            <a:endParaRPr lang="zh-CN" altLang="en-US" dirty="0">
-              <a:latin typeface="微软雅黑" pitchFamily="34" charset="-122"/>
-              <a:ea typeface="微软雅黑" pitchFamily="34" charset="-122"/>
-            </a:endParaRPr>
-          </a:p>
-          <a:p>
-            <a:pPr lvl="1">
-              <a:lnSpc>
-                <a:spcPct val="120000"/>
+                <a:spcPct val="150000"/>
               </a:lnSpc>
               <a:spcBef>
                 <a:spcPct val="20000"/>

--- a/ch03/第3章 数组.pptx
+++ b/ch03/第3章 数组.pptx
@@ -3312,13 +3312,7 @@
               <a:rPr lang="zh-CN" altLang="en-US" dirty="0" smtClean="0">
                 <a:sym typeface="Arial" charset="0"/>
               </a:rPr>
-              <a:t>中多维数组可以看成是数组的数组，即多维数组中的每一个元素可以看成是低维数组，所以多维数组的声明、初始化、引用与一维数组非常</a:t>
-            </a:r>
-            <a:r>
-              <a:rPr lang="zh-CN" altLang="en-US" dirty="0" smtClean="0">
-                <a:sym typeface="Arial" charset="0"/>
-              </a:rPr>
-              <a:t>类似</a:t>
+              <a:t>中多维数组可以看成是数组的数组，即多维数组中的每一个元素可以看成是低维数组，所以多维数组的声明、初始化、引用与一维数组非常类似</a:t>
             </a:r>
             <a:r>
               <a:rPr lang="zh-CN" altLang="en-US" dirty="0"/>
@@ -3338,13 +3332,7 @@
               <a:rPr lang="zh-CN" altLang="en-US" dirty="0" smtClean="0">
                 <a:sym typeface="Arial" charset="0"/>
               </a:rPr>
-              <a:t>在多维数组中二维数组应用最为广泛，所以我们着重讨论二维数组的属性和特性，多维以此类推即</a:t>
-            </a:r>
-            <a:r>
-              <a:rPr lang="zh-CN" altLang="en-US" dirty="0" smtClean="0">
-                <a:sym typeface="Arial" charset="0"/>
-              </a:rPr>
-              <a:t>可</a:t>
+              <a:t>在多维数组中二维数组应用最为广泛，所以我们着重讨论二维数组的属性和特性，多维以此类推即可</a:t>
             </a:r>
             <a:r>
               <a:rPr lang="zh-CN" altLang="en-US" dirty="0"/>
@@ -4199,13 +4187,8 @@
             </a:r>
             <a:r>
               <a:rPr lang="zh-CN" altLang="en-US" dirty="0" smtClean="0"/>
-              <a:t>类的</a:t>
-            </a:r>
-            <a:r>
-              <a:rPr lang="zh-CN" altLang="en-US" dirty="0" smtClean="0"/>
-              <a:t>引入</a:t>
-            </a:r>
-            <a:endParaRPr lang="zh-CN" altLang="en-US" dirty="0" smtClean="0"/>
+              <a:t>类的引入</a:t>
+            </a:r>
           </a:p>
         </p:txBody>
       </p:sp>
@@ -4281,13 +4264,7 @@
               <a:rPr lang="zh-CN" altLang="en-US" dirty="0" smtClean="0">
                 <a:sym typeface="Arial" charset="0"/>
               </a:rPr>
-              <a:t>，使用循环，条件分支等流程控制可以满足需求，但程序会显得比较</a:t>
-            </a:r>
-            <a:r>
-              <a:rPr lang="zh-CN" altLang="en-US" dirty="0" smtClean="0">
-                <a:sym typeface="Arial" charset="0"/>
-              </a:rPr>
-              <a:t>凌乱</a:t>
+              <a:t>，使用循环，条件分支等流程控制可以满足需求，但程序会显得比较凌乱</a:t>
             </a:r>
             <a:r>
               <a:rPr lang="zh-CN" altLang="en-US" dirty="0"/>
@@ -4337,13 +4314,7 @@
               <a:rPr lang="zh-CN" altLang="en-US" dirty="0" smtClean="0">
                 <a:sym typeface="Arial" charset="0"/>
               </a:rPr>
-              <a:t>简化数组的常用</a:t>
-            </a:r>
-            <a:r>
-              <a:rPr lang="zh-CN" altLang="en-US" dirty="0" smtClean="0">
-                <a:sym typeface="Arial" charset="0"/>
-              </a:rPr>
-              <a:t>操作</a:t>
+              <a:t>简化数组的常用操作</a:t>
             </a:r>
             <a:r>
               <a:rPr lang="zh-CN" altLang="en-US" dirty="0"/>
@@ -4955,8 +4926,8 @@
         </p:nvSpPr>
         <p:spPr>
           <a:xfrm>
-            <a:off x="4943872" y="1160749"/>
-            <a:ext cx="2952328" cy="4965415"/>
+            <a:off x="695400" y="1160749"/>
+            <a:ext cx="7200800" cy="4965415"/>
           </a:xfrm>
         </p:spPr>
         <p:txBody>
@@ -5110,13 +5081,7 @@
               <a:rPr lang="zh-CN" altLang="zh-CN" dirty="0" smtClean="0">
                 <a:sym typeface="Arial" charset="0"/>
               </a:rPr>
-              <a:t>数组是一组具有相同数据类型的数据元素的有序</a:t>
-            </a:r>
-            <a:r>
-              <a:rPr lang="zh-CN" altLang="zh-CN" dirty="0" smtClean="0">
-                <a:sym typeface="Arial" charset="0"/>
-              </a:rPr>
-              <a:t>集合</a:t>
+              <a:t>数组是一组具有相同数据类型的数据元素的有序集合</a:t>
             </a:r>
             <a:r>
               <a:rPr lang="zh-CN" altLang="en-US" dirty="0" smtClean="0">
@@ -5154,13 +5119,7 @@
               <a:rPr lang="zh-CN" altLang="en-US" dirty="0" smtClean="0">
                 <a:sym typeface="Arial" charset="0"/>
               </a:rPr>
-              <a:t>在整个生命周期中长度固定不</a:t>
-            </a:r>
-            <a:r>
-              <a:rPr lang="zh-CN" altLang="en-US" dirty="0" smtClean="0">
-                <a:sym typeface="Arial" charset="0"/>
-              </a:rPr>
-              <a:t>可变。</a:t>
+              <a:t>在整个生命周期中长度固定不可变。</a:t>
             </a:r>
             <a:endParaRPr lang="en-US" altLang="zh-CN" dirty="0" smtClean="0">
               <a:sym typeface="Arial" charset="0"/>
@@ -5176,13 +5135,7 @@
               <a:rPr lang="zh-CN" altLang="en-US" dirty="0" smtClean="0">
                 <a:sym typeface="Arial" charset="0"/>
               </a:rPr>
-              <a:t>数组可以存储基本数据类型和引用类型</a:t>
-            </a:r>
-            <a:r>
-              <a:rPr lang="zh-CN" altLang="en-US" dirty="0" smtClean="0">
-                <a:sym typeface="Arial" charset="0"/>
-              </a:rPr>
-              <a:t>元素。</a:t>
+              <a:t>数组可以存储基本数据类型和引用类型元素。</a:t>
             </a:r>
             <a:endParaRPr lang="en-US" altLang="zh-CN" dirty="0" smtClean="0">
               <a:sym typeface="Arial" charset="0"/>
@@ -5198,13 +5151,7 @@
               <a:rPr lang="zh-CN" altLang="en-US" dirty="0" smtClean="0">
                 <a:sym typeface="Arial" charset="0"/>
               </a:rPr>
-              <a:t>同一个数组中必须存储相同类型的</a:t>
-            </a:r>
-            <a:r>
-              <a:rPr lang="zh-CN" altLang="en-US" dirty="0" smtClean="0">
-                <a:sym typeface="Arial" charset="0"/>
-              </a:rPr>
-              <a:t>元素。</a:t>
+              <a:t>同一个数组中必须存储相同类型的元素。</a:t>
             </a:r>
             <a:endParaRPr lang="en-US" altLang="zh-CN" dirty="0" smtClean="0">
               <a:sym typeface="Arial" charset="0"/>
@@ -5220,13 +5167,7 @@
               <a:rPr lang="zh-CN" altLang="en-US" dirty="0" smtClean="0">
                 <a:sym typeface="Arial" charset="0"/>
               </a:rPr>
-              <a:t>数组中的元素有先后顺序，其顺序位置由数组下标</a:t>
-            </a:r>
-            <a:r>
-              <a:rPr lang="zh-CN" altLang="en-US" dirty="0" smtClean="0">
-                <a:sym typeface="Arial" charset="0"/>
-              </a:rPr>
-              <a:t>决定。</a:t>
+              <a:t>数组中的元素有先后顺序，其顺序位置由数组下标决定。</a:t>
             </a:r>
             <a:endParaRPr lang="en-US" altLang="zh-CN" dirty="0" smtClean="0">
               <a:sym typeface="Arial" charset="0"/>
